--- a/course_intro.pptx
+++ b/course_intro.pptx
@@ -291,7 +291,7 @@
           <a:p>
             <a:fld id="{68EFDCB5-6D71-EB44-9F0A-D3622F5F58F7}" type="datetimeFigureOut">
               <a:rPr lang="en-US" smtClean="0"/>
-              <a:t>28/07/2013</a:t>
+              <a:t>29/07/2013</a:t>
             </a:fld>
             <a:endParaRPr lang="en-US"/>
           </a:p>
@@ -461,7 +461,7 @@
           <a:p>
             <a:fld id="{68EFDCB5-6D71-EB44-9F0A-D3622F5F58F7}" type="datetimeFigureOut">
               <a:rPr lang="en-US" smtClean="0"/>
-              <a:t>28/07/2013</a:t>
+              <a:t>29/07/2013</a:t>
             </a:fld>
             <a:endParaRPr lang="en-US"/>
           </a:p>
@@ -641,7 +641,7 @@
           <a:p>
             <a:fld id="{68EFDCB5-6D71-EB44-9F0A-D3622F5F58F7}" type="datetimeFigureOut">
               <a:rPr lang="en-US" smtClean="0"/>
-              <a:t>28/07/2013</a:t>
+              <a:t>29/07/2013</a:t>
             </a:fld>
             <a:endParaRPr lang="en-US"/>
           </a:p>
@@ -811,7 +811,7 @@
           <a:p>
             <a:fld id="{68EFDCB5-6D71-EB44-9F0A-D3622F5F58F7}" type="datetimeFigureOut">
               <a:rPr lang="en-US" smtClean="0"/>
-              <a:t>28/07/2013</a:t>
+              <a:t>29/07/2013</a:t>
             </a:fld>
             <a:endParaRPr lang="en-US"/>
           </a:p>
@@ -1057,7 +1057,7 @@
           <a:p>
             <a:fld id="{68EFDCB5-6D71-EB44-9F0A-D3622F5F58F7}" type="datetimeFigureOut">
               <a:rPr lang="en-US" smtClean="0"/>
-              <a:t>28/07/2013</a:t>
+              <a:t>29/07/2013</a:t>
             </a:fld>
             <a:endParaRPr lang="en-US"/>
           </a:p>
@@ -1345,7 +1345,7 @@
           <a:p>
             <a:fld id="{68EFDCB5-6D71-EB44-9F0A-D3622F5F58F7}" type="datetimeFigureOut">
               <a:rPr lang="en-US" smtClean="0"/>
-              <a:t>28/07/2013</a:t>
+              <a:t>29/07/2013</a:t>
             </a:fld>
             <a:endParaRPr lang="en-US"/>
           </a:p>
@@ -1767,7 +1767,7 @@
           <a:p>
             <a:fld id="{68EFDCB5-6D71-EB44-9F0A-D3622F5F58F7}" type="datetimeFigureOut">
               <a:rPr lang="en-US" smtClean="0"/>
-              <a:t>28/07/2013</a:t>
+              <a:t>29/07/2013</a:t>
             </a:fld>
             <a:endParaRPr lang="en-US"/>
           </a:p>
@@ -1885,7 +1885,7 @@
           <a:p>
             <a:fld id="{68EFDCB5-6D71-EB44-9F0A-D3622F5F58F7}" type="datetimeFigureOut">
               <a:rPr lang="en-US" smtClean="0"/>
-              <a:t>28/07/2013</a:t>
+              <a:t>29/07/2013</a:t>
             </a:fld>
             <a:endParaRPr lang="en-US"/>
           </a:p>
@@ -1980,7 +1980,7 @@
           <a:p>
             <a:fld id="{68EFDCB5-6D71-EB44-9F0A-D3622F5F58F7}" type="datetimeFigureOut">
               <a:rPr lang="en-US" smtClean="0"/>
-              <a:t>28/07/2013</a:t>
+              <a:t>29/07/2013</a:t>
             </a:fld>
             <a:endParaRPr lang="en-US"/>
           </a:p>
@@ -2257,7 +2257,7 @@
           <a:p>
             <a:fld id="{68EFDCB5-6D71-EB44-9F0A-D3622F5F58F7}" type="datetimeFigureOut">
               <a:rPr lang="en-US" smtClean="0"/>
-              <a:t>28/07/2013</a:t>
+              <a:t>29/07/2013</a:t>
             </a:fld>
             <a:endParaRPr lang="en-US"/>
           </a:p>
@@ -2510,7 +2510,7 @@
           <a:p>
             <a:fld id="{68EFDCB5-6D71-EB44-9F0A-D3622F5F58F7}" type="datetimeFigureOut">
               <a:rPr lang="en-US" smtClean="0"/>
-              <a:t>28/07/2013</a:t>
+              <a:t>29/07/2013</a:t>
             </a:fld>
             <a:endParaRPr lang="en-US"/>
           </a:p>
@@ -2723,7 +2723,7 @@
           <a:p>
             <a:fld id="{68EFDCB5-6D71-EB44-9F0A-D3622F5F58F7}" type="datetimeFigureOut">
               <a:rPr lang="en-US" smtClean="0"/>
-              <a:t>28/07/2013</a:t>
+              <a:t>29/07/2013</a:t>
             </a:fld>
             <a:endParaRPr lang="en-US"/>
           </a:p>
@@ -3139,37 +3139,51 @@
         </p:spPr>
         <p:txBody>
           <a:bodyPr>
-            <a:normAutofit/>
+            <a:normAutofit fontScale="92500" lnSpcReduction="10000"/>
           </a:bodyPr>
           <a:lstStyle/>
           <a:p>
             <a:r>
               <a:rPr lang="en-US" sz="2600" dirty="0" smtClean="0"/>
-              <a:t>Graham </a:t>
-            </a:r>
+              <a:t>Graham Ritchie, EMBL-EBI &amp; Sanger Institute</a:t>
+            </a:r>
+          </a:p>
+          <a:p>
             <a:r>
               <a:rPr lang="en-US" sz="2600" dirty="0" smtClean="0"/>
-              <a:t>Ritchie, EMBL-EBI &amp; Sanger Institute</a:t>
-            </a:r>
-          </a:p>
-          <a:p>
+              <a:t>James </a:t>
+            </a:r>
             <a:r>
               <a:rPr lang="en-US" sz="2600" dirty="0" smtClean="0"/>
-              <a:t>Gabor </a:t>
-            </a:r>
-            <a:r>
-              <a:rPr lang="en-US" sz="2600" dirty="0" err="1" smtClean="0"/>
-              <a:t>Bunkoczi</a:t>
+              <a:t>Morris, Sanger </a:t>
             </a:r>
             <a:r>
               <a:rPr lang="en-US" sz="2600" dirty="0" smtClean="0"/>
-              <a:t>, CIMR, University of Cambridge</a:t>
-            </a:r>
-          </a:p>
-          <a:p>
+              <a:t>Institute</a:t>
+            </a:r>
+          </a:p>
+          <a:p>
+            <a:r>
+              <a:rPr lang="en-US" sz="2600" smtClean="0"/>
+              <a:t>In</a:t>
+            </a:r>
+            <a:r>
+              <a:rPr lang="en-US" sz="2600" smtClean="0"/>
+              <a:t>ê</a:t>
+            </a:r>
+            <a:r>
+              <a:rPr lang="en-US" sz="2600" smtClean="0"/>
+              <a:t>s</a:t>
+            </a:r>
             <a:r>
               <a:rPr lang="en-US" sz="2600" dirty="0" smtClean="0"/>
-              <a:t>James Morris, Sanger Institute</a:t>
+              <a:t> de Santiago, CRUK</a:t>
+            </a:r>
+          </a:p>
+          <a:p>
+            <a:r>
+              <a:rPr lang="en-US" sz="2600" dirty="0" smtClean="0"/>
+              <a:t>Tom Carroll, CRUK </a:t>
             </a:r>
             <a:endParaRPr lang="en-US" sz="2600" dirty="0"/>
           </a:p>
@@ -3185,6 +3199,13 @@
   <p:clrMapOvr>
     <a:masterClrMapping/>
   </p:clrMapOvr>
+  <p:timing>
+    <p:tnLst>
+      <p:par>
+        <p:cTn xmlns:p14="http://schemas.microsoft.com/office/powerpoint/2010/main" id="1" dur="indefinite" restart="never" nodeType="tmRoot"/>
+      </p:par>
+    </p:tnLst>
+  </p:timing>
 </p:sld>
 </file>
 
@@ -3301,6 +3322,13 @@
   <p:clrMapOvr>
     <a:masterClrMapping/>
   </p:clrMapOvr>
+  <p:timing>
+    <p:tnLst>
+      <p:par>
+        <p:cTn xmlns:p14="http://schemas.microsoft.com/office/powerpoint/2010/main" id="1" dur="indefinite" restart="never" nodeType="tmRoot"/>
+      </p:par>
+    </p:tnLst>
+  </p:timing>
 </p:sld>
 </file>
 
@@ -3447,6 +3475,13 @@
   <p:clrMapOvr>
     <a:masterClrMapping/>
   </p:clrMapOvr>
+  <p:timing>
+    <p:tnLst>
+      <p:par>
+        <p:cTn xmlns:p14="http://schemas.microsoft.com/office/powerpoint/2010/main" id="1" dur="indefinite" restart="never" nodeType="tmRoot"/>
+      </p:par>
+    </p:tnLst>
+  </p:timing>
 </p:sld>
 </file>
 
@@ -3539,11 +3574,7 @@
             </a:pPr>
             <a:r>
               <a:rPr lang="en-US" dirty="0" smtClean="0"/>
-              <a:t>You are encouraged </a:t>
-            </a:r>
-            <a:r>
-              <a:rPr lang="en-US" dirty="0" smtClean="0"/>
-              <a:t>to follow along with the materials</a:t>
+              <a:t>You are encouraged to follow along with the materials</a:t>
             </a:r>
           </a:p>
           <a:p>
@@ -3554,11 +3585,7 @@
             </a:pPr>
             <a:r>
               <a:rPr lang="en-US" dirty="0" smtClean="0"/>
-              <a:t>NB</a:t>
-            </a:r>
-            <a:r>
-              <a:rPr lang="en-US" dirty="0" smtClean="0"/>
-              <a:t>: this material is still in development, feedback is welcome!</a:t>
+              <a:t>NB: this material is still in development, feedback is welcome!</a:t>
             </a:r>
           </a:p>
         </p:txBody>
@@ -3573,6 +3600,13 @@
   <p:clrMapOvr>
     <a:masterClrMapping/>
   </p:clrMapOvr>
+  <p:timing>
+    <p:tnLst>
+      <p:par>
+        <p:cTn xmlns:p14="http://schemas.microsoft.com/office/powerpoint/2010/main" id="1" dur="indefinite" restart="never" nodeType="tmRoot"/>
+      </p:par>
+    </p:tnLst>
+  </p:timing>
 </p:sld>
 </file>
 

--- a/course_intro.pptx
+++ b/course_intro.pptx
@@ -4,11 +4,17 @@
   <p:sldMasterIdLst>
     <p:sldMasterId id="2147483648" r:id="rId1"/>
   </p:sldMasterIdLst>
+  <p:notesMasterIdLst>
+    <p:notesMasterId r:id="rId9"/>
+  </p:notesMasterIdLst>
   <p:sldIdLst>
     <p:sldId id="256" r:id="rId2"/>
     <p:sldId id="257" r:id="rId3"/>
     <p:sldId id="258" r:id="rId4"/>
     <p:sldId id="259" r:id="rId5"/>
+    <p:sldId id="260" r:id="rId6"/>
+    <p:sldId id="261" r:id="rId7"/>
+    <p:sldId id="262" r:id="rId8"/>
   </p:sldIdLst>
   <p:sldSz cx="9144000" cy="6858000" type="screen4x3"/>
   <p:notesSz cx="6858000" cy="9144000"/>
@@ -110,6 +116,920 @@
 </p:presentation>
 </file>
 
+<file path=ppt/notesMasters/notesMaster1.xml><?xml version="1.0" encoding="utf-8"?>
+<p:notesMaster xmlns:a="http://schemas.openxmlformats.org/drawingml/2006/main" xmlns:r="http://schemas.openxmlformats.org/officeDocument/2006/relationships" xmlns:p="http://schemas.openxmlformats.org/presentationml/2006/main">
+  <p:cSld>
+    <p:bg>
+      <p:bgRef idx="1001">
+        <a:schemeClr val="bg1"/>
+      </p:bgRef>
+    </p:bg>
+    <p:spTree>
+      <p:nvGrpSpPr>
+        <p:cNvPr id="1" name=""/>
+        <p:cNvGrpSpPr/>
+        <p:nvPr/>
+      </p:nvGrpSpPr>
+      <p:grpSpPr>
+        <a:xfrm>
+          <a:off x="0" y="0"/>
+          <a:ext cx="0" cy="0"/>
+          <a:chOff x="0" y="0"/>
+          <a:chExt cx="0" cy="0"/>
+        </a:xfrm>
+      </p:grpSpPr>
+      <p:sp>
+        <p:nvSpPr>
+          <p:cNvPr id="2" name="Header Placeholder 1"/>
+          <p:cNvSpPr>
+            <a:spLocks noGrp="1"/>
+          </p:cNvSpPr>
+          <p:nvPr>
+            <p:ph type="hdr" sz="quarter"/>
+          </p:nvPr>
+        </p:nvSpPr>
+        <p:spPr>
+          <a:xfrm>
+            <a:off x="0" y="0"/>
+            <a:ext cx="2971800" cy="457200"/>
+          </a:xfrm>
+          <a:prstGeom prst="rect">
+            <a:avLst/>
+          </a:prstGeom>
+        </p:spPr>
+        <p:txBody>
+          <a:bodyPr vert="horz" lIns="91440" tIns="45720" rIns="91440" bIns="45720" rtlCol="0"/>
+          <a:lstStyle>
+            <a:lvl1pPr algn="l">
+              <a:defRPr sz="1200"/>
+            </a:lvl1pPr>
+          </a:lstStyle>
+          <a:p>
+            <a:endParaRPr lang="en-GB"/>
+          </a:p>
+        </p:txBody>
+      </p:sp>
+      <p:sp>
+        <p:nvSpPr>
+          <p:cNvPr id="3" name="Date Placeholder 2"/>
+          <p:cNvSpPr>
+            <a:spLocks noGrp="1"/>
+          </p:cNvSpPr>
+          <p:nvPr>
+            <p:ph type="dt" idx="1"/>
+          </p:nvPr>
+        </p:nvSpPr>
+        <p:spPr>
+          <a:xfrm>
+            <a:off x="3884613" y="0"/>
+            <a:ext cx="2971800" cy="457200"/>
+          </a:xfrm>
+          <a:prstGeom prst="rect">
+            <a:avLst/>
+          </a:prstGeom>
+        </p:spPr>
+        <p:txBody>
+          <a:bodyPr vert="horz" lIns="91440" tIns="45720" rIns="91440" bIns="45720" rtlCol="0"/>
+          <a:lstStyle>
+            <a:lvl1pPr algn="r">
+              <a:defRPr sz="1200"/>
+            </a:lvl1pPr>
+          </a:lstStyle>
+          <a:p>
+            <a:fld id="{4904B9C1-6A3D-4C13-A01D-A515624776C7}" type="datetimeFigureOut">
+              <a:rPr lang="en-GB" smtClean="0"/>
+              <a:t>13/08/2013</a:t>
+            </a:fld>
+            <a:endParaRPr lang="en-GB"/>
+          </a:p>
+        </p:txBody>
+      </p:sp>
+      <p:sp>
+        <p:nvSpPr>
+          <p:cNvPr id="4" name="Slide Image Placeholder 3"/>
+          <p:cNvSpPr>
+            <a:spLocks noGrp="1" noRot="1" noChangeAspect="1"/>
+          </p:cNvSpPr>
+          <p:nvPr>
+            <p:ph type="sldImg" idx="2"/>
+          </p:nvPr>
+        </p:nvSpPr>
+        <p:spPr>
+          <a:xfrm>
+            <a:off x="1143000" y="685800"/>
+            <a:ext cx="4572000" cy="3429000"/>
+          </a:xfrm>
+          <a:prstGeom prst="rect">
+            <a:avLst/>
+          </a:prstGeom>
+          <a:noFill/>
+          <a:ln w="12700">
+            <a:solidFill>
+              <a:prstClr val="black"/>
+            </a:solidFill>
+          </a:ln>
+        </p:spPr>
+        <p:txBody>
+          <a:bodyPr vert="horz" lIns="91440" tIns="45720" rIns="91440" bIns="45720" rtlCol="0" anchor="ctr"/>
+          <a:lstStyle/>
+          <a:p>
+            <a:endParaRPr lang="en-GB"/>
+          </a:p>
+        </p:txBody>
+      </p:sp>
+      <p:sp>
+        <p:nvSpPr>
+          <p:cNvPr id="5" name="Notes Placeholder 4"/>
+          <p:cNvSpPr>
+            <a:spLocks noGrp="1"/>
+          </p:cNvSpPr>
+          <p:nvPr>
+            <p:ph type="body" sz="quarter" idx="3"/>
+          </p:nvPr>
+        </p:nvSpPr>
+        <p:spPr>
+          <a:xfrm>
+            <a:off x="685800" y="4343400"/>
+            <a:ext cx="5486400" cy="4114800"/>
+          </a:xfrm>
+          <a:prstGeom prst="rect">
+            <a:avLst/>
+          </a:prstGeom>
+        </p:spPr>
+        <p:txBody>
+          <a:bodyPr vert="horz" lIns="91440" tIns="45720" rIns="91440" bIns="45720" rtlCol="0">
+            <a:normAutofit/>
+          </a:bodyPr>
+          <a:lstStyle/>
+          <a:p>
+            <a:pPr lvl="0"/>
+            <a:r>
+              <a:rPr lang="en-US" smtClean="0"/>
+              <a:t>Click to edit Master text styles</a:t>
+            </a:r>
+          </a:p>
+          <a:p>
+            <a:pPr lvl="1"/>
+            <a:r>
+              <a:rPr lang="en-US" smtClean="0"/>
+              <a:t>Second level</a:t>
+            </a:r>
+          </a:p>
+          <a:p>
+            <a:pPr lvl="2"/>
+            <a:r>
+              <a:rPr lang="en-US" smtClean="0"/>
+              <a:t>Third level</a:t>
+            </a:r>
+          </a:p>
+          <a:p>
+            <a:pPr lvl="3"/>
+            <a:r>
+              <a:rPr lang="en-US" smtClean="0"/>
+              <a:t>Fourth level</a:t>
+            </a:r>
+          </a:p>
+          <a:p>
+            <a:pPr lvl="4"/>
+            <a:r>
+              <a:rPr lang="en-US" smtClean="0"/>
+              <a:t>Fifth level</a:t>
+            </a:r>
+            <a:endParaRPr lang="en-GB"/>
+          </a:p>
+        </p:txBody>
+      </p:sp>
+      <p:sp>
+        <p:nvSpPr>
+          <p:cNvPr id="6" name="Footer Placeholder 5"/>
+          <p:cNvSpPr>
+            <a:spLocks noGrp="1"/>
+          </p:cNvSpPr>
+          <p:nvPr>
+            <p:ph type="ftr" sz="quarter" idx="4"/>
+          </p:nvPr>
+        </p:nvSpPr>
+        <p:spPr>
+          <a:xfrm>
+            <a:off x="0" y="8685213"/>
+            <a:ext cx="2971800" cy="457200"/>
+          </a:xfrm>
+          <a:prstGeom prst="rect">
+            <a:avLst/>
+          </a:prstGeom>
+        </p:spPr>
+        <p:txBody>
+          <a:bodyPr vert="horz" lIns="91440" tIns="45720" rIns="91440" bIns="45720" rtlCol="0" anchor="b"/>
+          <a:lstStyle>
+            <a:lvl1pPr algn="l">
+              <a:defRPr sz="1200"/>
+            </a:lvl1pPr>
+          </a:lstStyle>
+          <a:p>
+            <a:endParaRPr lang="en-GB"/>
+          </a:p>
+        </p:txBody>
+      </p:sp>
+      <p:sp>
+        <p:nvSpPr>
+          <p:cNvPr id="7" name="Slide Number Placeholder 6"/>
+          <p:cNvSpPr>
+            <a:spLocks noGrp="1"/>
+          </p:cNvSpPr>
+          <p:nvPr>
+            <p:ph type="sldNum" sz="quarter" idx="5"/>
+          </p:nvPr>
+        </p:nvSpPr>
+        <p:spPr>
+          <a:xfrm>
+            <a:off x="3884613" y="8685213"/>
+            <a:ext cx="2971800" cy="457200"/>
+          </a:xfrm>
+          <a:prstGeom prst="rect">
+            <a:avLst/>
+          </a:prstGeom>
+        </p:spPr>
+        <p:txBody>
+          <a:bodyPr vert="horz" lIns="91440" tIns="45720" rIns="91440" bIns="45720" rtlCol="0" anchor="b"/>
+          <a:lstStyle>
+            <a:lvl1pPr algn="r">
+              <a:defRPr sz="1200"/>
+            </a:lvl1pPr>
+          </a:lstStyle>
+          <a:p>
+            <a:fld id="{4DFE0EF5-62D5-461F-8112-FF137DBB53DA}" type="slidenum">
+              <a:rPr lang="en-GB" smtClean="0"/>
+              <a:t>‹#›</a:t>
+            </a:fld>
+            <a:endParaRPr lang="en-GB"/>
+          </a:p>
+        </p:txBody>
+      </p:sp>
+    </p:spTree>
+  </p:cSld>
+  <p:clrMap bg1="lt1" tx1="dk1" bg2="lt2" tx2="dk2" accent1="accent1" accent2="accent2" accent3="accent3" accent4="accent4" accent5="accent5" accent6="accent6" hlink="hlink" folHlink="folHlink"/>
+  <p:notesStyle>
+    <a:lvl1pPr marL="0" algn="l" defTabSz="914400" rtl="0" eaLnBrk="1" latinLnBrk="0" hangingPunct="1">
+      <a:defRPr sz="1200" kern="1200">
+        <a:solidFill>
+          <a:schemeClr val="tx1"/>
+        </a:solidFill>
+        <a:latin typeface="+mn-lt"/>
+        <a:ea typeface="+mn-ea"/>
+        <a:cs typeface="+mn-cs"/>
+      </a:defRPr>
+    </a:lvl1pPr>
+    <a:lvl2pPr marL="457200" algn="l" defTabSz="914400" rtl="0" eaLnBrk="1" latinLnBrk="0" hangingPunct="1">
+      <a:defRPr sz="1200" kern="1200">
+        <a:solidFill>
+          <a:schemeClr val="tx1"/>
+        </a:solidFill>
+        <a:latin typeface="+mn-lt"/>
+        <a:ea typeface="+mn-ea"/>
+        <a:cs typeface="+mn-cs"/>
+      </a:defRPr>
+    </a:lvl2pPr>
+    <a:lvl3pPr marL="914400" algn="l" defTabSz="914400" rtl="0" eaLnBrk="1" latinLnBrk="0" hangingPunct="1">
+      <a:defRPr sz="1200" kern="1200">
+        <a:solidFill>
+          <a:schemeClr val="tx1"/>
+        </a:solidFill>
+        <a:latin typeface="+mn-lt"/>
+        <a:ea typeface="+mn-ea"/>
+        <a:cs typeface="+mn-cs"/>
+      </a:defRPr>
+    </a:lvl3pPr>
+    <a:lvl4pPr marL="1371600" algn="l" defTabSz="914400" rtl="0" eaLnBrk="1" latinLnBrk="0" hangingPunct="1">
+      <a:defRPr sz="1200" kern="1200">
+        <a:solidFill>
+          <a:schemeClr val="tx1"/>
+        </a:solidFill>
+        <a:latin typeface="+mn-lt"/>
+        <a:ea typeface="+mn-ea"/>
+        <a:cs typeface="+mn-cs"/>
+      </a:defRPr>
+    </a:lvl4pPr>
+    <a:lvl5pPr marL="1828800" algn="l" defTabSz="914400" rtl="0" eaLnBrk="1" latinLnBrk="0" hangingPunct="1">
+      <a:defRPr sz="1200" kern="1200">
+        <a:solidFill>
+          <a:schemeClr val="tx1"/>
+        </a:solidFill>
+        <a:latin typeface="+mn-lt"/>
+        <a:ea typeface="+mn-ea"/>
+        <a:cs typeface="+mn-cs"/>
+      </a:defRPr>
+    </a:lvl5pPr>
+    <a:lvl6pPr marL="2286000" algn="l" defTabSz="914400" rtl="0" eaLnBrk="1" latinLnBrk="0" hangingPunct="1">
+      <a:defRPr sz="1200" kern="1200">
+        <a:solidFill>
+          <a:schemeClr val="tx1"/>
+        </a:solidFill>
+        <a:latin typeface="+mn-lt"/>
+        <a:ea typeface="+mn-ea"/>
+        <a:cs typeface="+mn-cs"/>
+      </a:defRPr>
+    </a:lvl6pPr>
+    <a:lvl7pPr marL="2743200" algn="l" defTabSz="914400" rtl="0" eaLnBrk="1" latinLnBrk="0" hangingPunct="1">
+      <a:defRPr sz="1200" kern="1200">
+        <a:solidFill>
+          <a:schemeClr val="tx1"/>
+        </a:solidFill>
+        <a:latin typeface="+mn-lt"/>
+        <a:ea typeface="+mn-ea"/>
+        <a:cs typeface="+mn-cs"/>
+      </a:defRPr>
+    </a:lvl7pPr>
+    <a:lvl8pPr marL="3200400" algn="l" defTabSz="914400" rtl="0" eaLnBrk="1" latinLnBrk="0" hangingPunct="1">
+      <a:defRPr sz="1200" kern="1200">
+        <a:solidFill>
+          <a:schemeClr val="tx1"/>
+        </a:solidFill>
+        <a:latin typeface="+mn-lt"/>
+        <a:ea typeface="+mn-ea"/>
+        <a:cs typeface="+mn-cs"/>
+      </a:defRPr>
+    </a:lvl8pPr>
+    <a:lvl9pPr marL="3657600" algn="l" defTabSz="914400" rtl="0" eaLnBrk="1" latinLnBrk="0" hangingPunct="1">
+      <a:defRPr sz="1200" kern="1200">
+        <a:solidFill>
+          <a:schemeClr val="tx1"/>
+        </a:solidFill>
+        <a:latin typeface="+mn-lt"/>
+        <a:ea typeface="+mn-ea"/>
+        <a:cs typeface="+mn-cs"/>
+      </a:defRPr>
+    </a:lvl9pPr>
+  </p:notesStyle>
+</p:notesMaster>
+</file>
+
+<file path=ppt/notesSlides/notesSlide1.xml><?xml version="1.0" encoding="utf-8"?>
+<p:notes xmlns:a="http://schemas.openxmlformats.org/drawingml/2006/main" xmlns:r="http://schemas.openxmlformats.org/officeDocument/2006/relationships" xmlns:p="http://schemas.openxmlformats.org/presentationml/2006/main">
+  <p:cSld>
+    <p:spTree>
+      <p:nvGrpSpPr>
+        <p:cNvPr id="1" name=""/>
+        <p:cNvGrpSpPr/>
+        <p:nvPr/>
+      </p:nvGrpSpPr>
+      <p:grpSpPr>
+        <a:xfrm>
+          <a:off x="0" y="0"/>
+          <a:ext cx="0" cy="0"/>
+          <a:chOff x="0" y="0"/>
+          <a:chExt cx="0" cy="0"/>
+        </a:xfrm>
+      </p:grpSpPr>
+      <p:sp>
+        <p:nvSpPr>
+          <p:cNvPr id="2" name="Slide Image Placeholder 1"/>
+          <p:cNvSpPr>
+            <a:spLocks noGrp="1" noRot="1" noChangeAspect="1"/>
+          </p:cNvSpPr>
+          <p:nvPr>
+            <p:ph type="sldImg"/>
+          </p:nvPr>
+        </p:nvSpPr>
+        <p:spPr/>
+      </p:sp>
+      <p:sp>
+        <p:nvSpPr>
+          <p:cNvPr id="3" name="Notes Placeholder 2"/>
+          <p:cNvSpPr>
+            <a:spLocks noGrp="1"/>
+          </p:cNvSpPr>
+          <p:nvPr>
+            <p:ph type="body" idx="1"/>
+          </p:nvPr>
+        </p:nvSpPr>
+        <p:spPr/>
+        <p:txBody>
+          <a:bodyPr>
+            <a:normAutofit/>
+          </a:bodyPr>
+          <a:lstStyle/>
+          <a:p>
+            <a:endParaRPr lang="en-GB"/>
+          </a:p>
+        </p:txBody>
+      </p:sp>
+      <p:sp>
+        <p:nvSpPr>
+          <p:cNvPr id="4" name="Slide Number Placeholder 3"/>
+          <p:cNvSpPr>
+            <a:spLocks noGrp="1"/>
+          </p:cNvSpPr>
+          <p:nvPr>
+            <p:ph type="sldNum" sz="quarter" idx="10"/>
+          </p:nvPr>
+        </p:nvSpPr>
+        <p:spPr/>
+        <p:txBody>
+          <a:bodyPr/>
+          <a:lstStyle/>
+          <a:p>
+            <a:fld id="{4DFE0EF5-62D5-461F-8112-FF137DBB53DA}" type="slidenum">
+              <a:rPr lang="en-GB" smtClean="0"/>
+              <a:t>1</a:t>
+            </a:fld>
+            <a:endParaRPr lang="en-GB"/>
+          </a:p>
+        </p:txBody>
+      </p:sp>
+    </p:spTree>
+  </p:cSld>
+  <p:clrMapOvr>
+    <a:masterClrMapping/>
+  </p:clrMapOvr>
+</p:notes>
+</file>
+
+<file path=ppt/notesSlides/notesSlide2.xml><?xml version="1.0" encoding="utf-8"?>
+<p:notes xmlns:a="http://schemas.openxmlformats.org/drawingml/2006/main" xmlns:r="http://schemas.openxmlformats.org/officeDocument/2006/relationships" xmlns:p="http://schemas.openxmlformats.org/presentationml/2006/main">
+  <p:cSld>
+    <p:spTree>
+      <p:nvGrpSpPr>
+        <p:cNvPr id="1" name=""/>
+        <p:cNvGrpSpPr/>
+        <p:nvPr/>
+      </p:nvGrpSpPr>
+      <p:grpSpPr>
+        <a:xfrm>
+          <a:off x="0" y="0"/>
+          <a:ext cx="0" cy="0"/>
+          <a:chOff x="0" y="0"/>
+          <a:chExt cx="0" cy="0"/>
+        </a:xfrm>
+      </p:grpSpPr>
+      <p:sp>
+        <p:nvSpPr>
+          <p:cNvPr id="2" name="Slide Image Placeholder 1"/>
+          <p:cNvSpPr>
+            <a:spLocks noGrp="1" noRot="1" noChangeAspect="1"/>
+          </p:cNvSpPr>
+          <p:nvPr>
+            <p:ph type="sldImg"/>
+          </p:nvPr>
+        </p:nvSpPr>
+        <p:spPr/>
+      </p:sp>
+      <p:sp>
+        <p:nvSpPr>
+          <p:cNvPr id="3" name="Notes Placeholder 2"/>
+          <p:cNvSpPr>
+            <a:spLocks noGrp="1"/>
+          </p:cNvSpPr>
+          <p:nvPr>
+            <p:ph type="body" idx="1"/>
+          </p:nvPr>
+        </p:nvSpPr>
+        <p:spPr/>
+        <p:txBody>
+          <a:bodyPr>
+            <a:normAutofit/>
+          </a:bodyPr>
+          <a:lstStyle/>
+          <a:p>
+            <a:endParaRPr lang="en-GB"/>
+          </a:p>
+        </p:txBody>
+      </p:sp>
+      <p:sp>
+        <p:nvSpPr>
+          <p:cNvPr id="4" name="Slide Number Placeholder 3"/>
+          <p:cNvSpPr>
+            <a:spLocks noGrp="1"/>
+          </p:cNvSpPr>
+          <p:nvPr>
+            <p:ph type="sldNum" sz="quarter" idx="10"/>
+          </p:nvPr>
+        </p:nvSpPr>
+        <p:spPr/>
+        <p:txBody>
+          <a:bodyPr/>
+          <a:lstStyle/>
+          <a:p>
+            <a:fld id="{4DFE0EF5-62D5-461F-8112-FF137DBB53DA}" type="slidenum">
+              <a:rPr lang="en-GB" smtClean="0"/>
+              <a:t>2</a:t>
+            </a:fld>
+            <a:endParaRPr lang="en-GB"/>
+          </a:p>
+        </p:txBody>
+      </p:sp>
+    </p:spTree>
+  </p:cSld>
+  <p:clrMapOvr>
+    <a:masterClrMapping/>
+  </p:clrMapOvr>
+</p:notes>
+</file>
+
+<file path=ppt/notesSlides/notesSlide3.xml><?xml version="1.0" encoding="utf-8"?>
+<p:notes xmlns:a="http://schemas.openxmlformats.org/drawingml/2006/main" xmlns:r="http://schemas.openxmlformats.org/officeDocument/2006/relationships" xmlns:p="http://schemas.openxmlformats.org/presentationml/2006/main">
+  <p:cSld>
+    <p:spTree>
+      <p:nvGrpSpPr>
+        <p:cNvPr id="1" name=""/>
+        <p:cNvGrpSpPr/>
+        <p:nvPr/>
+      </p:nvGrpSpPr>
+      <p:grpSpPr>
+        <a:xfrm>
+          <a:off x="0" y="0"/>
+          <a:ext cx="0" cy="0"/>
+          <a:chOff x="0" y="0"/>
+          <a:chExt cx="0" cy="0"/>
+        </a:xfrm>
+      </p:grpSpPr>
+      <p:sp>
+        <p:nvSpPr>
+          <p:cNvPr id="2" name="Slide Image Placeholder 1"/>
+          <p:cNvSpPr>
+            <a:spLocks noGrp="1" noRot="1" noChangeAspect="1"/>
+          </p:cNvSpPr>
+          <p:nvPr>
+            <p:ph type="sldImg"/>
+          </p:nvPr>
+        </p:nvSpPr>
+        <p:spPr/>
+      </p:sp>
+      <p:sp>
+        <p:nvSpPr>
+          <p:cNvPr id="3" name="Notes Placeholder 2"/>
+          <p:cNvSpPr>
+            <a:spLocks noGrp="1"/>
+          </p:cNvSpPr>
+          <p:nvPr>
+            <p:ph type="body" idx="1"/>
+          </p:nvPr>
+        </p:nvSpPr>
+        <p:spPr/>
+        <p:txBody>
+          <a:bodyPr>
+            <a:normAutofit/>
+          </a:bodyPr>
+          <a:lstStyle/>
+          <a:p>
+            <a:endParaRPr lang="en-GB"/>
+          </a:p>
+        </p:txBody>
+      </p:sp>
+      <p:sp>
+        <p:nvSpPr>
+          <p:cNvPr id="4" name="Slide Number Placeholder 3"/>
+          <p:cNvSpPr>
+            <a:spLocks noGrp="1"/>
+          </p:cNvSpPr>
+          <p:nvPr>
+            <p:ph type="sldNum" sz="quarter" idx="10"/>
+          </p:nvPr>
+        </p:nvSpPr>
+        <p:spPr/>
+        <p:txBody>
+          <a:bodyPr/>
+          <a:lstStyle/>
+          <a:p>
+            <a:fld id="{4DFE0EF5-62D5-461F-8112-FF137DBB53DA}" type="slidenum">
+              <a:rPr lang="en-GB" smtClean="0"/>
+              <a:t>3</a:t>
+            </a:fld>
+            <a:endParaRPr lang="en-GB"/>
+          </a:p>
+        </p:txBody>
+      </p:sp>
+    </p:spTree>
+  </p:cSld>
+  <p:clrMapOvr>
+    <a:masterClrMapping/>
+  </p:clrMapOvr>
+</p:notes>
+</file>
+
+<file path=ppt/notesSlides/notesSlide4.xml><?xml version="1.0" encoding="utf-8"?>
+<p:notes xmlns:a="http://schemas.openxmlformats.org/drawingml/2006/main" xmlns:r="http://schemas.openxmlformats.org/officeDocument/2006/relationships" xmlns:p="http://schemas.openxmlformats.org/presentationml/2006/main">
+  <p:cSld>
+    <p:spTree>
+      <p:nvGrpSpPr>
+        <p:cNvPr id="1" name=""/>
+        <p:cNvGrpSpPr/>
+        <p:nvPr/>
+      </p:nvGrpSpPr>
+      <p:grpSpPr>
+        <a:xfrm>
+          <a:off x="0" y="0"/>
+          <a:ext cx="0" cy="0"/>
+          <a:chOff x="0" y="0"/>
+          <a:chExt cx="0" cy="0"/>
+        </a:xfrm>
+      </p:grpSpPr>
+      <p:sp>
+        <p:nvSpPr>
+          <p:cNvPr id="2" name="Slide Image Placeholder 1"/>
+          <p:cNvSpPr>
+            <a:spLocks noGrp="1" noRot="1" noChangeAspect="1"/>
+          </p:cNvSpPr>
+          <p:nvPr>
+            <p:ph type="sldImg"/>
+          </p:nvPr>
+        </p:nvSpPr>
+        <p:spPr/>
+      </p:sp>
+      <p:sp>
+        <p:nvSpPr>
+          <p:cNvPr id="3" name="Notes Placeholder 2"/>
+          <p:cNvSpPr>
+            <a:spLocks noGrp="1"/>
+          </p:cNvSpPr>
+          <p:nvPr>
+            <p:ph type="body" idx="1"/>
+          </p:nvPr>
+        </p:nvSpPr>
+        <p:spPr/>
+        <p:txBody>
+          <a:bodyPr>
+            <a:normAutofit/>
+          </a:bodyPr>
+          <a:lstStyle/>
+          <a:p>
+            <a:endParaRPr lang="en-GB"/>
+          </a:p>
+        </p:txBody>
+      </p:sp>
+      <p:sp>
+        <p:nvSpPr>
+          <p:cNvPr id="4" name="Slide Number Placeholder 3"/>
+          <p:cNvSpPr>
+            <a:spLocks noGrp="1"/>
+          </p:cNvSpPr>
+          <p:nvPr>
+            <p:ph type="sldNum" sz="quarter" idx="10"/>
+          </p:nvPr>
+        </p:nvSpPr>
+        <p:spPr/>
+        <p:txBody>
+          <a:bodyPr/>
+          <a:lstStyle/>
+          <a:p>
+            <a:fld id="{4DFE0EF5-62D5-461F-8112-FF137DBB53DA}" type="slidenum">
+              <a:rPr lang="en-GB" smtClean="0"/>
+              <a:t>4</a:t>
+            </a:fld>
+            <a:endParaRPr lang="en-GB"/>
+          </a:p>
+        </p:txBody>
+      </p:sp>
+    </p:spTree>
+  </p:cSld>
+  <p:clrMapOvr>
+    <a:masterClrMapping/>
+  </p:clrMapOvr>
+</p:notes>
+</file>
+
+<file path=ppt/notesSlides/notesSlide5.xml><?xml version="1.0" encoding="utf-8"?>
+<p:notes xmlns:a="http://schemas.openxmlformats.org/drawingml/2006/main" xmlns:r="http://schemas.openxmlformats.org/officeDocument/2006/relationships" xmlns:p="http://schemas.openxmlformats.org/presentationml/2006/main">
+  <p:cSld>
+    <p:spTree>
+      <p:nvGrpSpPr>
+        <p:cNvPr id="1" name=""/>
+        <p:cNvGrpSpPr/>
+        <p:nvPr/>
+      </p:nvGrpSpPr>
+      <p:grpSpPr>
+        <a:xfrm>
+          <a:off x="0" y="0"/>
+          <a:ext cx="0" cy="0"/>
+          <a:chOff x="0" y="0"/>
+          <a:chExt cx="0" cy="0"/>
+        </a:xfrm>
+      </p:grpSpPr>
+      <p:sp>
+        <p:nvSpPr>
+          <p:cNvPr id="2" name="Slide Image Placeholder 1"/>
+          <p:cNvSpPr>
+            <a:spLocks noGrp="1" noRot="1" noChangeAspect="1"/>
+          </p:cNvSpPr>
+          <p:nvPr>
+            <p:ph type="sldImg"/>
+          </p:nvPr>
+        </p:nvSpPr>
+        <p:spPr/>
+      </p:sp>
+      <p:sp>
+        <p:nvSpPr>
+          <p:cNvPr id="3" name="Notes Placeholder 2"/>
+          <p:cNvSpPr>
+            <a:spLocks noGrp="1"/>
+          </p:cNvSpPr>
+          <p:nvPr>
+            <p:ph type="body" idx="1"/>
+          </p:nvPr>
+        </p:nvSpPr>
+        <p:spPr/>
+        <p:txBody>
+          <a:bodyPr>
+            <a:normAutofit/>
+          </a:bodyPr>
+          <a:lstStyle/>
+          <a:p>
+            <a:endParaRPr lang="en-GB"/>
+          </a:p>
+        </p:txBody>
+      </p:sp>
+      <p:sp>
+        <p:nvSpPr>
+          <p:cNvPr id="4" name="Slide Number Placeholder 3"/>
+          <p:cNvSpPr>
+            <a:spLocks noGrp="1"/>
+          </p:cNvSpPr>
+          <p:nvPr>
+            <p:ph type="sldNum" sz="quarter" idx="10"/>
+          </p:nvPr>
+        </p:nvSpPr>
+        <p:spPr/>
+        <p:txBody>
+          <a:bodyPr/>
+          <a:lstStyle/>
+          <a:p>
+            <a:fld id="{4DFE0EF5-62D5-461F-8112-FF137DBB53DA}" type="slidenum">
+              <a:rPr lang="en-GB" smtClean="0"/>
+              <a:t>5</a:t>
+            </a:fld>
+            <a:endParaRPr lang="en-GB"/>
+          </a:p>
+        </p:txBody>
+      </p:sp>
+    </p:spTree>
+  </p:cSld>
+  <p:clrMapOvr>
+    <a:masterClrMapping/>
+  </p:clrMapOvr>
+</p:notes>
+</file>
+
+<file path=ppt/notesSlides/notesSlide6.xml><?xml version="1.0" encoding="utf-8"?>
+<p:notes xmlns:a="http://schemas.openxmlformats.org/drawingml/2006/main" xmlns:r="http://schemas.openxmlformats.org/officeDocument/2006/relationships" xmlns:p="http://schemas.openxmlformats.org/presentationml/2006/main">
+  <p:cSld>
+    <p:spTree>
+      <p:nvGrpSpPr>
+        <p:cNvPr id="1" name=""/>
+        <p:cNvGrpSpPr/>
+        <p:nvPr/>
+      </p:nvGrpSpPr>
+      <p:grpSpPr>
+        <a:xfrm>
+          <a:off x="0" y="0"/>
+          <a:ext cx="0" cy="0"/>
+          <a:chOff x="0" y="0"/>
+          <a:chExt cx="0" cy="0"/>
+        </a:xfrm>
+      </p:grpSpPr>
+      <p:sp>
+        <p:nvSpPr>
+          <p:cNvPr id="2" name="Slide Image Placeholder 1"/>
+          <p:cNvSpPr>
+            <a:spLocks noGrp="1" noRot="1" noChangeAspect="1"/>
+          </p:cNvSpPr>
+          <p:nvPr>
+            <p:ph type="sldImg"/>
+          </p:nvPr>
+        </p:nvSpPr>
+        <p:spPr/>
+      </p:sp>
+      <p:sp>
+        <p:nvSpPr>
+          <p:cNvPr id="3" name="Notes Placeholder 2"/>
+          <p:cNvSpPr>
+            <a:spLocks noGrp="1"/>
+          </p:cNvSpPr>
+          <p:nvPr>
+            <p:ph type="body" idx="1"/>
+          </p:nvPr>
+        </p:nvSpPr>
+        <p:spPr/>
+        <p:txBody>
+          <a:bodyPr>
+            <a:normAutofit/>
+          </a:bodyPr>
+          <a:lstStyle/>
+          <a:p>
+            <a:endParaRPr lang="en-GB"/>
+          </a:p>
+        </p:txBody>
+      </p:sp>
+      <p:sp>
+        <p:nvSpPr>
+          <p:cNvPr id="4" name="Slide Number Placeholder 3"/>
+          <p:cNvSpPr>
+            <a:spLocks noGrp="1"/>
+          </p:cNvSpPr>
+          <p:nvPr>
+            <p:ph type="sldNum" sz="quarter" idx="10"/>
+          </p:nvPr>
+        </p:nvSpPr>
+        <p:spPr/>
+        <p:txBody>
+          <a:bodyPr/>
+          <a:lstStyle/>
+          <a:p>
+            <a:fld id="{4DFE0EF5-62D5-461F-8112-FF137DBB53DA}" type="slidenum">
+              <a:rPr lang="en-GB" smtClean="0"/>
+              <a:t>6</a:t>
+            </a:fld>
+            <a:endParaRPr lang="en-GB"/>
+          </a:p>
+        </p:txBody>
+      </p:sp>
+    </p:spTree>
+  </p:cSld>
+  <p:clrMapOvr>
+    <a:masterClrMapping/>
+  </p:clrMapOvr>
+</p:notes>
+</file>
+
+<file path=ppt/notesSlides/notesSlide7.xml><?xml version="1.0" encoding="utf-8"?>
+<p:notes xmlns:a="http://schemas.openxmlformats.org/drawingml/2006/main" xmlns:r="http://schemas.openxmlformats.org/officeDocument/2006/relationships" xmlns:p="http://schemas.openxmlformats.org/presentationml/2006/main">
+  <p:cSld>
+    <p:spTree>
+      <p:nvGrpSpPr>
+        <p:cNvPr id="1" name=""/>
+        <p:cNvGrpSpPr/>
+        <p:nvPr/>
+      </p:nvGrpSpPr>
+      <p:grpSpPr>
+        <a:xfrm>
+          <a:off x="0" y="0"/>
+          <a:ext cx="0" cy="0"/>
+          <a:chOff x="0" y="0"/>
+          <a:chExt cx="0" cy="0"/>
+        </a:xfrm>
+      </p:grpSpPr>
+      <p:sp>
+        <p:nvSpPr>
+          <p:cNvPr id="2" name="Slide Image Placeholder 1"/>
+          <p:cNvSpPr>
+            <a:spLocks noGrp="1" noRot="1" noChangeAspect="1"/>
+          </p:cNvSpPr>
+          <p:nvPr>
+            <p:ph type="sldImg"/>
+          </p:nvPr>
+        </p:nvSpPr>
+        <p:spPr/>
+      </p:sp>
+      <p:sp>
+        <p:nvSpPr>
+          <p:cNvPr id="3" name="Notes Placeholder 2"/>
+          <p:cNvSpPr>
+            <a:spLocks noGrp="1"/>
+          </p:cNvSpPr>
+          <p:nvPr>
+            <p:ph type="body" idx="1"/>
+          </p:nvPr>
+        </p:nvSpPr>
+        <p:spPr/>
+        <p:txBody>
+          <a:bodyPr>
+            <a:normAutofit/>
+          </a:bodyPr>
+          <a:lstStyle/>
+          <a:p>
+            <a:endParaRPr lang="en-GB"/>
+          </a:p>
+        </p:txBody>
+      </p:sp>
+      <p:sp>
+        <p:nvSpPr>
+          <p:cNvPr id="4" name="Slide Number Placeholder 3"/>
+          <p:cNvSpPr>
+            <a:spLocks noGrp="1"/>
+          </p:cNvSpPr>
+          <p:nvPr>
+            <p:ph type="sldNum" sz="quarter" idx="10"/>
+          </p:nvPr>
+        </p:nvSpPr>
+        <p:spPr/>
+        <p:txBody>
+          <a:bodyPr/>
+          <a:lstStyle/>
+          <a:p>
+            <a:fld id="{4DFE0EF5-62D5-461F-8112-FF137DBB53DA}" type="slidenum">
+              <a:rPr lang="en-GB" smtClean="0"/>
+              <a:t>7</a:t>
+            </a:fld>
+            <a:endParaRPr lang="en-GB"/>
+          </a:p>
+        </p:txBody>
+      </p:sp>
+    </p:spTree>
+  </p:cSld>
+  <p:clrMapOvr>
+    <a:masterClrMapping/>
+  </p:clrMapOvr>
+</p:notes>
+</file>
+
 <file path=ppt/slideLayouts/slideLayout1.xml><?xml version="1.0" encoding="utf-8"?>
 <p:sldLayout xmlns:a="http://schemas.openxmlformats.org/drawingml/2006/main" xmlns:r="http://schemas.openxmlformats.org/officeDocument/2006/relationships" xmlns:p="http://schemas.openxmlformats.org/presentationml/2006/main" type="title" preserve="1">
   <p:cSld name="Title Slide">
@@ -291,7 +1211,8 @@
           <a:p>
             <a:fld id="{68EFDCB5-6D71-EB44-9F0A-D3622F5F58F7}" type="datetimeFigureOut">
               <a:rPr lang="en-US" smtClean="0"/>
-              <a:t>29/07/2013</a:t>
+              <a:pPr/>
+              <a:t>8/13/2013</a:t>
             </a:fld>
             <a:endParaRPr lang="en-US"/>
           </a:p>
@@ -333,6 +1254,7 @@
           <a:p>
             <a:fld id="{FAB77DF2-D252-904B-AD75-5F3944DC39F5}" type="slidenum">
               <a:rPr lang="en-US" smtClean="0"/>
+              <a:pPr/>
               <a:t>‹#›</a:t>
             </a:fld>
             <a:endParaRPr lang="en-US"/>
@@ -342,7 +1264,7 @@
     </p:spTree>
     <p:extLst>
       <p:ext uri="{BB962C8B-B14F-4D97-AF65-F5344CB8AC3E}">
-        <p14:creationId xmlns:p14="http://schemas.microsoft.com/office/powerpoint/2010/main" val="1824502421"/>
+        <p14:creationId xmlns:p14="http://schemas.microsoft.com/office/powerpoint/2010/main" xmlns="" val="1824502421"/>
       </p:ext>
     </p:extLst>
   </p:cSld>
@@ -461,7 +1383,8 @@
           <a:p>
             <a:fld id="{68EFDCB5-6D71-EB44-9F0A-D3622F5F58F7}" type="datetimeFigureOut">
               <a:rPr lang="en-US" smtClean="0"/>
-              <a:t>29/07/2013</a:t>
+              <a:pPr/>
+              <a:t>8/13/2013</a:t>
             </a:fld>
             <a:endParaRPr lang="en-US"/>
           </a:p>
@@ -503,6 +1426,7 @@
           <a:p>
             <a:fld id="{FAB77DF2-D252-904B-AD75-5F3944DC39F5}" type="slidenum">
               <a:rPr lang="en-US" smtClean="0"/>
+              <a:pPr/>
               <a:t>‹#›</a:t>
             </a:fld>
             <a:endParaRPr lang="en-US"/>
@@ -512,7 +1436,7 @@
     </p:spTree>
     <p:extLst>
       <p:ext uri="{BB962C8B-B14F-4D97-AF65-F5344CB8AC3E}">
-        <p14:creationId xmlns:p14="http://schemas.microsoft.com/office/powerpoint/2010/main" val="3640608444"/>
+        <p14:creationId xmlns:p14="http://schemas.microsoft.com/office/powerpoint/2010/main" xmlns="" val="3640608444"/>
       </p:ext>
     </p:extLst>
   </p:cSld>
@@ -641,7 +1565,8 @@
           <a:p>
             <a:fld id="{68EFDCB5-6D71-EB44-9F0A-D3622F5F58F7}" type="datetimeFigureOut">
               <a:rPr lang="en-US" smtClean="0"/>
-              <a:t>29/07/2013</a:t>
+              <a:pPr/>
+              <a:t>8/13/2013</a:t>
             </a:fld>
             <a:endParaRPr lang="en-US"/>
           </a:p>
@@ -683,6 +1608,7 @@
           <a:p>
             <a:fld id="{FAB77DF2-D252-904B-AD75-5F3944DC39F5}" type="slidenum">
               <a:rPr lang="en-US" smtClean="0"/>
+              <a:pPr/>
               <a:t>‹#›</a:t>
             </a:fld>
             <a:endParaRPr lang="en-US"/>
@@ -692,7 +1618,7 @@
     </p:spTree>
     <p:extLst>
       <p:ext uri="{BB962C8B-B14F-4D97-AF65-F5344CB8AC3E}">
-        <p14:creationId xmlns:p14="http://schemas.microsoft.com/office/powerpoint/2010/main" val="3071332235"/>
+        <p14:creationId xmlns:p14="http://schemas.microsoft.com/office/powerpoint/2010/main" xmlns="" val="3071332235"/>
       </p:ext>
     </p:extLst>
   </p:cSld>
@@ -811,7 +1737,8 @@
           <a:p>
             <a:fld id="{68EFDCB5-6D71-EB44-9F0A-D3622F5F58F7}" type="datetimeFigureOut">
               <a:rPr lang="en-US" smtClean="0"/>
-              <a:t>29/07/2013</a:t>
+              <a:pPr/>
+              <a:t>8/13/2013</a:t>
             </a:fld>
             <a:endParaRPr lang="en-US"/>
           </a:p>
@@ -853,6 +1780,7 @@
           <a:p>
             <a:fld id="{FAB77DF2-D252-904B-AD75-5F3944DC39F5}" type="slidenum">
               <a:rPr lang="en-US" smtClean="0"/>
+              <a:pPr/>
               <a:t>‹#›</a:t>
             </a:fld>
             <a:endParaRPr lang="en-US"/>
@@ -862,7 +1790,7 @@
     </p:spTree>
     <p:extLst>
       <p:ext uri="{BB962C8B-B14F-4D97-AF65-F5344CB8AC3E}">
-        <p14:creationId xmlns:p14="http://schemas.microsoft.com/office/powerpoint/2010/main" val="2471939814"/>
+        <p14:creationId xmlns:p14="http://schemas.microsoft.com/office/powerpoint/2010/main" xmlns="" val="2471939814"/>
       </p:ext>
     </p:extLst>
   </p:cSld>
@@ -1057,7 +1985,8 @@
           <a:p>
             <a:fld id="{68EFDCB5-6D71-EB44-9F0A-D3622F5F58F7}" type="datetimeFigureOut">
               <a:rPr lang="en-US" smtClean="0"/>
-              <a:t>29/07/2013</a:t>
+              <a:pPr/>
+              <a:t>8/13/2013</a:t>
             </a:fld>
             <a:endParaRPr lang="en-US"/>
           </a:p>
@@ -1099,6 +2028,7 @@
           <a:p>
             <a:fld id="{FAB77DF2-D252-904B-AD75-5F3944DC39F5}" type="slidenum">
               <a:rPr lang="en-US" smtClean="0"/>
+              <a:pPr/>
               <a:t>‹#›</a:t>
             </a:fld>
             <a:endParaRPr lang="en-US"/>
@@ -1108,7 +2038,7 @@
     </p:spTree>
     <p:extLst>
       <p:ext uri="{BB962C8B-B14F-4D97-AF65-F5344CB8AC3E}">
-        <p14:creationId xmlns:p14="http://schemas.microsoft.com/office/powerpoint/2010/main" val="1787784368"/>
+        <p14:creationId xmlns:p14="http://schemas.microsoft.com/office/powerpoint/2010/main" xmlns="" val="1787784368"/>
       </p:ext>
     </p:extLst>
   </p:cSld>
@@ -1345,7 +2275,8 @@
           <a:p>
             <a:fld id="{68EFDCB5-6D71-EB44-9F0A-D3622F5F58F7}" type="datetimeFigureOut">
               <a:rPr lang="en-US" smtClean="0"/>
-              <a:t>29/07/2013</a:t>
+              <a:pPr/>
+              <a:t>8/13/2013</a:t>
             </a:fld>
             <a:endParaRPr lang="en-US"/>
           </a:p>
@@ -1387,6 +2318,7 @@
           <a:p>
             <a:fld id="{FAB77DF2-D252-904B-AD75-5F3944DC39F5}" type="slidenum">
               <a:rPr lang="en-US" smtClean="0"/>
+              <a:pPr/>
               <a:t>‹#›</a:t>
             </a:fld>
             <a:endParaRPr lang="en-US"/>
@@ -1396,7 +2328,7 @@
     </p:spTree>
     <p:extLst>
       <p:ext uri="{BB962C8B-B14F-4D97-AF65-F5344CB8AC3E}">
-        <p14:creationId xmlns:p14="http://schemas.microsoft.com/office/powerpoint/2010/main" val="770563960"/>
+        <p14:creationId xmlns:p14="http://schemas.microsoft.com/office/powerpoint/2010/main" xmlns="" val="770563960"/>
       </p:ext>
     </p:extLst>
   </p:cSld>
@@ -1767,7 +2699,8 @@
           <a:p>
             <a:fld id="{68EFDCB5-6D71-EB44-9F0A-D3622F5F58F7}" type="datetimeFigureOut">
               <a:rPr lang="en-US" smtClean="0"/>
-              <a:t>29/07/2013</a:t>
+              <a:pPr/>
+              <a:t>8/13/2013</a:t>
             </a:fld>
             <a:endParaRPr lang="en-US"/>
           </a:p>
@@ -1809,6 +2742,7 @@
           <a:p>
             <a:fld id="{FAB77DF2-D252-904B-AD75-5F3944DC39F5}" type="slidenum">
               <a:rPr lang="en-US" smtClean="0"/>
+              <a:pPr/>
               <a:t>‹#›</a:t>
             </a:fld>
             <a:endParaRPr lang="en-US"/>
@@ -1818,7 +2752,7 @@
     </p:spTree>
     <p:extLst>
       <p:ext uri="{BB962C8B-B14F-4D97-AF65-F5344CB8AC3E}">
-        <p14:creationId xmlns:p14="http://schemas.microsoft.com/office/powerpoint/2010/main" val="1816054316"/>
+        <p14:creationId xmlns:p14="http://schemas.microsoft.com/office/powerpoint/2010/main" xmlns="" val="1816054316"/>
       </p:ext>
     </p:extLst>
   </p:cSld>
@@ -1885,7 +2819,8 @@
           <a:p>
             <a:fld id="{68EFDCB5-6D71-EB44-9F0A-D3622F5F58F7}" type="datetimeFigureOut">
               <a:rPr lang="en-US" smtClean="0"/>
-              <a:t>29/07/2013</a:t>
+              <a:pPr/>
+              <a:t>8/13/2013</a:t>
             </a:fld>
             <a:endParaRPr lang="en-US"/>
           </a:p>
@@ -1927,6 +2862,7 @@
           <a:p>
             <a:fld id="{FAB77DF2-D252-904B-AD75-5F3944DC39F5}" type="slidenum">
               <a:rPr lang="en-US" smtClean="0"/>
+              <a:pPr/>
               <a:t>‹#›</a:t>
             </a:fld>
             <a:endParaRPr lang="en-US"/>
@@ -1936,7 +2872,7 @@
     </p:spTree>
     <p:extLst>
       <p:ext uri="{BB962C8B-B14F-4D97-AF65-F5344CB8AC3E}">
-        <p14:creationId xmlns:p14="http://schemas.microsoft.com/office/powerpoint/2010/main" val="462231512"/>
+        <p14:creationId xmlns:p14="http://schemas.microsoft.com/office/powerpoint/2010/main" xmlns="" val="462231512"/>
       </p:ext>
     </p:extLst>
   </p:cSld>
@@ -1980,7 +2916,8 @@
           <a:p>
             <a:fld id="{68EFDCB5-6D71-EB44-9F0A-D3622F5F58F7}" type="datetimeFigureOut">
               <a:rPr lang="en-US" smtClean="0"/>
-              <a:t>29/07/2013</a:t>
+              <a:pPr/>
+              <a:t>8/13/2013</a:t>
             </a:fld>
             <a:endParaRPr lang="en-US"/>
           </a:p>
@@ -2022,6 +2959,7 @@
           <a:p>
             <a:fld id="{FAB77DF2-D252-904B-AD75-5F3944DC39F5}" type="slidenum">
               <a:rPr lang="en-US" smtClean="0"/>
+              <a:pPr/>
               <a:t>‹#›</a:t>
             </a:fld>
             <a:endParaRPr lang="en-US"/>
@@ -2031,7 +2969,7 @@
     </p:spTree>
     <p:extLst>
       <p:ext uri="{BB962C8B-B14F-4D97-AF65-F5344CB8AC3E}">
-        <p14:creationId xmlns:p14="http://schemas.microsoft.com/office/powerpoint/2010/main" val="3456454501"/>
+        <p14:creationId xmlns:p14="http://schemas.microsoft.com/office/powerpoint/2010/main" xmlns="" val="3456454501"/>
       </p:ext>
     </p:extLst>
   </p:cSld>
@@ -2257,7 +3195,8 @@
           <a:p>
             <a:fld id="{68EFDCB5-6D71-EB44-9F0A-D3622F5F58F7}" type="datetimeFigureOut">
               <a:rPr lang="en-US" smtClean="0"/>
-              <a:t>29/07/2013</a:t>
+              <a:pPr/>
+              <a:t>8/13/2013</a:t>
             </a:fld>
             <a:endParaRPr lang="en-US"/>
           </a:p>
@@ -2299,6 +3238,7 @@
           <a:p>
             <a:fld id="{FAB77DF2-D252-904B-AD75-5F3944DC39F5}" type="slidenum">
               <a:rPr lang="en-US" smtClean="0"/>
+              <a:pPr/>
               <a:t>‹#›</a:t>
             </a:fld>
             <a:endParaRPr lang="en-US"/>
@@ -2308,7 +3248,7 @@
     </p:spTree>
     <p:extLst>
       <p:ext uri="{BB962C8B-B14F-4D97-AF65-F5344CB8AC3E}">
-        <p14:creationId xmlns:p14="http://schemas.microsoft.com/office/powerpoint/2010/main" val="1394508752"/>
+        <p14:creationId xmlns:p14="http://schemas.microsoft.com/office/powerpoint/2010/main" xmlns="" val="1394508752"/>
       </p:ext>
     </p:extLst>
   </p:cSld>
@@ -2510,7 +3450,8 @@
           <a:p>
             <a:fld id="{68EFDCB5-6D71-EB44-9F0A-D3622F5F58F7}" type="datetimeFigureOut">
               <a:rPr lang="en-US" smtClean="0"/>
-              <a:t>29/07/2013</a:t>
+              <a:pPr/>
+              <a:t>8/13/2013</a:t>
             </a:fld>
             <a:endParaRPr lang="en-US"/>
           </a:p>
@@ -2552,6 +3493,7 @@
           <a:p>
             <a:fld id="{FAB77DF2-D252-904B-AD75-5F3944DC39F5}" type="slidenum">
               <a:rPr lang="en-US" smtClean="0"/>
+              <a:pPr/>
               <a:t>‹#›</a:t>
             </a:fld>
             <a:endParaRPr lang="en-US"/>
@@ -2561,7 +3503,7 @@
     </p:spTree>
     <p:extLst>
       <p:ext uri="{BB962C8B-B14F-4D97-AF65-F5344CB8AC3E}">
-        <p14:creationId xmlns:p14="http://schemas.microsoft.com/office/powerpoint/2010/main" val="682945760"/>
+        <p14:creationId xmlns:p14="http://schemas.microsoft.com/office/powerpoint/2010/main" xmlns="" val="682945760"/>
       </p:ext>
     </p:extLst>
   </p:cSld>
@@ -2723,7 +3665,8 @@
           <a:p>
             <a:fld id="{68EFDCB5-6D71-EB44-9F0A-D3622F5F58F7}" type="datetimeFigureOut">
               <a:rPr lang="en-US" smtClean="0"/>
-              <a:t>29/07/2013</a:t>
+              <a:pPr/>
+              <a:t>8/13/2013</a:t>
             </a:fld>
             <a:endParaRPr lang="en-US"/>
           </a:p>
@@ -2801,6 +3744,7 @@
           <a:p>
             <a:fld id="{FAB77DF2-D252-904B-AD75-5F3944DC39F5}" type="slidenum">
               <a:rPr lang="en-US" smtClean="0"/>
+              <a:pPr/>
               <a:t>‹#›</a:t>
             </a:fld>
             <a:endParaRPr lang="en-US"/>
@@ -2810,7 +3754,7 @@
     </p:spTree>
     <p:extLst>
       <p:ext uri="{BB962C8B-B14F-4D97-AF65-F5344CB8AC3E}">
-        <p14:creationId xmlns:p14="http://schemas.microsoft.com/office/powerpoint/2010/main" val="637499351"/>
+        <p14:creationId xmlns:p14="http://schemas.microsoft.com/office/powerpoint/2010/main" xmlns="" val="637499351"/>
       </p:ext>
     </p:extLst>
   </p:cSld>
@@ -3151,29 +4095,13 @@
           <a:p>
             <a:r>
               <a:rPr lang="en-US" sz="2600" dirty="0" smtClean="0"/>
-              <a:t>James </a:t>
-            </a:r>
-            <a:r>
-              <a:rPr lang="en-US" sz="2600" dirty="0" smtClean="0"/>
-              <a:t>Morris, Sanger </a:t>
-            </a:r>
-            <a:r>
-              <a:rPr lang="en-US" sz="2600" dirty="0" smtClean="0"/>
-              <a:t>Institute</a:t>
+              <a:t>James Morris, Sanger Institute</a:t>
             </a:r>
           </a:p>
           <a:p>
             <a:r>
               <a:rPr lang="en-US" sz="2600" smtClean="0"/>
-              <a:t>In</a:t>
-            </a:r>
-            <a:r>
-              <a:rPr lang="en-US" sz="2600" smtClean="0"/>
-              <a:t>ê</a:t>
-            </a:r>
-            <a:r>
-              <a:rPr lang="en-US" sz="2600" smtClean="0"/>
-              <a:t>s</a:t>
+              <a:t>Inês</a:t>
             </a:r>
             <a:r>
               <a:rPr lang="en-US" sz="2600" dirty="0" smtClean="0"/>
@@ -3192,7 +4120,7 @@
     </p:spTree>
     <p:extLst>
       <p:ext uri="{BB962C8B-B14F-4D97-AF65-F5344CB8AC3E}">
-        <p14:creationId xmlns:p14="http://schemas.microsoft.com/office/powerpoint/2010/main" val="2309513282"/>
+        <p14:creationId xmlns:p14="http://schemas.microsoft.com/office/powerpoint/2010/main" xmlns="" val="2309513282"/>
       </p:ext>
     </p:extLst>
   </p:cSld>
@@ -3202,7 +4130,7 @@
   <p:timing>
     <p:tnLst>
       <p:par>
-        <p:cTn xmlns:p14="http://schemas.microsoft.com/office/powerpoint/2010/main" id="1" dur="indefinite" restart="never" nodeType="tmRoot"/>
+        <p:cTn id="1" dur="indefinite" restart="never" nodeType="tmRoot"/>
       </p:par>
     </p:tnLst>
   </p:timing>
@@ -3315,7 +4243,7 @@
     </p:spTree>
     <p:extLst>
       <p:ext uri="{BB962C8B-B14F-4D97-AF65-F5344CB8AC3E}">
-        <p14:creationId xmlns:p14="http://schemas.microsoft.com/office/powerpoint/2010/main" val="1586397150"/>
+        <p14:creationId xmlns:p14="http://schemas.microsoft.com/office/powerpoint/2010/main" xmlns="" val="1586397150"/>
       </p:ext>
     </p:extLst>
   </p:cSld>
@@ -3325,7 +4253,7 @@
   <p:timing>
     <p:tnLst>
       <p:par>
-        <p:cTn xmlns:p14="http://schemas.microsoft.com/office/powerpoint/2010/main" id="1" dur="indefinite" restart="never" nodeType="tmRoot"/>
+        <p:cTn id="1" dur="indefinite" restart="never" nodeType="tmRoot"/>
       </p:par>
     </p:tnLst>
   </p:timing>
@@ -3468,7 +4396,7 @@
     </p:spTree>
     <p:extLst>
       <p:ext uri="{BB962C8B-B14F-4D97-AF65-F5344CB8AC3E}">
-        <p14:creationId xmlns:p14="http://schemas.microsoft.com/office/powerpoint/2010/main" val="1462945205"/>
+        <p14:creationId xmlns:p14="http://schemas.microsoft.com/office/powerpoint/2010/main" xmlns="" val="1462945205"/>
       </p:ext>
     </p:extLst>
   </p:cSld>
@@ -3478,7 +4406,7 @@
   <p:timing>
     <p:tnLst>
       <p:par>
-        <p:cTn xmlns:p14="http://schemas.microsoft.com/office/powerpoint/2010/main" id="1" dur="indefinite" restart="never" nodeType="tmRoot"/>
+        <p:cTn id="1" dur="indefinite" restart="never" nodeType="tmRoot"/>
       </p:par>
     </p:tnLst>
   </p:timing>
@@ -3560,7 +4488,7 @@
             </a:pPr>
             <a:r>
               <a:rPr lang="en-US" sz="3200" dirty="0" smtClean="0">
-                <a:hlinkClick r:id="rId2"/>
+                <a:hlinkClick r:id="rId3"/>
               </a:rPr>
               <a:t>http://pycam.github.io</a:t>
             </a:r>
@@ -3593,7 +4521,7 @@
     </p:spTree>
     <p:extLst>
       <p:ext uri="{BB962C8B-B14F-4D97-AF65-F5344CB8AC3E}">
-        <p14:creationId xmlns:p14="http://schemas.microsoft.com/office/powerpoint/2010/main" val="2325491196"/>
+        <p14:creationId xmlns:p14="http://schemas.microsoft.com/office/powerpoint/2010/main" xmlns="" val="2325491196"/>
       </p:ext>
     </p:extLst>
   </p:cSld>
@@ -3603,9 +4531,3799 @@
   <p:timing>
     <p:tnLst>
       <p:par>
-        <p:cTn xmlns:p14="http://schemas.microsoft.com/office/powerpoint/2010/main" id="1" dur="indefinite" restart="never" nodeType="tmRoot"/>
+        <p:cTn id="1" dur="indefinite" restart="never" nodeType="tmRoot"/>
       </p:par>
     </p:tnLst>
+  </p:timing>
+</p:sld>
+</file>
+
+<file path=ppt/slides/slide5.xml><?xml version="1.0" encoding="utf-8"?>
+<p:sld xmlns:a="http://schemas.openxmlformats.org/drawingml/2006/main" xmlns:r="http://schemas.openxmlformats.org/officeDocument/2006/relationships" xmlns:p="http://schemas.openxmlformats.org/presentationml/2006/main">
+  <p:cSld>
+    <p:spTree>
+      <p:nvGrpSpPr>
+        <p:cNvPr id="1" name=""/>
+        <p:cNvGrpSpPr/>
+        <p:nvPr/>
+      </p:nvGrpSpPr>
+      <p:grpSpPr>
+        <a:xfrm>
+          <a:off x="0" y="0"/>
+          <a:ext cx="0" cy="0"/>
+          <a:chOff x="0" y="0"/>
+          <a:chExt cx="0" cy="0"/>
+        </a:xfrm>
+      </p:grpSpPr>
+      <p:sp>
+        <p:nvSpPr>
+          <p:cNvPr id="2" name="Title 1"/>
+          <p:cNvSpPr>
+            <a:spLocks noGrp="1"/>
+          </p:cNvSpPr>
+          <p:nvPr>
+            <p:ph type="title"/>
+          </p:nvPr>
+        </p:nvSpPr>
+        <p:spPr/>
+        <p:txBody>
+          <a:bodyPr/>
+          <a:lstStyle/>
+          <a:p>
+            <a:r>
+              <a:rPr lang="en-GB" dirty="0" smtClean="0"/>
+              <a:t>Assignment</a:t>
+            </a:r>
+            <a:endParaRPr lang="en-GB" dirty="0"/>
+          </a:p>
+        </p:txBody>
+      </p:sp>
+      <p:sp>
+        <p:nvSpPr>
+          <p:cNvPr id="4" name="Text Placeholder 3"/>
+          <p:cNvSpPr>
+            <a:spLocks noGrp="1"/>
+          </p:cNvSpPr>
+          <p:nvPr>
+            <p:ph type="body" idx="1"/>
+          </p:nvPr>
+        </p:nvSpPr>
+        <p:spPr>
+          <a:xfrm>
+            <a:off x="2064380" y="1535113"/>
+            <a:ext cx="3311236" cy="639762"/>
+          </a:xfrm>
+        </p:spPr>
+        <p:txBody>
+          <a:bodyPr/>
+          <a:lstStyle/>
+          <a:p>
+            <a:r>
+              <a:rPr lang="en-GB" dirty="0" smtClean="0"/>
+              <a:t>Names</a:t>
+            </a:r>
+            <a:endParaRPr lang="en-GB" dirty="0"/>
+          </a:p>
+        </p:txBody>
+      </p:sp>
+      <p:sp>
+        <p:nvSpPr>
+          <p:cNvPr id="6" name="Text Placeholder 5"/>
+          <p:cNvSpPr>
+            <a:spLocks noGrp="1"/>
+          </p:cNvSpPr>
+          <p:nvPr>
+            <p:ph type="body" sz="quarter" idx="3"/>
+          </p:nvPr>
+        </p:nvSpPr>
+        <p:spPr>
+          <a:xfrm>
+            <a:off x="5628731" y="1535113"/>
+            <a:ext cx="3321466" cy="639762"/>
+          </a:xfrm>
+        </p:spPr>
+        <p:txBody>
+          <a:bodyPr/>
+          <a:lstStyle/>
+          <a:p>
+            <a:r>
+              <a:rPr lang="en-GB" dirty="0" smtClean="0"/>
+              <a:t>Objects</a:t>
+            </a:r>
+            <a:endParaRPr lang="en-GB" dirty="0"/>
+          </a:p>
+        </p:txBody>
+      </p:sp>
+      <p:sp>
+        <p:nvSpPr>
+          <p:cNvPr id="8" name="Rectangle 7"/>
+          <p:cNvSpPr/>
+          <p:nvPr/>
+        </p:nvSpPr>
+        <p:spPr>
+          <a:xfrm>
+            <a:off x="2078235" y="2189623"/>
+            <a:ext cx="3311236" cy="1080943"/>
+          </a:xfrm>
+          <a:prstGeom prst="rect">
+            <a:avLst/>
+          </a:prstGeom>
+          <a:noFill/>
+          <a:ln w="31750">
+            <a:solidFill>
+              <a:schemeClr val="tx1"/>
+            </a:solidFill>
+          </a:ln>
+        </p:spPr>
+        <p:style>
+          <a:lnRef idx="1">
+            <a:schemeClr val="accent1"/>
+          </a:lnRef>
+          <a:fillRef idx="3">
+            <a:schemeClr val="accent1"/>
+          </a:fillRef>
+          <a:effectRef idx="2">
+            <a:schemeClr val="accent1"/>
+          </a:effectRef>
+          <a:fontRef idx="minor">
+            <a:schemeClr val="lt1"/>
+          </a:fontRef>
+        </p:style>
+        <p:txBody>
+          <a:bodyPr rtlCol="0" anchor="ctr"/>
+          <a:lstStyle/>
+          <a:p>
+            <a:pPr algn="ctr"/>
+            <a:endParaRPr lang="en-GB"/>
+          </a:p>
+        </p:txBody>
+      </p:sp>
+      <p:sp>
+        <p:nvSpPr>
+          <p:cNvPr id="9" name="Rectangle 8"/>
+          <p:cNvSpPr/>
+          <p:nvPr/>
+        </p:nvSpPr>
+        <p:spPr>
+          <a:xfrm>
+            <a:off x="5638965" y="2188725"/>
+            <a:ext cx="3311236" cy="1080943"/>
+          </a:xfrm>
+          <a:prstGeom prst="rect">
+            <a:avLst/>
+          </a:prstGeom>
+          <a:noFill/>
+          <a:ln w="31750">
+            <a:solidFill>
+              <a:schemeClr val="tx1"/>
+            </a:solidFill>
+          </a:ln>
+        </p:spPr>
+        <p:style>
+          <a:lnRef idx="1">
+            <a:schemeClr val="accent1"/>
+          </a:lnRef>
+          <a:fillRef idx="3">
+            <a:schemeClr val="accent1"/>
+          </a:fillRef>
+          <a:effectRef idx="2">
+            <a:schemeClr val="accent1"/>
+          </a:effectRef>
+          <a:fontRef idx="minor">
+            <a:schemeClr val="lt1"/>
+          </a:fontRef>
+        </p:style>
+        <p:txBody>
+          <a:bodyPr rtlCol="0" anchor="ctr"/>
+          <a:lstStyle/>
+          <a:p>
+            <a:pPr algn="ctr"/>
+            <a:endParaRPr lang="en-GB"/>
+          </a:p>
+        </p:txBody>
+      </p:sp>
+      <p:sp>
+        <p:nvSpPr>
+          <p:cNvPr id="10" name="TextBox 9"/>
+          <p:cNvSpPr txBox="1"/>
+          <p:nvPr/>
+        </p:nvSpPr>
+        <p:spPr>
+          <a:xfrm>
+            <a:off x="0" y="3745200"/>
+            <a:ext cx="2092085" cy="523220"/>
+          </a:xfrm>
+          <a:prstGeom prst="rect">
+            <a:avLst/>
+          </a:prstGeom>
+          <a:noFill/>
+        </p:spPr>
+        <p:txBody>
+          <a:bodyPr wrap="square" rtlCol="0">
+            <a:spAutoFit/>
+          </a:bodyPr>
+          <a:lstStyle/>
+          <a:p>
+            <a:pPr algn="ctr"/>
+            <a:r>
+              <a:rPr lang="en-GB" sz="2800" dirty="0" smtClean="0"/>
+              <a:t>x = 5</a:t>
+            </a:r>
+            <a:endParaRPr lang="en-GB" sz="2800" dirty="0"/>
+          </a:p>
+        </p:txBody>
+      </p:sp>
+      <p:sp>
+        <p:nvSpPr>
+          <p:cNvPr id="11" name="Rectangle 10"/>
+          <p:cNvSpPr/>
+          <p:nvPr/>
+        </p:nvSpPr>
+        <p:spPr>
+          <a:xfrm>
+            <a:off x="2092085" y="3506736"/>
+            <a:ext cx="3311236" cy="1080943"/>
+          </a:xfrm>
+          <a:prstGeom prst="rect">
+            <a:avLst/>
+          </a:prstGeom>
+          <a:noFill/>
+          <a:ln w="31750">
+            <a:solidFill>
+              <a:schemeClr val="tx1"/>
+            </a:solidFill>
+          </a:ln>
+        </p:spPr>
+        <p:style>
+          <a:lnRef idx="1">
+            <a:schemeClr val="accent1"/>
+          </a:lnRef>
+          <a:fillRef idx="3">
+            <a:schemeClr val="accent1"/>
+          </a:fillRef>
+          <a:effectRef idx="2">
+            <a:schemeClr val="accent1"/>
+          </a:effectRef>
+          <a:fontRef idx="minor">
+            <a:schemeClr val="lt1"/>
+          </a:fontRef>
+        </p:style>
+        <p:txBody>
+          <a:bodyPr rtlCol="0" anchor="ctr"/>
+          <a:lstStyle/>
+          <a:p>
+            <a:pPr algn="ctr"/>
+            <a:endParaRPr lang="en-GB"/>
+          </a:p>
+        </p:txBody>
+      </p:sp>
+      <p:sp>
+        <p:nvSpPr>
+          <p:cNvPr id="12" name="Rectangle 11"/>
+          <p:cNvSpPr/>
+          <p:nvPr/>
+        </p:nvSpPr>
+        <p:spPr>
+          <a:xfrm>
+            <a:off x="5638960" y="3504945"/>
+            <a:ext cx="3311236" cy="1080943"/>
+          </a:xfrm>
+          <a:prstGeom prst="rect">
+            <a:avLst/>
+          </a:prstGeom>
+          <a:noFill/>
+          <a:ln w="31750">
+            <a:solidFill>
+              <a:schemeClr val="tx1"/>
+            </a:solidFill>
+          </a:ln>
+        </p:spPr>
+        <p:style>
+          <a:lnRef idx="1">
+            <a:schemeClr val="accent1"/>
+          </a:lnRef>
+          <a:fillRef idx="3">
+            <a:schemeClr val="accent1"/>
+          </a:fillRef>
+          <a:effectRef idx="2">
+            <a:schemeClr val="accent1"/>
+          </a:effectRef>
+          <a:fontRef idx="minor">
+            <a:schemeClr val="lt1"/>
+          </a:fontRef>
+        </p:style>
+        <p:txBody>
+          <a:bodyPr rtlCol="0" anchor="ctr"/>
+          <a:lstStyle/>
+          <a:p>
+            <a:pPr algn="ctr"/>
+            <a:endParaRPr lang="en-GB"/>
+          </a:p>
+        </p:txBody>
+      </p:sp>
+      <p:sp>
+        <p:nvSpPr>
+          <p:cNvPr id="13" name="TextBox 12"/>
+          <p:cNvSpPr txBox="1"/>
+          <p:nvPr/>
+        </p:nvSpPr>
+        <p:spPr>
+          <a:xfrm>
+            <a:off x="2329197" y="3738850"/>
+            <a:ext cx="623459" cy="523220"/>
+          </a:xfrm>
+          <a:prstGeom prst="rect">
+            <a:avLst/>
+          </a:prstGeom>
+          <a:noFill/>
+          <a:ln w="19050">
+            <a:solidFill>
+              <a:schemeClr val="tx1"/>
+            </a:solidFill>
+          </a:ln>
+        </p:spPr>
+        <p:txBody>
+          <a:bodyPr wrap="square" rtlCol="0">
+            <a:spAutoFit/>
+          </a:bodyPr>
+          <a:lstStyle/>
+          <a:p>
+            <a:pPr algn="ctr"/>
+            <a:r>
+              <a:rPr lang="en-GB" sz="2800" dirty="0" smtClean="0"/>
+              <a:t>x</a:t>
+            </a:r>
+            <a:endParaRPr lang="en-GB" sz="2800" dirty="0"/>
+          </a:p>
+        </p:txBody>
+      </p:sp>
+      <p:sp>
+        <p:nvSpPr>
+          <p:cNvPr id="14" name="TextBox 13"/>
+          <p:cNvSpPr txBox="1"/>
+          <p:nvPr/>
+        </p:nvSpPr>
+        <p:spPr>
+          <a:xfrm>
+            <a:off x="5950694" y="3738850"/>
+            <a:ext cx="623459" cy="523220"/>
+          </a:xfrm>
+          <a:prstGeom prst="rect">
+            <a:avLst/>
+          </a:prstGeom>
+          <a:noFill/>
+          <a:ln w="19050">
+            <a:solidFill>
+              <a:schemeClr val="tx1"/>
+            </a:solidFill>
+          </a:ln>
+        </p:spPr>
+        <p:txBody>
+          <a:bodyPr wrap="square" rtlCol="0">
+            <a:spAutoFit/>
+          </a:bodyPr>
+          <a:lstStyle/>
+          <a:p>
+            <a:pPr algn="ctr"/>
+            <a:r>
+              <a:rPr lang="en-GB" sz="2800" dirty="0" smtClean="0"/>
+              <a:t>5</a:t>
+            </a:r>
+            <a:endParaRPr lang="en-GB" sz="2800" dirty="0"/>
+          </a:p>
+        </p:txBody>
+      </p:sp>
+      <p:cxnSp>
+        <p:nvCxnSpPr>
+          <p:cNvPr id="16" name="Curved Connector 15"/>
+          <p:cNvCxnSpPr>
+            <a:stCxn id="13" idx="2"/>
+            <a:endCxn id="14" idx="2"/>
+          </p:cNvCxnSpPr>
+          <p:nvPr/>
+        </p:nvCxnSpPr>
+        <p:spPr>
+          <a:xfrm rot="16200000" flipH="1">
+            <a:off x="4451675" y="2451321"/>
+            <a:ext cx="12700" cy="3621497"/>
+          </a:xfrm>
+          <a:prstGeom prst="curvedConnector3">
+            <a:avLst>
+              <a:gd name="adj1" fmla="val 4309096"/>
+            </a:avLst>
+          </a:prstGeom>
+          <a:ln>
+            <a:solidFill>
+              <a:schemeClr val="tx1"/>
+            </a:solidFill>
+            <a:tailEnd type="triangle" w="lg" len="lg"/>
+          </a:ln>
+        </p:spPr>
+        <p:style>
+          <a:lnRef idx="2">
+            <a:schemeClr val="accent1"/>
+          </a:lnRef>
+          <a:fillRef idx="0">
+            <a:schemeClr val="accent1"/>
+          </a:fillRef>
+          <a:effectRef idx="1">
+            <a:schemeClr val="accent1"/>
+          </a:effectRef>
+          <a:fontRef idx="minor">
+            <a:schemeClr val="tx1"/>
+          </a:fontRef>
+        </p:style>
+      </p:cxnSp>
+      <p:sp>
+        <p:nvSpPr>
+          <p:cNvPr id="23" name="TextBox 22"/>
+          <p:cNvSpPr txBox="1"/>
+          <p:nvPr/>
+        </p:nvSpPr>
+        <p:spPr>
+          <a:xfrm>
+            <a:off x="-5" y="5532490"/>
+            <a:ext cx="2092085" cy="523220"/>
+          </a:xfrm>
+          <a:prstGeom prst="rect">
+            <a:avLst/>
+          </a:prstGeom>
+          <a:noFill/>
+        </p:spPr>
+        <p:txBody>
+          <a:bodyPr wrap="square" rtlCol="0">
+            <a:spAutoFit/>
+          </a:bodyPr>
+          <a:lstStyle/>
+          <a:p>
+            <a:pPr algn="ctr"/>
+            <a:r>
+              <a:rPr lang="en-GB" sz="2800" dirty="0" smtClean="0"/>
+              <a:t>x = “</a:t>
+            </a:r>
+            <a:r>
+              <a:rPr lang="en-GB" sz="2800" dirty="0" err="1" smtClean="0"/>
+              <a:t>foo</a:t>
+            </a:r>
+            <a:r>
+              <a:rPr lang="en-GB" sz="2800" dirty="0" smtClean="0"/>
+              <a:t>”</a:t>
+            </a:r>
+            <a:endParaRPr lang="en-GB" sz="2800" dirty="0"/>
+          </a:p>
+        </p:txBody>
+      </p:sp>
+      <p:sp>
+        <p:nvSpPr>
+          <p:cNvPr id="24" name="Rectangle 23"/>
+          <p:cNvSpPr/>
+          <p:nvPr/>
+        </p:nvSpPr>
+        <p:spPr>
+          <a:xfrm>
+            <a:off x="2092080" y="5294026"/>
+            <a:ext cx="3311236" cy="1080943"/>
+          </a:xfrm>
+          <a:prstGeom prst="rect">
+            <a:avLst/>
+          </a:prstGeom>
+          <a:noFill/>
+          <a:ln w="31750">
+            <a:solidFill>
+              <a:schemeClr val="tx1"/>
+            </a:solidFill>
+          </a:ln>
+        </p:spPr>
+        <p:style>
+          <a:lnRef idx="1">
+            <a:schemeClr val="accent1"/>
+          </a:lnRef>
+          <a:fillRef idx="3">
+            <a:schemeClr val="accent1"/>
+          </a:fillRef>
+          <a:effectRef idx="2">
+            <a:schemeClr val="accent1"/>
+          </a:effectRef>
+          <a:fontRef idx="minor">
+            <a:schemeClr val="lt1"/>
+          </a:fontRef>
+        </p:style>
+        <p:txBody>
+          <a:bodyPr rtlCol="0" anchor="ctr"/>
+          <a:lstStyle/>
+          <a:p>
+            <a:pPr algn="ctr"/>
+            <a:endParaRPr lang="en-GB"/>
+          </a:p>
+        </p:txBody>
+      </p:sp>
+      <p:sp>
+        <p:nvSpPr>
+          <p:cNvPr id="25" name="Rectangle 24"/>
+          <p:cNvSpPr/>
+          <p:nvPr/>
+        </p:nvSpPr>
+        <p:spPr>
+          <a:xfrm>
+            <a:off x="5638955" y="5292235"/>
+            <a:ext cx="3311236" cy="1080943"/>
+          </a:xfrm>
+          <a:prstGeom prst="rect">
+            <a:avLst/>
+          </a:prstGeom>
+          <a:noFill/>
+          <a:ln w="31750">
+            <a:solidFill>
+              <a:schemeClr val="tx1"/>
+            </a:solidFill>
+          </a:ln>
+        </p:spPr>
+        <p:style>
+          <a:lnRef idx="1">
+            <a:schemeClr val="accent1"/>
+          </a:lnRef>
+          <a:fillRef idx="3">
+            <a:schemeClr val="accent1"/>
+          </a:fillRef>
+          <a:effectRef idx="2">
+            <a:schemeClr val="accent1"/>
+          </a:effectRef>
+          <a:fontRef idx="minor">
+            <a:schemeClr val="lt1"/>
+          </a:fontRef>
+        </p:style>
+        <p:txBody>
+          <a:bodyPr rtlCol="0" anchor="ctr"/>
+          <a:lstStyle/>
+          <a:p>
+            <a:pPr algn="ctr"/>
+            <a:endParaRPr lang="en-GB"/>
+          </a:p>
+        </p:txBody>
+      </p:sp>
+      <p:sp>
+        <p:nvSpPr>
+          <p:cNvPr id="26" name="TextBox 25"/>
+          <p:cNvSpPr txBox="1"/>
+          <p:nvPr/>
+        </p:nvSpPr>
+        <p:spPr>
+          <a:xfrm>
+            <a:off x="2329192" y="5526135"/>
+            <a:ext cx="623459" cy="523220"/>
+          </a:xfrm>
+          <a:prstGeom prst="rect">
+            <a:avLst/>
+          </a:prstGeom>
+          <a:noFill/>
+          <a:ln w="19050">
+            <a:solidFill>
+              <a:schemeClr val="tx1"/>
+            </a:solidFill>
+          </a:ln>
+        </p:spPr>
+        <p:txBody>
+          <a:bodyPr wrap="square" rtlCol="0">
+            <a:spAutoFit/>
+          </a:bodyPr>
+          <a:lstStyle/>
+          <a:p>
+            <a:pPr algn="ctr"/>
+            <a:r>
+              <a:rPr lang="en-GB" sz="2800" dirty="0" smtClean="0"/>
+              <a:t>x</a:t>
+            </a:r>
+            <a:endParaRPr lang="en-GB" sz="2800" dirty="0"/>
+          </a:p>
+        </p:txBody>
+      </p:sp>
+      <p:sp>
+        <p:nvSpPr>
+          <p:cNvPr id="27" name="TextBox 26"/>
+          <p:cNvSpPr txBox="1"/>
+          <p:nvPr/>
+        </p:nvSpPr>
+        <p:spPr>
+          <a:xfrm>
+            <a:off x="5950689" y="5526140"/>
+            <a:ext cx="623459" cy="523220"/>
+          </a:xfrm>
+          <a:prstGeom prst="rect">
+            <a:avLst/>
+          </a:prstGeom>
+          <a:noFill/>
+          <a:ln w="19050">
+            <a:solidFill>
+              <a:schemeClr val="tx1"/>
+            </a:solidFill>
+          </a:ln>
+        </p:spPr>
+        <p:txBody>
+          <a:bodyPr wrap="square" rtlCol="0">
+            <a:spAutoFit/>
+          </a:bodyPr>
+          <a:lstStyle/>
+          <a:p>
+            <a:pPr algn="ctr"/>
+            <a:r>
+              <a:rPr lang="en-GB" sz="2800" dirty="0" smtClean="0"/>
+              <a:t>5</a:t>
+            </a:r>
+            <a:endParaRPr lang="en-GB" sz="2800" dirty="0"/>
+          </a:p>
+        </p:txBody>
+      </p:sp>
+      <p:cxnSp>
+        <p:nvCxnSpPr>
+          <p:cNvPr id="28" name="Curved Connector 27"/>
+          <p:cNvCxnSpPr>
+            <a:stCxn id="26" idx="2"/>
+            <a:endCxn id="29" idx="2"/>
+          </p:cNvCxnSpPr>
+          <p:nvPr/>
+        </p:nvCxnSpPr>
+        <p:spPr>
+          <a:xfrm rot="16200000" flipH="1">
+            <a:off x="4986767" y="3703510"/>
+            <a:ext cx="12700" cy="4691690"/>
+          </a:xfrm>
+          <a:prstGeom prst="curvedConnector3">
+            <a:avLst>
+              <a:gd name="adj1" fmla="val 4854545"/>
+            </a:avLst>
+          </a:prstGeom>
+          <a:ln>
+            <a:solidFill>
+              <a:schemeClr val="tx1"/>
+            </a:solidFill>
+            <a:tailEnd type="triangle" w="lg" len="lg"/>
+          </a:ln>
+        </p:spPr>
+        <p:style>
+          <a:lnRef idx="2">
+            <a:schemeClr val="accent1"/>
+          </a:lnRef>
+          <a:fillRef idx="0">
+            <a:schemeClr val="accent1"/>
+          </a:fillRef>
+          <a:effectRef idx="1">
+            <a:schemeClr val="accent1"/>
+          </a:effectRef>
+          <a:fontRef idx="minor">
+            <a:schemeClr val="tx1"/>
+          </a:fontRef>
+        </p:style>
+      </p:cxnSp>
+      <p:sp>
+        <p:nvSpPr>
+          <p:cNvPr id="29" name="TextBox 28"/>
+          <p:cNvSpPr txBox="1"/>
+          <p:nvPr/>
+        </p:nvSpPr>
+        <p:spPr>
+          <a:xfrm>
+            <a:off x="6892824" y="5526135"/>
+            <a:ext cx="879576" cy="523220"/>
+          </a:xfrm>
+          <a:prstGeom prst="rect">
+            <a:avLst/>
+          </a:prstGeom>
+          <a:noFill/>
+          <a:ln w="19050">
+            <a:solidFill>
+              <a:schemeClr val="tx1"/>
+            </a:solidFill>
+          </a:ln>
+        </p:spPr>
+        <p:txBody>
+          <a:bodyPr wrap="square" rtlCol="0">
+            <a:spAutoFit/>
+          </a:bodyPr>
+          <a:lstStyle/>
+          <a:p>
+            <a:pPr algn="ctr"/>
+            <a:r>
+              <a:rPr lang="en-GB" sz="2800" dirty="0" err="1" smtClean="0"/>
+              <a:t>foo</a:t>
+            </a:r>
+            <a:endParaRPr lang="en-GB" sz="2800" dirty="0"/>
+          </a:p>
+        </p:txBody>
+      </p:sp>
+      <p:cxnSp>
+        <p:nvCxnSpPr>
+          <p:cNvPr id="48" name="Shape 47"/>
+          <p:cNvCxnSpPr>
+            <a:stCxn id="27" idx="0"/>
+            <a:endCxn id="50" idx="1"/>
+          </p:cNvCxnSpPr>
+          <p:nvPr/>
+        </p:nvCxnSpPr>
+        <p:spPr>
+          <a:xfrm rot="5400000" flipH="1" flipV="1">
+            <a:off x="6185837" y="5013302"/>
+            <a:ext cx="589421" cy="436257"/>
+          </a:xfrm>
+          <a:prstGeom prst="bentConnector2">
+            <a:avLst/>
+          </a:prstGeom>
+          <a:ln>
+            <a:solidFill>
+              <a:schemeClr val="tx1"/>
+            </a:solidFill>
+            <a:tailEnd type="triangle" w="lg" len="lg"/>
+          </a:ln>
+        </p:spPr>
+        <p:style>
+          <a:lnRef idx="2">
+            <a:schemeClr val="accent1"/>
+          </a:lnRef>
+          <a:fillRef idx="0">
+            <a:schemeClr val="accent1"/>
+          </a:fillRef>
+          <a:effectRef idx="1">
+            <a:schemeClr val="accent1"/>
+          </a:effectRef>
+          <a:fontRef idx="minor">
+            <a:schemeClr val="tx1"/>
+          </a:fontRef>
+        </p:style>
+      </p:cxnSp>
+      <p:sp>
+        <p:nvSpPr>
+          <p:cNvPr id="50" name="TextBox 49"/>
+          <p:cNvSpPr txBox="1"/>
+          <p:nvPr/>
+        </p:nvSpPr>
+        <p:spPr>
+          <a:xfrm>
+            <a:off x="6698676" y="4705886"/>
+            <a:ext cx="2542303" cy="461665"/>
+          </a:xfrm>
+          <a:prstGeom prst="rect">
+            <a:avLst/>
+          </a:prstGeom>
+          <a:noFill/>
+        </p:spPr>
+        <p:txBody>
+          <a:bodyPr wrap="square" rtlCol="0">
+            <a:spAutoFit/>
+          </a:bodyPr>
+          <a:lstStyle/>
+          <a:p>
+            <a:r>
+              <a:rPr lang="en-GB" sz="2400" dirty="0" smtClean="0"/>
+              <a:t>garbage collection</a:t>
+            </a:r>
+            <a:endParaRPr lang="en-GB" sz="2400" dirty="0"/>
+          </a:p>
+        </p:txBody>
+      </p:sp>
+    </p:spTree>
+  </p:cSld>
+  <p:clrMapOvr>
+    <a:masterClrMapping/>
+  </p:clrMapOvr>
+  <p:timing>
+    <p:tnLst>
+      <p:par>
+        <p:cTn id="1" dur="indefinite" restart="never" nodeType="tmRoot">
+          <p:childTnLst>
+            <p:seq concurrent="1" nextAc="seek">
+              <p:cTn id="2" dur="indefinite" nodeType="mainSeq">
+                <p:childTnLst>
+                  <p:par>
+                    <p:cTn id="3" fill="hold">
+                      <p:stCondLst>
+                        <p:cond delay="indefinite"/>
+                      </p:stCondLst>
+                      <p:childTnLst>
+                        <p:par>
+                          <p:cTn id="4" fill="hold">
+                            <p:stCondLst>
+                              <p:cond delay="0"/>
+                            </p:stCondLst>
+                            <p:childTnLst>
+                              <p:par>
+                                <p:cTn id="5" presetID="1" presetClass="entr" presetSubtype="0" fill="hold" grpId="0" nodeType="clickEffect">
+                                  <p:stCondLst>
+                                    <p:cond delay="0"/>
+                                  </p:stCondLst>
+                                  <p:childTnLst>
+                                    <p:set>
+                                      <p:cBhvr>
+                                        <p:cTn id="6" dur="1" fill="hold">
+                                          <p:stCondLst>
+                                            <p:cond delay="0"/>
+                                          </p:stCondLst>
+                                        </p:cTn>
+                                        <p:tgtEl>
+                                          <p:spTgt spid="11"/>
+                                        </p:tgtEl>
+                                        <p:attrNameLst>
+                                          <p:attrName>style.visibility</p:attrName>
+                                        </p:attrNameLst>
+                                      </p:cBhvr>
+                                      <p:to>
+                                        <p:strVal val="visible"/>
+                                      </p:to>
+                                    </p:set>
+                                  </p:childTnLst>
+                                </p:cTn>
+                              </p:par>
+                              <p:par>
+                                <p:cTn id="7" presetID="1" presetClass="entr" presetSubtype="0" fill="hold" grpId="0" nodeType="withEffect">
+                                  <p:stCondLst>
+                                    <p:cond delay="0"/>
+                                  </p:stCondLst>
+                                  <p:childTnLst>
+                                    <p:set>
+                                      <p:cBhvr>
+                                        <p:cTn id="8" dur="1" fill="hold">
+                                          <p:stCondLst>
+                                            <p:cond delay="0"/>
+                                          </p:stCondLst>
+                                        </p:cTn>
+                                        <p:tgtEl>
+                                          <p:spTgt spid="12"/>
+                                        </p:tgtEl>
+                                        <p:attrNameLst>
+                                          <p:attrName>style.visibility</p:attrName>
+                                        </p:attrNameLst>
+                                      </p:cBhvr>
+                                      <p:to>
+                                        <p:strVal val="visible"/>
+                                      </p:to>
+                                    </p:set>
+                                  </p:childTnLst>
+                                </p:cTn>
+                              </p:par>
+                              <p:par>
+                                <p:cTn id="9" presetID="1" presetClass="entr" presetSubtype="0" fill="hold" grpId="0" nodeType="withEffect">
+                                  <p:stCondLst>
+                                    <p:cond delay="0"/>
+                                  </p:stCondLst>
+                                  <p:childTnLst>
+                                    <p:set>
+                                      <p:cBhvr>
+                                        <p:cTn id="10" dur="1" fill="hold">
+                                          <p:stCondLst>
+                                            <p:cond delay="0"/>
+                                          </p:stCondLst>
+                                        </p:cTn>
+                                        <p:tgtEl>
+                                          <p:spTgt spid="13"/>
+                                        </p:tgtEl>
+                                        <p:attrNameLst>
+                                          <p:attrName>style.visibility</p:attrName>
+                                        </p:attrNameLst>
+                                      </p:cBhvr>
+                                      <p:to>
+                                        <p:strVal val="visible"/>
+                                      </p:to>
+                                    </p:set>
+                                  </p:childTnLst>
+                                </p:cTn>
+                              </p:par>
+                              <p:par>
+                                <p:cTn id="11" presetID="1" presetClass="entr" presetSubtype="0" fill="hold" grpId="0" nodeType="withEffect">
+                                  <p:stCondLst>
+                                    <p:cond delay="0"/>
+                                  </p:stCondLst>
+                                  <p:childTnLst>
+                                    <p:set>
+                                      <p:cBhvr>
+                                        <p:cTn id="12" dur="1" fill="hold">
+                                          <p:stCondLst>
+                                            <p:cond delay="0"/>
+                                          </p:stCondLst>
+                                        </p:cTn>
+                                        <p:tgtEl>
+                                          <p:spTgt spid="14"/>
+                                        </p:tgtEl>
+                                        <p:attrNameLst>
+                                          <p:attrName>style.visibility</p:attrName>
+                                        </p:attrNameLst>
+                                      </p:cBhvr>
+                                      <p:to>
+                                        <p:strVal val="visible"/>
+                                      </p:to>
+                                    </p:set>
+                                  </p:childTnLst>
+                                </p:cTn>
+                              </p:par>
+                              <p:par>
+                                <p:cTn id="13" presetID="1" presetClass="entr" presetSubtype="0" fill="hold" nodeType="withEffect">
+                                  <p:stCondLst>
+                                    <p:cond delay="0"/>
+                                  </p:stCondLst>
+                                  <p:childTnLst>
+                                    <p:set>
+                                      <p:cBhvr>
+                                        <p:cTn id="14" dur="1" fill="hold">
+                                          <p:stCondLst>
+                                            <p:cond delay="0"/>
+                                          </p:stCondLst>
+                                        </p:cTn>
+                                        <p:tgtEl>
+                                          <p:spTgt spid="16"/>
+                                        </p:tgtEl>
+                                        <p:attrNameLst>
+                                          <p:attrName>style.visibility</p:attrName>
+                                        </p:attrNameLst>
+                                      </p:cBhvr>
+                                      <p:to>
+                                        <p:strVal val="visible"/>
+                                      </p:to>
+                                    </p:set>
+                                  </p:childTnLst>
+                                </p:cTn>
+                              </p:par>
+                              <p:par>
+                                <p:cTn id="15" presetID="1" presetClass="entr" presetSubtype="0" fill="hold" grpId="0" nodeType="withEffect">
+                                  <p:stCondLst>
+                                    <p:cond delay="0"/>
+                                  </p:stCondLst>
+                                  <p:childTnLst>
+                                    <p:set>
+                                      <p:cBhvr>
+                                        <p:cTn id="16" dur="1" fill="hold">
+                                          <p:stCondLst>
+                                            <p:cond delay="0"/>
+                                          </p:stCondLst>
+                                        </p:cTn>
+                                        <p:tgtEl>
+                                          <p:spTgt spid="10"/>
+                                        </p:tgtEl>
+                                        <p:attrNameLst>
+                                          <p:attrName>style.visibility</p:attrName>
+                                        </p:attrNameLst>
+                                      </p:cBhvr>
+                                      <p:to>
+                                        <p:strVal val="visible"/>
+                                      </p:to>
+                                    </p:set>
+                                  </p:childTnLst>
+                                </p:cTn>
+                              </p:par>
+                            </p:childTnLst>
+                          </p:cTn>
+                        </p:par>
+                      </p:childTnLst>
+                    </p:cTn>
+                  </p:par>
+                  <p:par>
+                    <p:cTn id="17" fill="hold">
+                      <p:stCondLst>
+                        <p:cond delay="indefinite"/>
+                      </p:stCondLst>
+                      <p:childTnLst>
+                        <p:par>
+                          <p:cTn id="18" fill="hold">
+                            <p:stCondLst>
+                              <p:cond delay="0"/>
+                            </p:stCondLst>
+                            <p:childTnLst>
+                              <p:par>
+                                <p:cTn id="19" presetID="1" presetClass="entr" presetSubtype="0" fill="hold" grpId="0" nodeType="clickEffect">
+                                  <p:stCondLst>
+                                    <p:cond delay="0"/>
+                                  </p:stCondLst>
+                                  <p:childTnLst>
+                                    <p:set>
+                                      <p:cBhvr>
+                                        <p:cTn id="20" dur="1" fill="hold">
+                                          <p:stCondLst>
+                                            <p:cond delay="0"/>
+                                          </p:stCondLst>
+                                        </p:cTn>
+                                        <p:tgtEl>
+                                          <p:spTgt spid="23"/>
+                                        </p:tgtEl>
+                                        <p:attrNameLst>
+                                          <p:attrName>style.visibility</p:attrName>
+                                        </p:attrNameLst>
+                                      </p:cBhvr>
+                                      <p:to>
+                                        <p:strVal val="visible"/>
+                                      </p:to>
+                                    </p:set>
+                                  </p:childTnLst>
+                                </p:cTn>
+                              </p:par>
+                              <p:par>
+                                <p:cTn id="21" presetID="1" presetClass="entr" presetSubtype="0" fill="hold" grpId="0" nodeType="withEffect">
+                                  <p:stCondLst>
+                                    <p:cond delay="0"/>
+                                  </p:stCondLst>
+                                  <p:childTnLst>
+                                    <p:set>
+                                      <p:cBhvr>
+                                        <p:cTn id="22" dur="1" fill="hold">
+                                          <p:stCondLst>
+                                            <p:cond delay="0"/>
+                                          </p:stCondLst>
+                                        </p:cTn>
+                                        <p:tgtEl>
+                                          <p:spTgt spid="24"/>
+                                        </p:tgtEl>
+                                        <p:attrNameLst>
+                                          <p:attrName>style.visibility</p:attrName>
+                                        </p:attrNameLst>
+                                      </p:cBhvr>
+                                      <p:to>
+                                        <p:strVal val="visible"/>
+                                      </p:to>
+                                    </p:set>
+                                  </p:childTnLst>
+                                </p:cTn>
+                              </p:par>
+                              <p:par>
+                                <p:cTn id="23" presetID="1" presetClass="entr" presetSubtype="0" fill="hold" grpId="0" nodeType="withEffect">
+                                  <p:stCondLst>
+                                    <p:cond delay="0"/>
+                                  </p:stCondLst>
+                                  <p:childTnLst>
+                                    <p:set>
+                                      <p:cBhvr>
+                                        <p:cTn id="24" dur="1" fill="hold">
+                                          <p:stCondLst>
+                                            <p:cond delay="0"/>
+                                          </p:stCondLst>
+                                        </p:cTn>
+                                        <p:tgtEl>
+                                          <p:spTgt spid="25"/>
+                                        </p:tgtEl>
+                                        <p:attrNameLst>
+                                          <p:attrName>style.visibility</p:attrName>
+                                        </p:attrNameLst>
+                                      </p:cBhvr>
+                                      <p:to>
+                                        <p:strVal val="visible"/>
+                                      </p:to>
+                                    </p:set>
+                                  </p:childTnLst>
+                                </p:cTn>
+                              </p:par>
+                              <p:par>
+                                <p:cTn id="25" presetID="1" presetClass="entr" presetSubtype="0" fill="hold" grpId="0" nodeType="withEffect">
+                                  <p:stCondLst>
+                                    <p:cond delay="0"/>
+                                  </p:stCondLst>
+                                  <p:childTnLst>
+                                    <p:set>
+                                      <p:cBhvr>
+                                        <p:cTn id="26" dur="1" fill="hold">
+                                          <p:stCondLst>
+                                            <p:cond delay="0"/>
+                                          </p:stCondLst>
+                                        </p:cTn>
+                                        <p:tgtEl>
+                                          <p:spTgt spid="26"/>
+                                        </p:tgtEl>
+                                        <p:attrNameLst>
+                                          <p:attrName>style.visibility</p:attrName>
+                                        </p:attrNameLst>
+                                      </p:cBhvr>
+                                      <p:to>
+                                        <p:strVal val="visible"/>
+                                      </p:to>
+                                    </p:set>
+                                  </p:childTnLst>
+                                </p:cTn>
+                              </p:par>
+                              <p:par>
+                                <p:cTn id="27" presetID="1" presetClass="entr" presetSubtype="0" fill="hold" grpId="0" nodeType="withEffect">
+                                  <p:stCondLst>
+                                    <p:cond delay="0"/>
+                                  </p:stCondLst>
+                                  <p:childTnLst>
+                                    <p:set>
+                                      <p:cBhvr>
+                                        <p:cTn id="28" dur="1" fill="hold">
+                                          <p:stCondLst>
+                                            <p:cond delay="0"/>
+                                          </p:stCondLst>
+                                        </p:cTn>
+                                        <p:tgtEl>
+                                          <p:spTgt spid="27"/>
+                                        </p:tgtEl>
+                                        <p:attrNameLst>
+                                          <p:attrName>style.visibility</p:attrName>
+                                        </p:attrNameLst>
+                                      </p:cBhvr>
+                                      <p:to>
+                                        <p:strVal val="visible"/>
+                                      </p:to>
+                                    </p:set>
+                                  </p:childTnLst>
+                                </p:cTn>
+                              </p:par>
+                              <p:par>
+                                <p:cTn id="29" presetID="1" presetClass="entr" presetSubtype="0" fill="hold" nodeType="withEffect">
+                                  <p:stCondLst>
+                                    <p:cond delay="0"/>
+                                  </p:stCondLst>
+                                  <p:childTnLst>
+                                    <p:set>
+                                      <p:cBhvr>
+                                        <p:cTn id="30" dur="1" fill="hold">
+                                          <p:stCondLst>
+                                            <p:cond delay="0"/>
+                                          </p:stCondLst>
+                                        </p:cTn>
+                                        <p:tgtEl>
+                                          <p:spTgt spid="28"/>
+                                        </p:tgtEl>
+                                        <p:attrNameLst>
+                                          <p:attrName>style.visibility</p:attrName>
+                                        </p:attrNameLst>
+                                      </p:cBhvr>
+                                      <p:to>
+                                        <p:strVal val="visible"/>
+                                      </p:to>
+                                    </p:set>
+                                  </p:childTnLst>
+                                </p:cTn>
+                              </p:par>
+                              <p:par>
+                                <p:cTn id="31" presetID="1" presetClass="entr" presetSubtype="0" fill="hold" grpId="0" nodeType="withEffect">
+                                  <p:stCondLst>
+                                    <p:cond delay="0"/>
+                                  </p:stCondLst>
+                                  <p:childTnLst>
+                                    <p:set>
+                                      <p:cBhvr>
+                                        <p:cTn id="32" dur="1" fill="hold">
+                                          <p:stCondLst>
+                                            <p:cond delay="0"/>
+                                          </p:stCondLst>
+                                        </p:cTn>
+                                        <p:tgtEl>
+                                          <p:spTgt spid="29"/>
+                                        </p:tgtEl>
+                                        <p:attrNameLst>
+                                          <p:attrName>style.visibility</p:attrName>
+                                        </p:attrNameLst>
+                                      </p:cBhvr>
+                                      <p:to>
+                                        <p:strVal val="visible"/>
+                                      </p:to>
+                                    </p:set>
+                                  </p:childTnLst>
+                                </p:cTn>
+                              </p:par>
+                              <p:par>
+                                <p:cTn id="33" presetID="1" presetClass="entr" presetSubtype="0" fill="hold" nodeType="withEffect">
+                                  <p:stCondLst>
+                                    <p:cond delay="0"/>
+                                  </p:stCondLst>
+                                  <p:childTnLst>
+                                    <p:set>
+                                      <p:cBhvr>
+                                        <p:cTn id="34" dur="1" fill="hold">
+                                          <p:stCondLst>
+                                            <p:cond delay="0"/>
+                                          </p:stCondLst>
+                                        </p:cTn>
+                                        <p:tgtEl>
+                                          <p:spTgt spid="48"/>
+                                        </p:tgtEl>
+                                        <p:attrNameLst>
+                                          <p:attrName>style.visibility</p:attrName>
+                                        </p:attrNameLst>
+                                      </p:cBhvr>
+                                      <p:to>
+                                        <p:strVal val="visible"/>
+                                      </p:to>
+                                    </p:set>
+                                  </p:childTnLst>
+                                </p:cTn>
+                              </p:par>
+                              <p:par>
+                                <p:cTn id="35" presetID="1" presetClass="entr" presetSubtype="0" fill="hold" grpId="0" nodeType="withEffect">
+                                  <p:stCondLst>
+                                    <p:cond delay="0"/>
+                                  </p:stCondLst>
+                                  <p:childTnLst>
+                                    <p:set>
+                                      <p:cBhvr>
+                                        <p:cTn id="36" dur="1" fill="hold">
+                                          <p:stCondLst>
+                                            <p:cond delay="0"/>
+                                          </p:stCondLst>
+                                        </p:cTn>
+                                        <p:tgtEl>
+                                          <p:spTgt spid="50"/>
+                                        </p:tgtEl>
+                                        <p:attrNameLst>
+                                          <p:attrName>style.visibility</p:attrName>
+                                        </p:attrNameLst>
+                                      </p:cBhvr>
+                                      <p:to>
+                                        <p:strVal val="visible"/>
+                                      </p:to>
+                                    </p:set>
+                                  </p:childTnLst>
+                                </p:cTn>
+                              </p:par>
+                            </p:childTnLst>
+                          </p:cTn>
+                        </p:par>
+                      </p:childTnLst>
+                    </p:cTn>
+                  </p:par>
+                </p:childTnLst>
+              </p:cTn>
+              <p:prevCondLst>
+                <p:cond evt="onPrev" delay="0">
+                  <p:tgtEl>
+                    <p:sldTgt/>
+                  </p:tgtEl>
+                </p:cond>
+              </p:prevCondLst>
+              <p:nextCondLst>
+                <p:cond evt="onNext" delay="0">
+                  <p:tgtEl>
+                    <p:sldTgt/>
+                  </p:tgtEl>
+                </p:cond>
+              </p:nextCondLst>
+            </p:seq>
+          </p:childTnLst>
+        </p:cTn>
+      </p:par>
+    </p:tnLst>
+    <p:bldLst>
+      <p:bldP spid="10" grpId="0"/>
+      <p:bldP spid="11" grpId="0" animBg="1"/>
+      <p:bldP spid="12" grpId="0" animBg="1"/>
+      <p:bldP spid="13" grpId="0" animBg="1"/>
+      <p:bldP spid="14" grpId="0" animBg="1"/>
+      <p:bldP spid="23" grpId="0"/>
+      <p:bldP spid="24" grpId="0" animBg="1"/>
+      <p:bldP spid="25" grpId="0" animBg="1"/>
+      <p:bldP spid="26" grpId="0" animBg="1"/>
+      <p:bldP spid="27" grpId="0" animBg="1"/>
+      <p:bldP spid="29" grpId="0" animBg="1"/>
+      <p:bldP spid="50" grpId="0"/>
+    </p:bldLst>
+  </p:timing>
+</p:sld>
+</file>
+
+<file path=ppt/slides/slide6.xml><?xml version="1.0" encoding="utf-8"?>
+<p:sld xmlns:a="http://schemas.openxmlformats.org/drawingml/2006/main" xmlns:r="http://schemas.openxmlformats.org/officeDocument/2006/relationships" xmlns:p="http://schemas.openxmlformats.org/presentationml/2006/main">
+  <p:cSld>
+    <p:spTree>
+      <p:nvGrpSpPr>
+        <p:cNvPr id="1" name=""/>
+        <p:cNvGrpSpPr/>
+        <p:nvPr/>
+      </p:nvGrpSpPr>
+      <p:grpSpPr>
+        <a:xfrm>
+          <a:off x="0" y="0"/>
+          <a:ext cx="0" cy="0"/>
+          <a:chOff x="0" y="0"/>
+          <a:chExt cx="0" cy="0"/>
+        </a:xfrm>
+      </p:grpSpPr>
+      <p:sp>
+        <p:nvSpPr>
+          <p:cNvPr id="2" name="Title 1"/>
+          <p:cNvSpPr>
+            <a:spLocks noGrp="1"/>
+          </p:cNvSpPr>
+          <p:nvPr>
+            <p:ph type="title"/>
+          </p:nvPr>
+        </p:nvSpPr>
+        <p:spPr/>
+        <p:txBody>
+          <a:bodyPr/>
+          <a:lstStyle/>
+          <a:p>
+            <a:r>
+              <a:rPr lang="en-GB" dirty="0" smtClean="0"/>
+              <a:t>Assignment</a:t>
+            </a:r>
+            <a:endParaRPr lang="en-GB" dirty="0"/>
+          </a:p>
+        </p:txBody>
+      </p:sp>
+      <p:sp>
+        <p:nvSpPr>
+          <p:cNvPr id="4" name="Text Placeholder 3"/>
+          <p:cNvSpPr>
+            <a:spLocks noGrp="1"/>
+          </p:cNvSpPr>
+          <p:nvPr>
+            <p:ph type="body" idx="1"/>
+          </p:nvPr>
+        </p:nvSpPr>
+        <p:spPr>
+          <a:xfrm>
+            <a:off x="2064380" y="1535113"/>
+            <a:ext cx="3311236" cy="639762"/>
+          </a:xfrm>
+        </p:spPr>
+        <p:txBody>
+          <a:bodyPr/>
+          <a:lstStyle/>
+          <a:p>
+            <a:r>
+              <a:rPr lang="en-GB" dirty="0" smtClean="0"/>
+              <a:t>Names</a:t>
+            </a:r>
+            <a:endParaRPr lang="en-GB" dirty="0"/>
+          </a:p>
+        </p:txBody>
+      </p:sp>
+      <p:sp>
+        <p:nvSpPr>
+          <p:cNvPr id="6" name="Text Placeholder 5"/>
+          <p:cNvSpPr>
+            <a:spLocks noGrp="1"/>
+          </p:cNvSpPr>
+          <p:nvPr>
+            <p:ph type="body" sz="quarter" idx="3"/>
+          </p:nvPr>
+        </p:nvSpPr>
+        <p:spPr>
+          <a:xfrm>
+            <a:off x="5628731" y="1535113"/>
+            <a:ext cx="3321466" cy="639762"/>
+          </a:xfrm>
+        </p:spPr>
+        <p:txBody>
+          <a:bodyPr/>
+          <a:lstStyle/>
+          <a:p>
+            <a:r>
+              <a:rPr lang="en-GB" dirty="0" smtClean="0"/>
+              <a:t>Objects</a:t>
+            </a:r>
+            <a:endParaRPr lang="en-GB" dirty="0"/>
+          </a:p>
+        </p:txBody>
+      </p:sp>
+      <p:sp>
+        <p:nvSpPr>
+          <p:cNvPr id="10" name="TextBox 9"/>
+          <p:cNvSpPr txBox="1"/>
+          <p:nvPr/>
+        </p:nvSpPr>
+        <p:spPr>
+          <a:xfrm>
+            <a:off x="0" y="2432628"/>
+            <a:ext cx="2092085" cy="523220"/>
+          </a:xfrm>
+          <a:prstGeom prst="rect">
+            <a:avLst/>
+          </a:prstGeom>
+          <a:noFill/>
+        </p:spPr>
+        <p:txBody>
+          <a:bodyPr wrap="square" rtlCol="0">
+            <a:spAutoFit/>
+          </a:bodyPr>
+          <a:lstStyle/>
+          <a:p>
+            <a:pPr algn="ctr"/>
+            <a:r>
+              <a:rPr lang="en-GB" sz="2800" dirty="0" smtClean="0"/>
+              <a:t>x = 5</a:t>
+            </a:r>
+            <a:endParaRPr lang="en-GB" sz="2800" dirty="0"/>
+          </a:p>
+        </p:txBody>
+      </p:sp>
+      <p:sp>
+        <p:nvSpPr>
+          <p:cNvPr id="11" name="Rectangle 10"/>
+          <p:cNvSpPr/>
+          <p:nvPr/>
+        </p:nvSpPr>
+        <p:spPr>
+          <a:xfrm>
+            <a:off x="2092085" y="2208912"/>
+            <a:ext cx="3311236" cy="1080943"/>
+          </a:xfrm>
+          <a:prstGeom prst="rect">
+            <a:avLst/>
+          </a:prstGeom>
+          <a:noFill/>
+          <a:ln w="31750">
+            <a:solidFill>
+              <a:schemeClr val="tx1"/>
+            </a:solidFill>
+          </a:ln>
+        </p:spPr>
+        <p:style>
+          <a:lnRef idx="1">
+            <a:schemeClr val="accent1"/>
+          </a:lnRef>
+          <a:fillRef idx="3">
+            <a:schemeClr val="accent1"/>
+          </a:fillRef>
+          <a:effectRef idx="2">
+            <a:schemeClr val="accent1"/>
+          </a:effectRef>
+          <a:fontRef idx="minor">
+            <a:schemeClr val="lt1"/>
+          </a:fontRef>
+        </p:style>
+        <p:txBody>
+          <a:bodyPr rtlCol="0" anchor="ctr"/>
+          <a:lstStyle/>
+          <a:p>
+            <a:pPr algn="ctr"/>
+            <a:endParaRPr lang="en-GB"/>
+          </a:p>
+        </p:txBody>
+      </p:sp>
+      <p:sp>
+        <p:nvSpPr>
+          <p:cNvPr id="12" name="Rectangle 11"/>
+          <p:cNvSpPr/>
+          <p:nvPr/>
+        </p:nvSpPr>
+        <p:spPr>
+          <a:xfrm>
+            <a:off x="5638960" y="2192373"/>
+            <a:ext cx="3311236" cy="1080943"/>
+          </a:xfrm>
+          <a:prstGeom prst="rect">
+            <a:avLst/>
+          </a:prstGeom>
+          <a:noFill/>
+          <a:ln w="31750">
+            <a:solidFill>
+              <a:schemeClr val="tx1"/>
+            </a:solidFill>
+          </a:ln>
+        </p:spPr>
+        <p:style>
+          <a:lnRef idx="1">
+            <a:schemeClr val="accent1"/>
+          </a:lnRef>
+          <a:fillRef idx="3">
+            <a:schemeClr val="accent1"/>
+          </a:fillRef>
+          <a:effectRef idx="2">
+            <a:schemeClr val="accent1"/>
+          </a:effectRef>
+          <a:fontRef idx="minor">
+            <a:schemeClr val="lt1"/>
+          </a:fontRef>
+        </p:style>
+        <p:txBody>
+          <a:bodyPr rtlCol="0" anchor="ctr"/>
+          <a:lstStyle/>
+          <a:p>
+            <a:pPr algn="ctr"/>
+            <a:endParaRPr lang="en-GB"/>
+          </a:p>
+        </p:txBody>
+      </p:sp>
+      <p:sp>
+        <p:nvSpPr>
+          <p:cNvPr id="13" name="TextBox 12"/>
+          <p:cNvSpPr txBox="1"/>
+          <p:nvPr/>
+        </p:nvSpPr>
+        <p:spPr>
+          <a:xfrm>
+            <a:off x="2329197" y="2426278"/>
+            <a:ext cx="623459" cy="523220"/>
+          </a:xfrm>
+          <a:prstGeom prst="rect">
+            <a:avLst/>
+          </a:prstGeom>
+          <a:noFill/>
+          <a:ln w="19050">
+            <a:solidFill>
+              <a:schemeClr val="tx1"/>
+            </a:solidFill>
+          </a:ln>
+        </p:spPr>
+        <p:txBody>
+          <a:bodyPr wrap="square" rtlCol="0">
+            <a:spAutoFit/>
+          </a:bodyPr>
+          <a:lstStyle/>
+          <a:p>
+            <a:pPr algn="ctr"/>
+            <a:r>
+              <a:rPr lang="en-GB" sz="2800" dirty="0" smtClean="0"/>
+              <a:t>x</a:t>
+            </a:r>
+            <a:endParaRPr lang="en-GB" sz="2800" dirty="0"/>
+          </a:p>
+        </p:txBody>
+      </p:sp>
+      <p:sp>
+        <p:nvSpPr>
+          <p:cNvPr id="14" name="TextBox 13"/>
+          <p:cNvSpPr txBox="1"/>
+          <p:nvPr/>
+        </p:nvSpPr>
+        <p:spPr>
+          <a:xfrm>
+            <a:off x="5950694" y="2426278"/>
+            <a:ext cx="623459" cy="523220"/>
+          </a:xfrm>
+          <a:prstGeom prst="rect">
+            <a:avLst/>
+          </a:prstGeom>
+          <a:noFill/>
+          <a:ln w="19050">
+            <a:solidFill>
+              <a:schemeClr val="tx1"/>
+            </a:solidFill>
+          </a:ln>
+        </p:spPr>
+        <p:txBody>
+          <a:bodyPr wrap="square" rtlCol="0">
+            <a:spAutoFit/>
+          </a:bodyPr>
+          <a:lstStyle/>
+          <a:p>
+            <a:pPr algn="ctr"/>
+            <a:r>
+              <a:rPr lang="en-GB" sz="2800" dirty="0" smtClean="0"/>
+              <a:t>5</a:t>
+            </a:r>
+            <a:endParaRPr lang="en-GB" sz="2800" dirty="0"/>
+          </a:p>
+        </p:txBody>
+      </p:sp>
+      <p:cxnSp>
+        <p:nvCxnSpPr>
+          <p:cNvPr id="16" name="Curved Connector 15"/>
+          <p:cNvCxnSpPr>
+            <a:stCxn id="13" idx="2"/>
+            <a:endCxn id="14" idx="2"/>
+          </p:cNvCxnSpPr>
+          <p:nvPr/>
+        </p:nvCxnSpPr>
+        <p:spPr>
+          <a:xfrm rot="16200000" flipH="1">
+            <a:off x="4451675" y="1138749"/>
+            <a:ext cx="12700" cy="3621497"/>
+          </a:xfrm>
+          <a:prstGeom prst="curvedConnector3">
+            <a:avLst>
+              <a:gd name="adj1" fmla="val 4309096"/>
+            </a:avLst>
+          </a:prstGeom>
+          <a:ln>
+            <a:solidFill>
+              <a:schemeClr val="tx1"/>
+            </a:solidFill>
+            <a:tailEnd type="triangle" w="lg" len="lg"/>
+          </a:ln>
+        </p:spPr>
+        <p:style>
+          <a:lnRef idx="2">
+            <a:schemeClr val="accent1"/>
+          </a:lnRef>
+          <a:fillRef idx="0">
+            <a:schemeClr val="accent1"/>
+          </a:fillRef>
+          <a:effectRef idx="1">
+            <a:schemeClr val="accent1"/>
+          </a:effectRef>
+          <a:fontRef idx="minor">
+            <a:schemeClr val="tx1"/>
+          </a:fontRef>
+        </p:style>
+      </p:cxnSp>
+      <p:sp>
+        <p:nvSpPr>
+          <p:cNvPr id="23" name="TextBox 22"/>
+          <p:cNvSpPr txBox="1"/>
+          <p:nvPr/>
+        </p:nvSpPr>
+        <p:spPr>
+          <a:xfrm>
+            <a:off x="-5" y="5665222"/>
+            <a:ext cx="2092085" cy="523220"/>
+          </a:xfrm>
+          <a:prstGeom prst="rect">
+            <a:avLst/>
+          </a:prstGeom>
+          <a:noFill/>
+        </p:spPr>
+        <p:txBody>
+          <a:bodyPr wrap="square" rtlCol="0">
+            <a:spAutoFit/>
+          </a:bodyPr>
+          <a:lstStyle/>
+          <a:p>
+            <a:pPr algn="ctr"/>
+            <a:r>
+              <a:rPr lang="en-GB" sz="2800" dirty="0" smtClean="0"/>
+              <a:t>x = y</a:t>
+            </a:r>
+            <a:endParaRPr lang="en-GB" sz="2800" dirty="0"/>
+          </a:p>
+        </p:txBody>
+      </p:sp>
+      <p:sp>
+        <p:nvSpPr>
+          <p:cNvPr id="22" name="TextBox 21"/>
+          <p:cNvSpPr txBox="1"/>
+          <p:nvPr/>
+        </p:nvSpPr>
+        <p:spPr>
+          <a:xfrm>
+            <a:off x="-9828" y="4015584"/>
+            <a:ext cx="2092085" cy="523220"/>
+          </a:xfrm>
+          <a:prstGeom prst="rect">
+            <a:avLst/>
+          </a:prstGeom>
+          <a:noFill/>
+        </p:spPr>
+        <p:txBody>
+          <a:bodyPr wrap="square" rtlCol="0">
+            <a:spAutoFit/>
+          </a:bodyPr>
+          <a:lstStyle/>
+          <a:p>
+            <a:pPr algn="ctr"/>
+            <a:r>
+              <a:rPr lang="en-GB" sz="2800" dirty="0" smtClean="0"/>
+              <a:t>y</a:t>
+            </a:r>
+            <a:r>
+              <a:rPr lang="en-GB" sz="2800" dirty="0" smtClean="0"/>
+              <a:t> = 5</a:t>
+            </a:r>
+            <a:endParaRPr lang="en-GB" sz="2800" dirty="0"/>
+          </a:p>
+        </p:txBody>
+      </p:sp>
+      <p:sp>
+        <p:nvSpPr>
+          <p:cNvPr id="30" name="Rectangle 29"/>
+          <p:cNvSpPr/>
+          <p:nvPr/>
+        </p:nvSpPr>
+        <p:spPr>
+          <a:xfrm>
+            <a:off x="2082257" y="3791868"/>
+            <a:ext cx="3311236" cy="1080943"/>
+          </a:xfrm>
+          <a:prstGeom prst="rect">
+            <a:avLst/>
+          </a:prstGeom>
+          <a:noFill/>
+          <a:ln w="31750">
+            <a:solidFill>
+              <a:schemeClr val="tx1"/>
+            </a:solidFill>
+          </a:ln>
+        </p:spPr>
+        <p:style>
+          <a:lnRef idx="1">
+            <a:schemeClr val="accent1"/>
+          </a:lnRef>
+          <a:fillRef idx="3">
+            <a:schemeClr val="accent1"/>
+          </a:fillRef>
+          <a:effectRef idx="2">
+            <a:schemeClr val="accent1"/>
+          </a:effectRef>
+          <a:fontRef idx="minor">
+            <a:schemeClr val="lt1"/>
+          </a:fontRef>
+        </p:style>
+        <p:txBody>
+          <a:bodyPr rtlCol="0" anchor="ctr"/>
+          <a:lstStyle/>
+          <a:p>
+            <a:pPr algn="ctr"/>
+            <a:endParaRPr lang="en-GB"/>
+          </a:p>
+        </p:txBody>
+      </p:sp>
+      <p:sp>
+        <p:nvSpPr>
+          <p:cNvPr id="31" name="Rectangle 30"/>
+          <p:cNvSpPr/>
+          <p:nvPr/>
+        </p:nvSpPr>
+        <p:spPr>
+          <a:xfrm>
+            <a:off x="5629132" y="3775329"/>
+            <a:ext cx="3311236" cy="1080943"/>
+          </a:xfrm>
+          <a:prstGeom prst="rect">
+            <a:avLst/>
+          </a:prstGeom>
+          <a:noFill/>
+          <a:ln w="31750">
+            <a:solidFill>
+              <a:schemeClr val="tx1"/>
+            </a:solidFill>
+          </a:ln>
+        </p:spPr>
+        <p:style>
+          <a:lnRef idx="1">
+            <a:schemeClr val="accent1"/>
+          </a:lnRef>
+          <a:fillRef idx="3">
+            <a:schemeClr val="accent1"/>
+          </a:fillRef>
+          <a:effectRef idx="2">
+            <a:schemeClr val="accent1"/>
+          </a:effectRef>
+          <a:fontRef idx="minor">
+            <a:schemeClr val="lt1"/>
+          </a:fontRef>
+        </p:style>
+        <p:txBody>
+          <a:bodyPr rtlCol="0" anchor="ctr"/>
+          <a:lstStyle/>
+          <a:p>
+            <a:pPr algn="ctr"/>
+            <a:endParaRPr lang="en-GB"/>
+          </a:p>
+        </p:txBody>
+      </p:sp>
+      <p:sp>
+        <p:nvSpPr>
+          <p:cNvPr id="32" name="TextBox 31"/>
+          <p:cNvSpPr txBox="1"/>
+          <p:nvPr/>
+        </p:nvSpPr>
+        <p:spPr>
+          <a:xfrm>
+            <a:off x="2319369" y="4009234"/>
+            <a:ext cx="623459" cy="523220"/>
+          </a:xfrm>
+          <a:prstGeom prst="rect">
+            <a:avLst/>
+          </a:prstGeom>
+          <a:noFill/>
+          <a:ln w="19050">
+            <a:solidFill>
+              <a:schemeClr val="tx1"/>
+            </a:solidFill>
+          </a:ln>
+        </p:spPr>
+        <p:txBody>
+          <a:bodyPr wrap="square" rtlCol="0">
+            <a:spAutoFit/>
+          </a:bodyPr>
+          <a:lstStyle/>
+          <a:p>
+            <a:pPr algn="ctr"/>
+            <a:r>
+              <a:rPr lang="en-GB" sz="2800" dirty="0" smtClean="0"/>
+              <a:t>x</a:t>
+            </a:r>
+            <a:endParaRPr lang="en-GB" sz="2800" dirty="0"/>
+          </a:p>
+        </p:txBody>
+      </p:sp>
+      <p:sp>
+        <p:nvSpPr>
+          <p:cNvPr id="33" name="TextBox 32"/>
+          <p:cNvSpPr txBox="1"/>
+          <p:nvPr/>
+        </p:nvSpPr>
+        <p:spPr>
+          <a:xfrm>
+            <a:off x="5940866" y="4009234"/>
+            <a:ext cx="623459" cy="523220"/>
+          </a:xfrm>
+          <a:prstGeom prst="rect">
+            <a:avLst/>
+          </a:prstGeom>
+          <a:noFill/>
+          <a:ln w="19050">
+            <a:solidFill>
+              <a:schemeClr val="tx1"/>
+            </a:solidFill>
+          </a:ln>
+        </p:spPr>
+        <p:txBody>
+          <a:bodyPr wrap="square" rtlCol="0">
+            <a:spAutoFit/>
+          </a:bodyPr>
+          <a:lstStyle/>
+          <a:p>
+            <a:pPr algn="ctr"/>
+            <a:r>
+              <a:rPr lang="en-GB" sz="2800" dirty="0" smtClean="0"/>
+              <a:t>5</a:t>
+            </a:r>
+            <a:endParaRPr lang="en-GB" sz="2800" dirty="0"/>
+          </a:p>
+        </p:txBody>
+      </p:sp>
+      <p:cxnSp>
+        <p:nvCxnSpPr>
+          <p:cNvPr id="34" name="Curved Connector 33"/>
+          <p:cNvCxnSpPr>
+            <a:stCxn id="32" idx="2"/>
+            <a:endCxn id="33" idx="2"/>
+          </p:cNvCxnSpPr>
+          <p:nvPr/>
+        </p:nvCxnSpPr>
+        <p:spPr>
+          <a:xfrm rot="16200000" flipH="1">
+            <a:off x="4441847" y="2721705"/>
+            <a:ext cx="12700" cy="3621497"/>
+          </a:xfrm>
+          <a:prstGeom prst="curvedConnector3">
+            <a:avLst>
+              <a:gd name="adj1" fmla="val 4309096"/>
+            </a:avLst>
+          </a:prstGeom>
+          <a:ln>
+            <a:solidFill>
+              <a:schemeClr val="tx1"/>
+            </a:solidFill>
+            <a:tailEnd type="triangle" w="lg" len="lg"/>
+          </a:ln>
+        </p:spPr>
+        <p:style>
+          <a:lnRef idx="2">
+            <a:schemeClr val="accent1"/>
+          </a:lnRef>
+          <a:fillRef idx="0">
+            <a:schemeClr val="accent1"/>
+          </a:fillRef>
+          <a:effectRef idx="1">
+            <a:schemeClr val="accent1"/>
+          </a:effectRef>
+          <a:fontRef idx="minor">
+            <a:schemeClr val="tx1"/>
+          </a:fontRef>
+        </p:style>
+      </p:cxnSp>
+      <p:sp>
+        <p:nvSpPr>
+          <p:cNvPr id="35" name="TextBox 34"/>
+          <p:cNvSpPr txBox="1"/>
+          <p:nvPr/>
+        </p:nvSpPr>
+        <p:spPr>
+          <a:xfrm>
+            <a:off x="3164925" y="4014154"/>
+            <a:ext cx="623459" cy="523220"/>
+          </a:xfrm>
+          <a:prstGeom prst="rect">
+            <a:avLst/>
+          </a:prstGeom>
+          <a:noFill/>
+          <a:ln w="19050">
+            <a:solidFill>
+              <a:schemeClr val="tx1"/>
+            </a:solidFill>
+          </a:ln>
+        </p:spPr>
+        <p:txBody>
+          <a:bodyPr wrap="square" rtlCol="0">
+            <a:spAutoFit/>
+          </a:bodyPr>
+          <a:lstStyle/>
+          <a:p>
+            <a:pPr algn="ctr"/>
+            <a:r>
+              <a:rPr lang="en-GB" sz="2800" dirty="0" smtClean="0"/>
+              <a:t>y</a:t>
+            </a:r>
+            <a:endParaRPr lang="en-GB" sz="2800" dirty="0"/>
+          </a:p>
+        </p:txBody>
+      </p:sp>
+      <p:sp>
+        <p:nvSpPr>
+          <p:cNvPr id="36" name="TextBox 35"/>
+          <p:cNvSpPr txBox="1"/>
+          <p:nvPr/>
+        </p:nvSpPr>
+        <p:spPr>
+          <a:xfrm>
+            <a:off x="6771674" y="4014154"/>
+            <a:ext cx="623459" cy="523220"/>
+          </a:xfrm>
+          <a:prstGeom prst="rect">
+            <a:avLst/>
+          </a:prstGeom>
+          <a:noFill/>
+          <a:ln w="19050">
+            <a:solidFill>
+              <a:schemeClr val="tx1"/>
+            </a:solidFill>
+          </a:ln>
+        </p:spPr>
+        <p:txBody>
+          <a:bodyPr wrap="square" rtlCol="0">
+            <a:spAutoFit/>
+          </a:bodyPr>
+          <a:lstStyle/>
+          <a:p>
+            <a:pPr algn="ctr"/>
+            <a:r>
+              <a:rPr lang="en-GB" sz="2800" dirty="0" smtClean="0"/>
+              <a:t>5</a:t>
+            </a:r>
+            <a:endParaRPr lang="en-GB" sz="2800" dirty="0"/>
+          </a:p>
+        </p:txBody>
+      </p:sp>
+      <p:cxnSp>
+        <p:nvCxnSpPr>
+          <p:cNvPr id="37" name="Curved Connector 36"/>
+          <p:cNvCxnSpPr>
+            <a:stCxn id="35" idx="0"/>
+            <a:endCxn id="36" idx="0"/>
+          </p:cNvCxnSpPr>
+          <p:nvPr/>
+        </p:nvCxnSpPr>
+        <p:spPr>
+          <a:xfrm rot="5400000" flipH="1" flipV="1">
+            <a:off x="5280029" y="2210780"/>
+            <a:ext cx="12700" cy="3606749"/>
+          </a:xfrm>
+          <a:prstGeom prst="curvedConnector3">
+            <a:avLst>
+              <a:gd name="adj1" fmla="val 3425804"/>
+            </a:avLst>
+          </a:prstGeom>
+          <a:ln>
+            <a:solidFill>
+              <a:schemeClr val="tx1"/>
+            </a:solidFill>
+            <a:tailEnd type="triangle" w="lg" len="lg"/>
+          </a:ln>
+        </p:spPr>
+        <p:style>
+          <a:lnRef idx="2">
+            <a:schemeClr val="accent1"/>
+          </a:lnRef>
+          <a:fillRef idx="0">
+            <a:schemeClr val="accent1"/>
+          </a:fillRef>
+          <a:effectRef idx="1">
+            <a:schemeClr val="accent1"/>
+          </a:effectRef>
+          <a:fontRef idx="minor">
+            <a:schemeClr val="tx1"/>
+          </a:fontRef>
+        </p:style>
+      </p:cxnSp>
+      <p:sp>
+        <p:nvSpPr>
+          <p:cNvPr id="45" name="Rectangle 44"/>
+          <p:cNvSpPr/>
+          <p:nvPr/>
+        </p:nvSpPr>
+        <p:spPr>
+          <a:xfrm>
+            <a:off x="2072429" y="5389572"/>
+            <a:ext cx="3311236" cy="1080943"/>
+          </a:xfrm>
+          <a:prstGeom prst="rect">
+            <a:avLst/>
+          </a:prstGeom>
+          <a:noFill/>
+          <a:ln w="31750">
+            <a:solidFill>
+              <a:schemeClr val="tx1"/>
+            </a:solidFill>
+          </a:ln>
+        </p:spPr>
+        <p:style>
+          <a:lnRef idx="1">
+            <a:schemeClr val="accent1"/>
+          </a:lnRef>
+          <a:fillRef idx="3">
+            <a:schemeClr val="accent1"/>
+          </a:fillRef>
+          <a:effectRef idx="2">
+            <a:schemeClr val="accent1"/>
+          </a:effectRef>
+          <a:fontRef idx="minor">
+            <a:schemeClr val="lt1"/>
+          </a:fontRef>
+        </p:style>
+        <p:txBody>
+          <a:bodyPr rtlCol="0" anchor="ctr"/>
+          <a:lstStyle/>
+          <a:p>
+            <a:pPr algn="ctr"/>
+            <a:endParaRPr lang="en-GB"/>
+          </a:p>
+        </p:txBody>
+      </p:sp>
+      <p:sp>
+        <p:nvSpPr>
+          <p:cNvPr id="46" name="Rectangle 45"/>
+          <p:cNvSpPr/>
+          <p:nvPr/>
+        </p:nvSpPr>
+        <p:spPr>
+          <a:xfrm>
+            <a:off x="5619304" y="5373033"/>
+            <a:ext cx="3311236" cy="1080943"/>
+          </a:xfrm>
+          <a:prstGeom prst="rect">
+            <a:avLst/>
+          </a:prstGeom>
+          <a:noFill/>
+          <a:ln w="31750">
+            <a:solidFill>
+              <a:schemeClr val="tx1"/>
+            </a:solidFill>
+          </a:ln>
+        </p:spPr>
+        <p:style>
+          <a:lnRef idx="1">
+            <a:schemeClr val="accent1"/>
+          </a:lnRef>
+          <a:fillRef idx="3">
+            <a:schemeClr val="accent1"/>
+          </a:fillRef>
+          <a:effectRef idx="2">
+            <a:schemeClr val="accent1"/>
+          </a:effectRef>
+          <a:fontRef idx="minor">
+            <a:schemeClr val="lt1"/>
+          </a:fontRef>
+        </p:style>
+        <p:txBody>
+          <a:bodyPr rtlCol="0" anchor="ctr"/>
+          <a:lstStyle/>
+          <a:p>
+            <a:pPr algn="ctr"/>
+            <a:endParaRPr lang="en-GB"/>
+          </a:p>
+        </p:txBody>
+      </p:sp>
+      <p:sp>
+        <p:nvSpPr>
+          <p:cNvPr id="47" name="TextBox 46"/>
+          <p:cNvSpPr txBox="1"/>
+          <p:nvPr/>
+        </p:nvSpPr>
+        <p:spPr>
+          <a:xfrm>
+            <a:off x="2309541" y="5606938"/>
+            <a:ext cx="623459" cy="523220"/>
+          </a:xfrm>
+          <a:prstGeom prst="rect">
+            <a:avLst/>
+          </a:prstGeom>
+          <a:noFill/>
+          <a:ln w="19050">
+            <a:solidFill>
+              <a:schemeClr val="tx1"/>
+            </a:solidFill>
+          </a:ln>
+        </p:spPr>
+        <p:txBody>
+          <a:bodyPr wrap="square" rtlCol="0">
+            <a:spAutoFit/>
+          </a:bodyPr>
+          <a:lstStyle/>
+          <a:p>
+            <a:pPr algn="ctr"/>
+            <a:r>
+              <a:rPr lang="en-GB" sz="2800" dirty="0" smtClean="0"/>
+              <a:t>x</a:t>
+            </a:r>
+            <a:endParaRPr lang="en-GB" sz="2800" dirty="0"/>
+          </a:p>
+        </p:txBody>
+      </p:sp>
+      <p:sp>
+        <p:nvSpPr>
+          <p:cNvPr id="49" name="TextBox 48"/>
+          <p:cNvSpPr txBox="1"/>
+          <p:nvPr/>
+        </p:nvSpPr>
+        <p:spPr>
+          <a:xfrm>
+            <a:off x="5931038" y="5606938"/>
+            <a:ext cx="623459" cy="523220"/>
+          </a:xfrm>
+          <a:prstGeom prst="rect">
+            <a:avLst/>
+          </a:prstGeom>
+          <a:noFill/>
+          <a:ln w="19050">
+            <a:solidFill>
+              <a:schemeClr val="tx1"/>
+            </a:solidFill>
+          </a:ln>
+        </p:spPr>
+        <p:txBody>
+          <a:bodyPr wrap="square" rtlCol="0">
+            <a:spAutoFit/>
+          </a:bodyPr>
+          <a:lstStyle/>
+          <a:p>
+            <a:pPr algn="ctr"/>
+            <a:r>
+              <a:rPr lang="en-GB" sz="2800" dirty="0" smtClean="0"/>
+              <a:t>5</a:t>
+            </a:r>
+            <a:endParaRPr lang="en-GB" sz="2800" dirty="0"/>
+          </a:p>
+        </p:txBody>
+      </p:sp>
+      <p:cxnSp>
+        <p:nvCxnSpPr>
+          <p:cNvPr id="51" name="Curved Connector 50"/>
+          <p:cNvCxnSpPr>
+            <a:stCxn id="47" idx="2"/>
+            <a:endCxn id="53" idx="2"/>
+          </p:cNvCxnSpPr>
+          <p:nvPr/>
+        </p:nvCxnSpPr>
+        <p:spPr>
+          <a:xfrm rot="16200000" flipH="1">
+            <a:off x="4844963" y="3906465"/>
+            <a:ext cx="4920" cy="4452305"/>
+          </a:xfrm>
+          <a:prstGeom prst="curvedConnector3">
+            <a:avLst>
+              <a:gd name="adj1" fmla="val 11041386"/>
+            </a:avLst>
+          </a:prstGeom>
+          <a:ln>
+            <a:solidFill>
+              <a:schemeClr val="tx1"/>
+            </a:solidFill>
+            <a:tailEnd type="triangle" w="lg" len="lg"/>
+          </a:ln>
+        </p:spPr>
+        <p:style>
+          <a:lnRef idx="2">
+            <a:schemeClr val="accent1"/>
+          </a:lnRef>
+          <a:fillRef idx="0">
+            <a:schemeClr val="accent1"/>
+          </a:fillRef>
+          <a:effectRef idx="1">
+            <a:schemeClr val="accent1"/>
+          </a:effectRef>
+          <a:fontRef idx="minor">
+            <a:schemeClr val="tx1"/>
+          </a:fontRef>
+        </p:style>
+      </p:cxnSp>
+      <p:sp>
+        <p:nvSpPr>
+          <p:cNvPr id="52" name="TextBox 51"/>
+          <p:cNvSpPr txBox="1"/>
+          <p:nvPr/>
+        </p:nvSpPr>
+        <p:spPr>
+          <a:xfrm>
+            <a:off x="3155097" y="5611858"/>
+            <a:ext cx="623459" cy="523220"/>
+          </a:xfrm>
+          <a:prstGeom prst="rect">
+            <a:avLst/>
+          </a:prstGeom>
+          <a:noFill/>
+          <a:ln w="19050">
+            <a:solidFill>
+              <a:schemeClr val="tx1"/>
+            </a:solidFill>
+          </a:ln>
+        </p:spPr>
+        <p:txBody>
+          <a:bodyPr wrap="square" rtlCol="0">
+            <a:spAutoFit/>
+          </a:bodyPr>
+          <a:lstStyle/>
+          <a:p>
+            <a:pPr algn="ctr"/>
+            <a:r>
+              <a:rPr lang="en-GB" sz="2800" dirty="0" smtClean="0"/>
+              <a:t>y</a:t>
+            </a:r>
+            <a:endParaRPr lang="en-GB" sz="2800" dirty="0"/>
+          </a:p>
+        </p:txBody>
+      </p:sp>
+      <p:sp>
+        <p:nvSpPr>
+          <p:cNvPr id="53" name="TextBox 52"/>
+          <p:cNvSpPr txBox="1"/>
+          <p:nvPr/>
+        </p:nvSpPr>
+        <p:spPr>
+          <a:xfrm>
+            <a:off x="6761846" y="5611858"/>
+            <a:ext cx="623459" cy="523220"/>
+          </a:xfrm>
+          <a:prstGeom prst="rect">
+            <a:avLst/>
+          </a:prstGeom>
+          <a:noFill/>
+          <a:ln w="19050">
+            <a:solidFill>
+              <a:schemeClr val="tx1"/>
+            </a:solidFill>
+          </a:ln>
+        </p:spPr>
+        <p:txBody>
+          <a:bodyPr wrap="square" rtlCol="0">
+            <a:spAutoFit/>
+          </a:bodyPr>
+          <a:lstStyle/>
+          <a:p>
+            <a:pPr algn="ctr"/>
+            <a:r>
+              <a:rPr lang="en-GB" sz="2800" dirty="0" smtClean="0"/>
+              <a:t>5</a:t>
+            </a:r>
+            <a:endParaRPr lang="en-GB" sz="2800" dirty="0"/>
+          </a:p>
+        </p:txBody>
+      </p:sp>
+      <p:cxnSp>
+        <p:nvCxnSpPr>
+          <p:cNvPr id="54" name="Curved Connector 53"/>
+          <p:cNvCxnSpPr>
+            <a:stCxn id="52" idx="0"/>
+            <a:endCxn id="53" idx="0"/>
+          </p:cNvCxnSpPr>
+          <p:nvPr/>
+        </p:nvCxnSpPr>
+        <p:spPr>
+          <a:xfrm rot="5400000" flipH="1" flipV="1">
+            <a:off x="5270201" y="3808484"/>
+            <a:ext cx="12700" cy="3606749"/>
+          </a:xfrm>
+          <a:prstGeom prst="curvedConnector3">
+            <a:avLst>
+              <a:gd name="adj1" fmla="val 2961284"/>
+            </a:avLst>
+          </a:prstGeom>
+          <a:ln>
+            <a:solidFill>
+              <a:schemeClr val="tx1"/>
+            </a:solidFill>
+            <a:tailEnd type="triangle" w="lg" len="lg"/>
+          </a:ln>
+        </p:spPr>
+        <p:style>
+          <a:lnRef idx="2">
+            <a:schemeClr val="accent1"/>
+          </a:lnRef>
+          <a:fillRef idx="0">
+            <a:schemeClr val="accent1"/>
+          </a:fillRef>
+          <a:effectRef idx="1">
+            <a:schemeClr val="accent1"/>
+          </a:effectRef>
+          <a:fontRef idx="minor">
+            <a:schemeClr val="tx1"/>
+          </a:fontRef>
+        </p:style>
+      </p:cxnSp>
+    </p:spTree>
+  </p:cSld>
+  <p:clrMapOvr>
+    <a:masterClrMapping/>
+  </p:clrMapOvr>
+  <p:timing>
+    <p:tnLst>
+      <p:par>
+        <p:cTn id="1" dur="indefinite" restart="never" nodeType="tmRoot">
+          <p:childTnLst>
+            <p:seq concurrent="1" nextAc="seek">
+              <p:cTn id="2" dur="indefinite" nodeType="mainSeq">
+                <p:childTnLst>
+                  <p:par>
+                    <p:cTn id="3" fill="hold">
+                      <p:stCondLst>
+                        <p:cond delay="indefinite"/>
+                      </p:stCondLst>
+                      <p:childTnLst>
+                        <p:par>
+                          <p:cTn id="4" fill="hold">
+                            <p:stCondLst>
+                              <p:cond delay="0"/>
+                            </p:stCondLst>
+                            <p:childTnLst>
+                              <p:par>
+                                <p:cTn id="5" presetID="1" presetClass="entr" presetSubtype="0" fill="hold" grpId="0" nodeType="clickEffect">
+                                  <p:stCondLst>
+                                    <p:cond delay="0"/>
+                                  </p:stCondLst>
+                                  <p:childTnLst>
+                                    <p:set>
+                                      <p:cBhvr>
+                                        <p:cTn id="6" dur="1" fill="hold">
+                                          <p:stCondLst>
+                                            <p:cond delay="0"/>
+                                          </p:stCondLst>
+                                        </p:cTn>
+                                        <p:tgtEl>
+                                          <p:spTgt spid="30"/>
+                                        </p:tgtEl>
+                                        <p:attrNameLst>
+                                          <p:attrName>style.visibility</p:attrName>
+                                        </p:attrNameLst>
+                                      </p:cBhvr>
+                                      <p:to>
+                                        <p:strVal val="visible"/>
+                                      </p:to>
+                                    </p:set>
+                                  </p:childTnLst>
+                                </p:cTn>
+                              </p:par>
+                              <p:par>
+                                <p:cTn id="7" presetID="1" presetClass="entr" presetSubtype="0" fill="hold" grpId="0" nodeType="withEffect">
+                                  <p:stCondLst>
+                                    <p:cond delay="0"/>
+                                  </p:stCondLst>
+                                  <p:childTnLst>
+                                    <p:set>
+                                      <p:cBhvr>
+                                        <p:cTn id="8" dur="1" fill="hold">
+                                          <p:stCondLst>
+                                            <p:cond delay="0"/>
+                                          </p:stCondLst>
+                                        </p:cTn>
+                                        <p:tgtEl>
+                                          <p:spTgt spid="31"/>
+                                        </p:tgtEl>
+                                        <p:attrNameLst>
+                                          <p:attrName>style.visibility</p:attrName>
+                                        </p:attrNameLst>
+                                      </p:cBhvr>
+                                      <p:to>
+                                        <p:strVal val="visible"/>
+                                      </p:to>
+                                    </p:set>
+                                  </p:childTnLst>
+                                </p:cTn>
+                              </p:par>
+                              <p:par>
+                                <p:cTn id="9" presetID="1" presetClass="entr" presetSubtype="0" fill="hold" grpId="0" nodeType="withEffect">
+                                  <p:stCondLst>
+                                    <p:cond delay="0"/>
+                                  </p:stCondLst>
+                                  <p:childTnLst>
+                                    <p:set>
+                                      <p:cBhvr>
+                                        <p:cTn id="10" dur="1" fill="hold">
+                                          <p:stCondLst>
+                                            <p:cond delay="0"/>
+                                          </p:stCondLst>
+                                        </p:cTn>
+                                        <p:tgtEl>
+                                          <p:spTgt spid="32"/>
+                                        </p:tgtEl>
+                                        <p:attrNameLst>
+                                          <p:attrName>style.visibility</p:attrName>
+                                        </p:attrNameLst>
+                                      </p:cBhvr>
+                                      <p:to>
+                                        <p:strVal val="visible"/>
+                                      </p:to>
+                                    </p:set>
+                                  </p:childTnLst>
+                                </p:cTn>
+                              </p:par>
+                              <p:par>
+                                <p:cTn id="11" presetID="1" presetClass="entr" presetSubtype="0" fill="hold" grpId="0" nodeType="withEffect">
+                                  <p:stCondLst>
+                                    <p:cond delay="0"/>
+                                  </p:stCondLst>
+                                  <p:childTnLst>
+                                    <p:set>
+                                      <p:cBhvr>
+                                        <p:cTn id="12" dur="1" fill="hold">
+                                          <p:stCondLst>
+                                            <p:cond delay="0"/>
+                                          </p:stCondLst>
+                                        </p:cTn>
+                                        <p:tgtEl>
+                                          <p:spTgt spid="33"/>
+                                        </p:tgtEl>
+                                        <p:attrNameLst>
+                                          <p:attrName>style.visibility</p:attrName>
+                                        </p:attrNameLst>
+                                      </p:cBhvr>
+                                      <p:to>
+                                        <p:strVal val="visible"/>
+                                      </p:to>
+                                    </p:set>
+                                  </p:childTnLst>
+                                </p:cTn>
+                              </p:par>
+                              <p:par>
+                                <p:cTn id="13" presetID="1" presetClass="entr" presetSubtype="0" fill="hold" nodeType="withEffect">
+                                  <p:stCondLst>
+                                    <p:cond delay="0"/>
+                                  </p:stCondLst>
+                                  <p:childTnLst>
+                                    <p:set>
+                                      <p:cBhvr>
+                                        <p:cTn id="14" dur="1" fill="hold">
+                                          <p:stCondLst>
+                                            <p:cond delay="0"/>
+                                          </p:stCondLst>
+                                        </p:cTn>
+                                        <p:tgtEl>
+                                          <p:spTgt spid="34"/>
+                                        </p:tgtEl>
+                                        <p:attrNameLst>
+                                          <p:attrName>style.visibility</p:attrName>
+                                        </p:attrNameLst>
+                                      </p:cBhvr>
+                                      <p:to>
+                                        <p:strVal val="visible"/>
+                                      </p:to>
+                                    </p:set>
+                                  </p:childTnLst>
+                                </p:cTn>
+                              </p:par>
+                              <p:par>
+                                <p:cTn id="15" presetID="1" presetClass="entr" presetSubtype="0" fill="hold" grpId="0" nodeType="withEffect">
+                                  <p:stCondLst>
+                                    <p:cond delay="0"/>
+                                  </p:stCondLst>
+                                  <p:childTnLst>
+                                    <p:set>
+                                      <p:cBhvr>
+                                        <p:cTn id="16" dur="1" fill="hold">
+                                          <p:stCondLst>
+                                            <p:cond delay="0"/>
+                                          </p:stCondLst>
+                                        </p:cTn>
+                                        <p:tgtEl>
+                                          <p:spTgt spid="35"/>
+                                        </p:tgtEl>
+                                        <p:attrNameLst>
+                                          <p:attrName>style.visibility</p:attrName>
+                                        </p:attrNameLst>
+                                      </p:cBhvr>
+                                      <p:to>
+                                        <p:strVal val="visible"/>
+                                      </p:to>
+                                    </p:set>
+                                  </p:childTnLst>
+                                </p:cTn>
+                              </p:par>
+                              <p:par>
+                                <p:cTn id="17" presetID="1" presetClass="entr" presetSubtype="0" fill="hold" grpId="0" nodeType="withEffect">
+                                  <p:stCondLst>
+                                    <p:cond delay="0"/>
+                                  </p:stCondLst>
+                                  <p:childTnLst>
+                                    <p:set>
+                                      <p:cBhvr>
+                                        <p:cTn id="18" dur="1" fill="hold">
+                                          <p:stCondLst>
+                                            <p:cond delay="0"/>
+                                          </p:stCondLst>
+                                        </p:cTn>
+                                        <p:tgtEl>
+                                          <p:spTgt spid="36"/>
+                                        </p:tgtEl>
+                                        <p:attrNameLst>
+                                          <p:attrName>style.visibility</p:attrName>
+                                        </p:attrNameLst>
+                                      </p:cBhvr>
+                                      <p:to>
+                                        <p:strVal val="visible"/>
+                                      </p:to>
+                                    </p:set>
+                                  </p:childTnLst>
+                                </p:cTn>
+                              </p:par>
+                              <p:par>
+                                <p:cTn id="19" presetID="1" presetClass="entr" presetSubtype="0" fill="hold" nodeType="withEffect">
+                                  <p:stCondLst>
+                                    <p:cond delay="0"/>
+                                  </p:stCondLst>
+                                  <p:childTnLst>
+                                    <p:set>
+                                      <p:cBhvr>
+                                        <p:cTn id="20" dur="1" fill="hold">
+                                          <p:stCondLst>
+                                            <p:cond delay="0"/>
+                                          </p:stCondLst>
+                                        </p:cTn>
+                                        <p:tgtEl>
+                                          <p:spTgt spid="37"/>
+                                        </p:tgtEl>
+                                        <p:attrNameLst>
+                                          <p:attrName>style.visibility</p:attrName>
+                                        </p:attrNameLst>
+                                      </p:cBhvr>
+                                      <p:to>
+                                        <p:strVal val="visible"/>
+                                      </p:to>
+                                    </p:set>
+                                  </p:childTnLst>
+                                </p:cTn>
+                              </p:par>
+                              <p:par>
+                                <p:cTn id="21" presetID="1" presetClass="entr" presetSubtype="0" fill="hold" grpId="0" nodeType="withEffect">
+                                  <p:stCondLst>
+                                    <p:cond delay="0"/>
+                                  </p:stCondLst>
+                                  <p:childTnLst>
+                                    <p:set>
+                                      <p:cBhvr>
+                                        <p:cTn id="22" dur="1" fill="hold">
+                                          <p:stCondLst>
+                                            <p:cond delay="0"/>
+                                          </p:stCondLst>
+                                        </p:cTn>
+                                        <p:tgtEl>
+                                          <p:spTgt spid="22"/>
+                                        </p:tgtEl>
+                                        <p:attrNameLst>
+                                          <p:attrName>style.visibility</p:attrName>
+                                        </p:attrNameLst>
+                                      </p:cBhvr>
+                                      <p:to>
+                                        <p:strVal val="visible"/>
+                                      </p:to>
+                                    </p:set>
+                                  </p:childTnLst>
+                                </p:cTn>
+                              </p:par>
+                            </p:childTnLst>
+                          </p:cTn>
+                        </p:par>
+                      </p:childTnLst>
+                    </p:cTn>
+                  </p:par>
+                  <p:par>
+                    <p:cTn id="23" fill="hold">
+                      <p:stCondLst>
+                        <p:cond delay="indefinite"/>
+                      </p:stCondLst>
+                      <p:childTnLst>
+                        <p:par>
+                          <p:cTn id="24" fill="hold">
+                            <p:stCondLst>
+                              <p:cond delay="0"/>
+                            </p:stCondLst>
+                            <p:childTnLst>
+                              <p:par>
+                                <p:cTn id="25" presetID="1" presetClass="entr" presetSubtype="0" fill="hold" grpId="0" nodeType="clickEffect">
+                                  <p:stCondLst>
+                                    <p:cond delay="0"/>
+                                  </p:stCondLst>
+                                  <p:childTnLst>
+                                    <p:set>
+                                      <p:cBhvr>
+                                        <p:cTn id="26" dur="1" fill="hold">
+                                          <p:stCondLst>
+                                            <p:cond delay="0"/>
+                                          </p:stCondLst>
+                                        </p:cTn>
+                                        <p:tgtEl>
+                                          <p:spTgt spid="23"/>
+                                        </p:tgtEl>
+                                        <p:attrNameLst>
+                                          <p:attrName>style.visibility</p:attrName>
+                                        </p:attrNameLst>
+                                      </p:cBhvr>
+                                      <p:to>
+                                        <p:strVal val="visible"/>
+                                      </p:to>
+                                    </p:set>
+                                  </p:childTnLst>
+                                </p:cTn>
+                              </p:par>
+                              <p:par>
+                                <p:cTn id="27" presetID="1" presetClass="entr" presetSubtype="0" fill="hold" grpId="0" nodeType="withEffect">
+                                  <p:stCondLst>
+                                    <p:cond delay="0"/>
+                                  </p:stCondLst>
+                                  <p:childTnLst>
+                                    <p:set>
+                                      <p:cBhvr>
+                                        <p:cTn id="28" dur="1" fill="hold">
+                                          <p:stCondLst>
+                                            <p:cond delay="0"/>
+                                          </p:stCondLst>
+                                        </p:cTn>
+                                        <p:tgtEl>
+                                          <p:spTgt spid="45"/>
+                                        </p:tgtEl>
+                                        <p:attrNameLst>
+                                          <p:attrName>style.visibility</p:attrName>
+                                        </p:attrNameLst>
+                                      </p:cBhvr>
+                                      <p:to>
+                                        <p:strVal val="visible"/>
+                                      </p:to>
+                                    </p:set>
+                                  </p:childTnLst>
+                                </p:cTn>
+                              </p:par>
+                              <p:par>
+                                <p:cTn id="29" presetID="1" presetClass="entr" presetSubtype="0" fill="hold" grpId="0" nodeType="withEffect">
+                                  <p:stCondLst>
+                                    <p:cond delay="0"/>
+                                  </p:stCondLst>
+                                  <p:childTnLst>
+                                    <p:set>
+                                      <p:cBhvr>
+                                        <p:cTn id="30" dur="1" fill="hold">
+                                          <p:stCondLst>
+                                            <p:cond delay="0"/>
+                                          </p:stCondLst>
+                                        </p:cTn>
+                                        <p:tgtEl>
+                                          <p:spTgt spid="46"/>
+                                        </p:tgtEl>
+                                        <p:attrNameLst>
+                                          <p:attrName>style.visibility</p:attrName>
+                                        </p:attrNameLst>
+                                      </p:cBhvr>
+                                      <p:to>
+                                        <p:strVal val="visible"/>
+                                      </p:to>
+                                    </p:set>
+                                  </p:childTnLst>
+                                </p:cTn>
+                              </p:par>
+                              <p:par>
+                                <p:cTn id="31" presetID="1" presetClass="entr" presetSubtype="0" fill="hold" grpId="0" nodeType="withEffect">
+                                  <p:stCondLst>
+                                    <p:cond delay="0"/>
+                                  </p:stCondLst>
+                                  <p:childTnLst>
+                                    <p:set>
+                                      <p:cBhvr>
+                                        <p:cTn id="32" dur="1" fill="hold">
+                                          <p:stCondLst>
+                                            <p:cond delay="0"/>
+                                          </p:stCondLst>
+                                        </p:cTn>
+                                        <p:tgtEl>
+                                          <p:spTgt spid="47"/>
+                                        </p:tgtEl>
+                                        <p:attrNameLst>
+                                          <p:attrName>style.visibility</p:attrName>
+                                        </p:attrNameLst>
+                                      </p:cBhvr>
+                                      <p:to>
+                                        <p:strVal val="visible"/>
+                                      </p:to>
+                                    </p:set>
+                                  </p:childTnLst>
+                                </p:cTn>
+                              </p:par>
+                              <p:par>
+                                <p:cTn id="33" presetID="1" presetClass="entr" presetSubtype="0" fill="hold" grpId="0" nodeType="withEffect">
+                                  <p:stCondLst>
+                                    <p:cond delay="0"/>
+                                  </p:stCondLst>
+                                  <p:childTnLst>
+                                    <p:set>
+                                      <p:cBhvr>
+                                        <p:cTn id="34" dur="1" fill="hold">
+                                          <p:stCondLst>
+                                            <p:cond delay="0"/>
+                                          </p:stCondLst>
+                                        </p:cTn>
+                                        <p:tgtEl>
+                                          <p:spTgt spid="49"/>
+                                        </p:tgtEl>
+                                        <p:attrNameLst>
+                                          <p:attrName>style.visibility</p:attrName>
+                                        </p:attrNameLst>
+                                      </p:cBhvr>
+                                      <p:to>
+                                        <p:strVal val="visible"/>
+                                      </p:to>
+                                    </p:set>
+                                  </p:childTnLst>
+                                </p:cTn>
+                              </p:par>
+                              <p:par>
+                                <p:cTn id="35" presetID="1" presetClass="entr" presetSubtype="0" fill="hold" nodeType="withEffect">
+                                  <p:stCondLst>
+                                    <p:cond delay="0"/>
+                                  </p:stCondLst>
+                                  <p:childTnLst>
+                                    <p:set>
+                                      <p:cBhvr>
+                                        <p:cTn id="36" dur="1" fill="hold">
+                                          <p:stCondLst>
+                                            <p:cond delay="0"/>
+                                          </p:stCondLst>
+                                        </p:cTn>
+                                        <p:tgtEl>
+                                          <p:spTgt spid="51"/>
+                                        </p:tgtEl>
+                                        <p:attrNameLst>
+                                          <p:attrName>style.visibility</p:attrName>
+                                        </p:attrNameLst>
+                                      </p:cBhvr>
+                                      <p:to>
+                                        <p:strVal val="visible"/>
+                                      </p:to>
+                                    </p:set>
+                                  </p:childTnLst>
+                                </p:cTn>
+                              </p:par>
+                              <p:par>
+                                <p:cTn id="37" presetID="1" presetClass="entr" presetSubtype="0" fill="hold" grpId="0" nodeType="withEffect">
+                                  <p:stCondLst>
+                                    <p:cond delay="0"/>
+                                  </p:stCondLst>
+                                  <p:childTnLst>
+                                    <p:set>
+                                      <p:cBhvr>
+                                        <p:cTn id="38" dur="1" fill="hold">
+                                          <p:stCondLst>
+                                            <p:cond delay="0"/>
+                                          </p:stCondLst>
+                                        </p:cTn>
+                                        <p:tgtEl>
+                                          <p:spTgt spid="52"/>
+                                        </p:tgtEl>
+                                        <p:attrNameLst>
+                                          <p:attrName>style.visibility</p:attrName>
+                                        </p:attrNameLst>
+                                      </p:cBhvr>
+                                      <p:to>
+                                        <p:strVal val="visible"/>
+                                      </p:to>
+                                    </p:set>
+                                  </p:childTnLst>
+                                </p:cTn>
+                              </p:par>
+                              <p:par>
+                                <p:cTn id="39" presetID="1" presetClass="entr" presetSubtype="0" fill="hold" grpId="0" nodeType="withEffect">
+                                  <p:stCondLst>
+                                    <p:cond delay="0"/>
+                                  </p:stCondLst>
+                                  <p:childTnLst>
+                                    <p:set>
+                                      <p:cBhvr>
+                                        <p:cTn id="40" dur="1" fill="hold">
+                                          <p:stCondLst>
+                                            <p:cond delay="0"/>
+                                          </p:stCondLst>
+                                        </p:cTn>
+                                        <p:tgtEl>
+                                          <p:spTgt spid="53"/>
+                                        </p:tgtEl>
+                                        <p:attrNameLst>
+                                          <p:attrName>style.visibility</p:attrName>
+                                        </p:attrNameLst>
+                                      </p:cBhvr>
+                                      <p:to>
+                                        <p:strVal val="visible"/>
+                                      </p:to>
+                                    </p:set>
+                                  </p:childTnLst>
+                                </p:cTn>
+                              </p:par>
+                              <p:par>
+                                <p:cTn id="41" presetID="1" presetClass="entr" presetSubtype="0" fill="hold" nodeType="withEffect">
+                                  <p:stCondLst>
+                                    <p:cond delay="0"/>
+                                  </p:stCondLst>
+                                  <p:childTnLst>
+                                    <p:set>
+                                      <p:cBhvr>
+                                        <p:cTn id="42" dur="1" fill="hold">
+                                          <p:stCondLst>
+                                            <p:cond delay="0"/>
+                                          </p:stCondLst>
+                                        </p:cTn>
+                                        <p:tgtEl>
+                                          <p:spTgt spid="54"/>
+                                        </p:tgtEl>
+                                        <p:attrNameLst>
+                                          <p:attrName>style.visibility</p:attrName>
+                                        </p:attrNameLst>
+                                      </p:cBhvr>
+                                      <p:to>
+                                        <p:strVal val="visible"/>
+                                      </p:to>
+                                    </p:set>
+                                  </p:childTnLst>
+                                </p:cTn>
+                              </p:par>
+                            </p:childTnLst>
+                          </p:cTn>
+                        </p:par>
+                      </p:childTnLst>
+                    </p:cTn>
+                  </p:par>
+                </p:childTnLst>
+              </p:cTn>
+              <p:prevCondLst>
+                <p:cond evt="onPrev" delay="0">
+                  <p:tgtEl>
+                    <p:sldTgt/>
+                  </p:tgtEl>
+                </p:cond>
+              </p:prevCondLst>
+              <p:nextCondLst>
+                <p:cond evt="onNext" delay="0">
+                  <p:tgtEl>
+                    <p:sldTgt/>
+                  </p:tgtEl>
+                </p:cond>
+              </p:nextCondLst>
+            </p:seq>
+          </p:childTnLst>
+        </p:cTn>
+      </p:par>
+    </p:tnLst>
+    <p:bldLst>
+      <p:bldP spid="23" grpId="0"/>
+      <p:bldP spid="22" grpId="0"/>
+      <p:bldP spid="30" grpId="0" animBg="1"/>
+      <p:bldP spid="31" grpId="0" animBg="1"/>
+      <p:bldP spid="32" grpId="0" animBg="1"/>
+      <p:bldP spid="33" grpId="0" animBg="1"/>
+      <p:bldP spid="35" grpId="0" animBg="1"/>
+      <p:bldP spid="36" grpId="0" animBg="1"/>
+      <p:bldP spid="45" grpId="0" animBg="1"/>
+      <p:bldP spid="46" grpId="0" animBg="1"/>
+      <p:bldP spid="47" grpId="0" animBg="1"/>
+      <p:bldP spid="49" grpId="0" animBg="1"/>
+      <p:bldP spid="52" grpId="0" animBg="1"/>
+      <p:bldP spid="53" grpId="0" animBg="1"/>
+    </p:bldLst>
+  </p:timing>
+</p:sld>
+</file>
+
+<file path=ppt/slides/slide7.xml><?xml version="1.0" encoding="utf-8"?>
+<p:sld xmlns:a="http://schemas.openxmlformats.org/drawingml/2006/main" xmlns:r="http://schemas.openxmlformats.org/officeDocument/2006/relationships" xmlns:p="http://schemas.openxmlformats.org/presentationml/2006/main">
+  <p:cSld>
+    <p:spTree>
+      <p:nvGrpSpPr>
+        <p:cNvPr id="1" name=""/>
+        <p:cNvGrpSpPr/>
+        <p:nvPr/>
+      </p:nvGrpSpPr>
+      <p:grpSpPr>
+        <a:xfrm>
+          <a:off x="0" y="0"/>
+          <a:ext cx="0" cy="0"/>
+          <a:chOff x="0" y="0"/>
+          <a:chExt cx="0" cy="0"/>
+        </a:xfrm>
+      </p:grpSpPr>
+      <p:sp>
+        <p:nvSpPr>
+          <p:cNvPr id="2" name="Title 1"/>
+          <p:cNvSpPr>
+            <a:spLocks noGrp="1"/>
+          </p:cNvSpPr>
+          <p:nvPr>
+            <p:ph type="title"/>
+          </p:nvPr>
+        </p:nvSpPr>
+        <p:spPr/>
+        <p:txBody>
+          <a:bodyPr/>
+          <a:lstStyle/>
+          <a:p>
+            <a:r>
+              <a:rPr lang="en-GB" dirty="0" smtClean="0"/>
+              <a:t>Assignment</a:t>
+            </a:r>
+            <a:endParaRPr lang="en-GB" dirty="0"/>
+          </a:p>
+        </p:txBody>
+      </p:sp>
+      <p:sp>
+        <p:nvSpPr>
+          <p:cNvPr id="4" name="Text Placeholder 3"/>
+          <p:cNvSpPr>
+            <a:spLocks noGrp="1"/>
+          </p:cNvSpPr>
+          <p:nvPr>
+            <p:ph type="body" idx="1"/>
+          </p:nvPr>
+        </p:nvSpPr>
+        <p:spPr>
+          <a:xfrm>
+            <a:off x="2064380" y="1535113"/>
+            <a:ext cx="3311236" cy="639762"/>
+          </a:xfrm>
+        </p:spPr>
+        <p:txBody>
+          <a:bodyPr/>
+          <a:lstStyle/>
+          <a:p>
+            <a:r>
+              <a:rPr lang="en-GB" dirty="0" smtClean="0"/>
+              <a:t>Names</a:t>
+            </a:r>
+            <a:endParaRPr lang="en-GB" dirty="0"/>
+          </a:p>
+        </p:txBody>
+      </p:sp>
+      <p:sp>
+        <p:nvSpPr>
+          <p:cNvPr id="6" name="Text Placeholder 5"/>
+          <p:cNvSpPr>
+            <a:spLocks noGrp="1"/>
+          </p:cNvSpPr>
+          <p:nvPr>
+            <p:ph type="body" sz="quarter" idx="3"/>
+          </p:nvPr>
+        </p:nvSpPr>
+        <p:spPr>
+          <a:xfrm>
+            <a:off x="5628731" y="1535113"/>
+            <a:ext cx="3321466" cy="639762"/>
+          </a:xfrm>
+        </p:spPr>
+        <p:txBody>
+          <a:bodyPr/>
+          <a:lstStyle/>
+          <a:p>
+            <a:r>
+              <a:rPr lang="en-GB" dirty="0" smtClean="0"/>
+              <a:t>Objects</a:t>
+            </a:r>
+            <a:endParaRPr lang="en-GB" dirty="0"/>
+          </a:p>
+        </p:txBody>
+      </p:sp>
+      <p:sp>
+        <p:nvSpPr>
+          <p:cNvPr id="10" name="TextBox 9"/>
+          <p:cNvSpPr txBox="1"/>
+          <p:nvPr/>
+        </p:nvSpPr>
+        <p:spPr>
+          <a:xfrm>
+            <a:off x="0" y="2432628"/>
+            <a:ext cx="2092085" cy="523220"/>
+          </a:xfrm>
+          <a:prstGeom prst="rect">
+            <a:avLst/>
+          </a:prstGeom>
+          <a:noFill/>
+        </p:spPr>
+        <p:txBody>
+          <a:bodyPr wrap="square" rtlCol="0">
+            <a:spAutoFit/>
+          </a:bodyPr>
+          <a:lstStyle/>
+          <a:p>
+            <a:pPr algn="ctr"/>
+            <a:r>
+              <a:rPr lang="en-GB" sz="2800" dirty="0" smtClean="0"/>
+              <a:t>x = 5</a:t>
+            </a:r>
+            <a:endParaRPr lang="en-GB" sz="2800" dirty="0"/>
+          </a:p>
+        </p:txBody>
+      </p:sp>
+      <p:sp>
+        <p:nvSpPr>
+          <p:cNvPr id="11" name="Rectangle 10"/>
+          <p:cNvSpPr/>
+          <p:nvPr/>
+        </p:nvSpPr>
+        <p:spPr>
+          <a:xfrm>
+            <a:off x="2092085" y="2208912"/>
+            <a:ext cx="3311236" cy="1080943"/>
+          </a:xfrm>
+          <a:prstGeom prst="rect">
+            <a:avLst/>
+          </a:prstGeom>
+          <a:noFill/>
+          <a:ln w="31750">
+            <a:solidFill>
+              <a:schemeClr val="tx1"/>
+            </a:solidFill>
+          </a:ln>
+        </p:spPr>
+        <p:style>
+          <a:lnRef idx="1">
+            <a:schemeClr val="accent1"/>
+          </a:lnRef>
+          <a:fillRef idx="3">
+            <a:schemeClr val="accent1"/>
+          </a:fillRef>
+          <a:effectRef idx="2">
+            <a:schemeClr val="accent1"/>
+          </a:effectRef>
+          <a:fontRef idx="minor">
+            <a:schemeClr val="lt1"/>
+          </a:fontRef>
+        </p:style>
+        <p:txBody>
+          <a:bodyPr rtlCol="0" anchor="ctr"/>
+          <a:lstStyle/>
+          <a:p>
+            <a:pPr algn="ctr"/>
+            <a:endParaRPr lang="en-GB"/>
+          </a:p>
+        </p:txBody>
+      </p:sp>
+      <p:sp>
+        <p:nvSpPr>
+          <p:cNvPr id="12" name="Rectangle 11"/>
+          <p:cNvSpPr/>
+          <p:nvPr/>
+        </p:nvSpPr>
+        <p:spPr>
+          <a:xfrm>
+            <a:off x="5638960" y="2192373"/>
+            <a:ext cx="3311236" cy="1080943"/>
+          </a:xfrm>
+          <a:prstGeom prst="rect">
+            <a:avLst/>
+          </a:prstGeom>
+          <a:noFill/>
+          <a:ln w="31750">
+            <a:solidFill>
+              <a:schemeClr val="tx1"/>
+            </a:solidFill>
+          </a:ln>
+        </p:spPr>
+        <p:style>
+          <a:lnRef idx="1">
+            <a:schemeClr val="accent1"/>
+          </a:lnRef>
+          <a:fillRef idx="3">
+            <a:schemeClr val="accent1"/>
+          </a:fillRef>
+          <a:effectRef idx="2">
+            <a:schemeClr val="accent1"/>
+          </a:effectRef>
+          <a:fontRef idx="minor">
+            <a:schemeClr val="lt1"/>
+          </a:fontRef>
+        </p:style>
+        <p:txBody>
+          <a:bodyPr rtlCol="0" anchor="ctr"/>
+          <a:lstStyle/>
+          <a:p>
+            <a:pPr algn="ctr"/>
+            <a:endParaRPr lang="en-GB"/>
+          </a:p>
+        </p:txBody>
+      </p:sp>
+      <p:sp>
+        <p:nvSpPr>
+          <p:cNvPr id="13" name="TextBox 12"/>
+          <p:cNvSpPr txBox="1"/>
+          <p:nvPr/>
+        </p:nvSpPr>
+        <p:spPr>
+          <a:xfrm>
+            <a:off x="2329197" y="2426278"/>
+            <a:ext cx="623459" cy="523220"/>
+          </a:xfrm>
+          <a:prstGeom prst="rect">
+            <a:avLst/>
+          </a:prstGeom>
+          <a:noFill/>
+          <a:ln w="19050">
+            <a:solidFill>
+              <a:schemeClr val="tx1"/>
+            </a:solidFill>
+          </a:ln>
+        </p:spPr>
+        <p:txBody>
+          <a:bodyPr wrap="square" rtlCol="0">
+            <a:spAutoFit/>
+          </a:bodyPr>
+          <a:lstStyle/>
+          <a:p>
+            <a:pPr algn="ctr"/>
+            <a:r>
+              <a:rPr lang="en-GB" sz="2800" dirty="0" smtClean="0"/>
+              <a:t>x</a:t>
+            </a:r>
+            <a:endParaRPr lang="en-GB" sz="2800" dirty="0"/>
+          </a:p>
+        </p:txBody>
+      </p:sp>
+      <p:sp>
+        <p:nvSpPr>
+          <p:cNvPr id="14" name="TextBox 13"/>
+          <p:cNvSpPr txBox="1"/>
+          <p:nvPr/>
+        </p:nvSpPr>
+        <p:spPr>
+          <a:xfrm>
+            <a:off x="5950694" y="2426278"/>
+            <a:ext cx="623459" cy="523220"/>
+          </a:xfrm>
+          <a:prstGeom prst="rect">
+            <a:avLst/>
+          </a:prstGeom>
+          <a:noFill/>
+          <a:ln w="19050">
+            <a:solidFill>
+              <a:schemeClr val="tx1"/>
+            </a:solidFill>
+          </a:ln>
+        </p:spPr>
+        <p:txBody>
+          <a:bodyPr wrap="square" rtlCol="0">
+            <a:spAutoFit/>
+          </a:bodyPr>
+          <a:lstStyle/>
+          <a:p>
+            <a:pPr algn="ctr"/>
+            <a:r>
+              <a:rPr lang="en-GB" sz="2800" dirty="0" smtClean="0"/>
+              <a:t>5</a:t>
+            </a:r>
+            <a:endParaRPr lang="en-GB" sz="2800" dirty="0"/>
+          </a:p>
+        </p:txBody>
+      </p:sp>
+      <p:cxnSp>
+        <p:nvCxnSpPr>
+          <p:cNvPr id="16" name="Curved Connector 15"/>
+          <p:cNvCxnSpPr>
+            <a:stCxn id="13" idx="2"/>
+            <a:endCxn id="14" idx="2"/>
+          </p:cNvCxnSpPr>
+          <p:nvPr/>
+        </p:nvCxnSpPr>
+        <p:spPr>
+          <a:xfrm rot="16200000" flipH="1">
+            <a:off x="4451675" y="1138749"/>
+            <a:ext cx="12700" cy="3621497"/>
+          </a:xfrm>
+          <a:prstGeom prst="curvedConnector3">
+            <a:avLst>
+              <a:gd name="adj1" fmla="val 4309096"/>
+            </a:avLst>
+          </a:prstGeom>
+          <a:ln>
+            <a:solidFill>
+              <a:schemeClr val="tx1"/>
+            </a:solidFill>
+            <a:tailEnd type="triangle" w="lg" len="lg"/>
+          </a:ln>
+        </p:spPr>
+        <p:style>
+          <a:lnRef idx="2">
+            <a:schemeClr val="accent1"/>
+          </a:lnRef>
+          <a:fillRef idx="0">
+            <a:schemeClr val="accent1"/>
+          </a:fillRef>
+          <a:effectRef idx="1">
+            <a:schemeClr val="accent1"/>
+          </a:effectRef>
+          <a:fontRef idx="minor">
+            <a:schemeClr val="tx1"/>
+          </a:fontRef>
+        </p:style>
+      </p:cxnSp>
+      <p:sp>
+        <p:nvSpPr>
+          <p:cNvPr id="23" name="TextBox 22"/>
+          <p:cNvSpPr txBox="1"/>
+          <p:nvPr/>
+        </p:nvSpPr>
+        <p:spPr>
+          <a:xfrm>
+            <a:off x="-5" y="5665222"/>
+            <a:ext cx="2092085" cy="523220"/>
+          </a:xfrm>
+          <a:prstGeom prst="rect">
+            <a:avLst/>
+          </a:prstGeom>
+          <a:noFill/>
+        </p:spPr>
+        <p:txBody>
+          <a:bodyPr wrap="square" rtlCol="0">
+            <a:spAutoFit/>
+          </a:bodyPr>
+          <a:lstStyle/>
+          <a:p>
+            <a:pPr algn="ctr"/>
+            <a:r>
+              <a:rPr lang="en-GB" sz="2800" dirty="0" smtClean="0"/>
+              <a:t>del x</a:t>
+            </a:r>
+            <a:endParaRPr lang="en-GB" sz="2800" dirty="0"/>
+          </a:p>
+        </p:txBody>
+      </p:sp>
+      <p:sp>
+        <p:nvSpPr>
+          <p:cNvPr id="22" name="TextBox 21"/>
+          <p:cNvSpPr txBox="1"/>
+          <p:nvPr/>
+        </p:nvSpPr>
+        <p:spPr>
+          <a:xfrm>
+            <a:off x="-9828" y="4015584"/>
+            <a:ext cx="2092085" cy="523220"/>
+          </a:xfrm>
+          <a:prstGeom prst="rect">
+            <a:avLst/>
+          </a:prstGeom>
+          <a:noFill/>
+        </p:spPr>
+        <p:txBody>
+          <a:bodyPr wrap="square" rtlCol="0">
+            <a:spAutoFit/>
+          </a:bodyPr>
+          <a:lstStyle/>
+          <a:p>
+            <a:pPr algn="ctr"/>
+            <a:r>
+              <a:rPr lang="en-GB" sz="2800" dirty="0" smtClean="0"/>
+              <a:t>x = None</a:t>
+            </a:r>
+            <a:endParaRPr lang="en-GB" sz="2800" dirty="0"/>
+          </a:p>
+        </p:txBody>
+      </p:sp>
+      <p:sp>
+        <p:nvSpPr>
+          <p:cNvPr id="30" name="Rectangle 29"/>
+          <p:cNvSpPr/>
+          <p:nvPr/>
+        </p:nvSpPr>
+        <p:spPr>
+          <a:xfrm>
+            <a:off x="2082257" y="3791868"/>
+            <a:ext cx="3311236" cy="1080943"/>
+          </a:xfrm>
+          <a:prstGeom prst="rect">
+            <a:avLst/>
+          </a:prstGeom>
+          <a:noFill/>
+          <a:ln w="31750">
+            <a:solidFill>
+              <a:schemeClr val="tx1"/>
+            </a:solidFill>
+          </a:ln>
+        </p:spPr>
+        <p:style>
+          <a:lnRef idx="1">
+            <a:schemeClr val="accent1"/>
+          </a:lnRef>
+          <a:fillRef idx="3">
+            <a:schemeClr val="accent1"/>
+          </a:fillRef>
+          <a:effectRef idx="2">
+            <a:schemeClr val="accent1"/>
+          </a:effectRef>
+          <a:fontRef idx="minor">
+            <a:schemeClr val="lt1"/>
+          </a:fontRef>
+        </p:style>
+        <p:txBody>
+          <a:bodyPr rtlCol="0" anchor="ctr"/>
+          <a:lstStyle/>
+          <a:p>
+            <a:pPr algn="ctr"/>
+            <a:endParaRPr lang="en-GB"/>
+          </a:p>
+        </p:txBody>
+      </p:sp>
+      <p:sp>
+        <p:nvSpPr>
+          <p:cNvPr id="31" name="Rectangle 30"/>
+          <p:cNvSpPr/>
+          <p:nvPr/>
+        </p:nvSpPr>
+        <p:spPr>
+          <a:xfrm>
+            <a:off x="5629132" y="3775329"/>
+            <a:ext cx="3311236" cy="1080943"/>
+          </a:xfrm>
+          <a:prstGeom prst="rect">
+            <a:avLst/>
+          </a:prstGeom>
+          <a:noFill/>
+          <a:ln w="31750">
+            <a:solidFill>
+              <a:schemeClr val="tx1"/>
+            </a:solidFill>
+          </a:ln>
+        </p:spPr>
+        <p:style>
+          <a:lnRef idx="1">
+            <a:schemeClr val="accent1"/>
+          </a:lnRef>
+          <a:fillRef idx="3">
+            <a:schemeClr val="accent1"/>
+          </a:fillRef>
+          <a:effectRef idx="2">
+            <a:schemeClr val="accent1"/>
+          </a:effectRef>
+          <a:fontRef idx="minor">
+            <a:schemeClr val="lt1"/>
+          </a:fontRef>
+        </p:style>
+        <p:txBody>
+          <a:bodyPr rtlCol="0" anchor="ctr"/>
+          <a:lstStyle/>
+          <a:p>
+            <a:pPr algn="ctr"/>
+            <a:endParaRPr lang="en-GB"/>
+          </a:p>
+        </p:txBody>
+      </p:sp>
+      <p:sp>
+        <p:nvSpPr>
+          <p:cNvPr id="32" name="TextBox 31"/>
+          <p:cNvSpPr txBox="1"/>
+          <p:nvPr/>
+        </p:nvSpPr>
+        <p:spPr>
+          <a:xfrm>
+            <a:off x="2319369" y="4009234"/>
+            <a:ext cx="623459" cy="523220"/>
+          </a:xfrm>
+          <a:prstGeom prst="rect">
+            <a:avLst/>
+          </a:prstGeom>
+          <a:noFill/>
+          <a:ln w="19050">
+            <a:solidFill>
+              <a:schemeClr val="tx1"/>
+            </a:solidFill>
+          </a:ln>
+        </p:spPr>
+        <p:txBody>
+          <a:bodyPr wrap="square" rtlCol="0">
+            <a:spAutoFit/>
+          </a:bodyPr>
+          <a:lstStyle/>
+          <a:p>
+            <a:pPr algn="ctr"/>
+            <a:r>
+              <a:rPr lang="en-GB" sz="2800" dirty="0" smtClean="0"/>
+              <a:t>x</a:t>
+            </a:r>
+            <a:endParaRPr lang="en-GB" sz="2800" dirty="0"/>
+          </a:p>
+        </p:txBody>
+      </p:sp>
+      <p:sp>
+        <p:nvSpPr>
+          <p:cNvPr id="33" name="TextBox 32"/>
+          <p:cNvSpPr txBox="1"/>
+          <p:nvPr/>
+        </p:nvSpPr>
+        <p:spPr>
+          <a:xfrm>
+            <a:off x="5940866" y="4009234"/>
+            <a:ext cx="623459" cy="523220"/>
+          </a:xfrm>
+          <a:prstGeom prst="rect">
+            <a:avLst/>
+          </a:prstGeom>
+          <a:noFill/>
+          <a:ln w="19050">
+            <a:solidFill>
+              <a:schemeClr val="tx1"/>
+            </a:solidFill>
+          </a:ln>
+        </p:spPr>
+        <p:txBody>
+          <a:bodyPr wrap="square" rtlCol="0">
+            <a:spAutoFit/>
+          </a:bodyPr>
+          <a:lstStyle/>
+          <a:p>
+            <a:pPr algn="ctr"/>
+            <a:r>
+              <a:rPr lang="en-GB" sz="2800" dirty="0" smtClean="0"/>
+              <a:t>5</a:t>
+            </a:r>
+            <a:endParaRPr lang="en-GB" sz="2800" dirty="0"/>
+          </a:p>
+        </p:txBody>
+      </p:sp>
+      <p:sp>
+        <p:nvSpPr>
+          <p:cNvPr id="45" name="Rectangle 44"/>
+          <p:cNvSpPr/>
+          <p:nvPr/>
+        </p:nvSpPr>
+        <p:spPr>
+          <a:xfrm>
+            <a:off x="2072429" y="5389572"/>
+            <a:ext cx="3311236" cy="1080943"/>
+          </a:xfrm>
+          <a:prstGeom prst="rect">
+            <a:avLst/>
+          </a:prstGeom>
+          <a:noFill/>
+          <a:ln w="31750">
+            <a:solidFill>
+              <a:schemeClr val="tx1"/>
+            </a:solidFill>
+          </a:ln>
+        </p:spPr>
+        <p:style>
+          <a:lnRef idx="1">
+            <a:schemeClr val="accent1"/>
+          </a:lnRef>
+          <a:fillRef idx="3">
+            <a:schemeClr val="accent1"/>
+          </a:fillRef>
+          <a:effectRef idx="2">
+            <a:schemeClr val="accent1"/>
+          </a:effectRef>
+          <a:fontRef idx="minor">
+            <a:schemeClr val="lt1"/>
+          </a:fontRef>
+        </p:style>
+        <p:txBody>
+          <a:bodyPr rtlCol="0" anchor="ctr"/>
+          <a:lstStyle/>
+          <a:p>
+            <a:pPr algn="ctr"/>
+            <a:endParaRPr lang="en-GB"/>
+          </a:p>
+        </p:txBody>
+      </p:sp>
+      <p:sp>
+        <p:nvSpPr>
+          <p:cNvPr id="46" name="Rectangle 45"/>
+          <p:cNvSpPr/>
+          <p:nvPr/>
+        </p:nvSpPr>
+        <p:spPr>
+          <a:xfrm>
+            <a:off x="5619304" y="5373033"/>
+            <a:ext cx="3311236" cy="1080943"/>
+          </a:xfrm>
+          <a:prstGeom prst="rect">
+            <a:avLst/>
+          </a:prstGeom>
+          <a:noFill/>
+          <a:ln w="31750">
+            <a:solidFill>
+              <a:schemeClr val="tx1"/>
+            </a:solidFill>
+          </a:ln>
+        </p:spPr>
+        <p:style>
+          <a:lnRef idx="1">
+            <a:schemeClr val="accent1"/>
+          </a:lnRef>
+          <a:fillRef idx="3">
+            <a:schemeClr val="accent1"/>
+          </a:fillRef>
+          <a:effectRef idx="2">
+            <a:schemeClr val="accent1"/>
+          </a:effectRef>
+          <a:fontRef idx="minor">
+            <a:schemeClr val="lt1"/>
+          </a:fontRef>
+        </p:style>
+        <p:txBody>
+          <a:bodyPr rtlCol="0" anchor="ctr"/>
+          <a:lstStyle/>
+          <a:p>
+            <a:pPr algn="ctr"/>
+            <a:endParaRPr lang="en-GB"/>
+          </a:p>
+        </p:txBody>
+      </p:sp>
+    </p:spTree>
+  </p:cSld>
+  <p:clrMapOvr>
+    <a:masterClrMapping/>
+  </p:clrMapOvr>
+  <p:timing>
+    <p:tnLst>
+      <p:par>
+        <p:cTn id="1" dur="indefinite" restart="never" nodeType="tmRoot">
+          <p:childTnLst>
+            <p:seq concurrent="1" nextAc="seek">
+              <p:cTn id="2" dur="indefinite" nodeType="mainSeq">
+                <p:childTnLst>
+                  <p:par>
+                    <p:cTn id="3" fill="hold">
+                      <p:stCondLst>
+                        <p:cond delay="indefinite"/>
+                      </p:stCondLst>
+                      <p:childTnLst>
+                        <p:par>
+                          <p:cTn id="4" fill="hold">
+                            <p:stCondLst>
+                              <p:cond delay="0"/>
+                            </p:stCondLst>
+                            <p:childTnLst>
+                              <p:par>
+                                <p:cTn id="5" presetID="1" presetClass="entr" presetSubtype="0" fill="hold" grpId="0" nodeType="clickEffect">
+                                  <p:stCondLst>
+                                    <p:cond delay="0"/>
+                                  </p:stCondLst>
+                                  <p:childTnLst>
+                                    <p:set>
+                                      <p:cBhvr>
+                                        <p:cTn id="6" dur="1" fill="hold">
+                                          <p:stCondLst>
+                                            <p:cond delay="0"/>
+                                          </p:stCondLst>
+                                        </p:cTn>
+                                        <p:tgtEl>
+                                          <p:spTgt spid="30"/>
+                                        </p:tgtEl>
+                                        <p:attrNameLst>
+                                          <p:attrName>style.visibility</p:attrName>
+                                        </p:attrNameLst>
+                                      </p:cBhvr>
+                                      <p:to>
+                                        <p:strVal val="visible"/>
+                                      </p:to>
+                                    </p:set>
+                                  </p:childTnLst>
+                                </p:cTn>
+                              </p:par>
+                              <p:par>
+                                <p:cTn id="7" presetID="1" presetClass="entr" presetSubtype="0" fill="hold" grpId="0" nodeType="withEffect">
+                                  <p:stCondLst>
+                                    <p:cond delay="0"/>
+                                  </p:stCondLst>
+                                  <p:childTnLst>
+                                    <p:set>
+                                      <p:cBhvr>
+                                        <p:cTn id="8" dur="1" fill="hold">
+                                          <p:stCondLst>
+                                            <p:cond delay="0"/>
+                                          </p:stCondLst>
+                                        </p:cTn>
+                                        <p:tgtEl>
+                                          <p:spTgt spid="31"/>
+                                        </p:tgtEl>
+                                        <p:attrNameLst>
+                                          <p:attrName>style.visibility</p:attrName>
+                                        </p:attrNameLst>
+                                      </p:cBhvr>
+                                      <p:to>
+                                        <p:strVal val="visible"/>
+                                      </p:to>
+                                    </p:set>
+                                  </p:childTnLst>
+                                </p:cTn>
+                              </p:par>
+                              <p:par>
+                                <p:cTn id="9" presetID="1" presetClass="entr" presetSubtype="0" fill="hold" grpId="0" nodeType="withEffect">
+                                  <p:stCondLst>
+                                    <p:cond delay="0"/>
+                                  </p:stCondLst>
+                                  <p:childTnLst>
+                                    <p:set>
+                                      <p:cBhvr>
+                                        <p:cTn id="10" dur="1" fill="hold">
+                                          <p:stCondLst>
+                                            <p:cond delay="0"/>
+                                          </p:stCondLst>
+                                        </p:cTn>
+                                        <p:tgtEl>
+                                          <p:spTgt spid="32"/>
+                                        </p:tgtEl>
+                                        <p:attrNameLst>
+                                          <p:attrName>style.visibility</p:attrName>
+                                        </p:attrNameLst>
+                                      </p:cBhvr>
+                                      <p:to>
+                                        <p:strVal val="visible"/>
+                                      </p:to>
+                                    </p:set>
+                                  </p:childTnLst>
+                                </p:cTn>
+                              </p:par>
+                              <p:par>
+                                <p:cTn id="11" presetID="1" presetClass="entr" presetSubtype="0" fill="hold" grpId="0" nodeType="withEffect">
+                                  <p:stCondLst>
+                                    <p:cond delay="0"/>
+                                  </p:stCondLst>
+                                  <p:childTnLst>
+                                    <p:set>
+                                      <p:cBhvr>
+                                        <p:cTn id="12" dur="1" fill="hold">
+                                          <p:stCondLst>
+                                            <p:cond delay="0"/>
+                                          </p:stCondLst>
+                                        </p:cTn>
+                                        <p:tgtEl>
+                                          <p:spTgt spid="33"/>
+                                        </p:tgtEl>
+                                        <p:attrNameLst>
+                                          <p:attrName>style.visibility</p:attrName>
+                                        </p:attrNameLst>
+                                      </p:cBhvr>
+                                      <p:to>
+                                        <p:strVal val="visible"/>
+                                      </p:to>
+                                    </p:set>
+                                  </p:childTnLst>
+                                </p:cTn>
+                              </p:par>
+                              <p:par>
+                                <p:cTn id="13" presetID="1" presetClass="entr" presetSubtype="0" fill="hold" grpId="0" nodeType="withEffect">
+                                  <p:stCondLst>
+                                    <p:cond delay="0"/>
+                                  </p:stCondLst>
+                                  <p:childTnLst>
+                                    <p:set>
+                                      <p:cBhvr>
+                                        <p:cTn id="14" dur="1" fill="hold">
+                                          <p:stCondLst>
+                                            <p:cond delay="0"/>
+                                          </p:stCondLst>
+                                        </p:cTn>
+                                        <p:tgtEl>
+                                          <p:spTgt spid="22"/>
+                                        </p:tgtEl>
+                                        <p:attrNameLst>
+                                          <p:attrName>style.visibility</p:attrName>
+                                        </p:attrNameLst>
+                                      </p:cBhvr>
+                                      <p:to>
+                                        <p:strVal val="visible"/>
+                                      </p:to>
+                                    </p:set>
+                                  </p:childTnLst>
+                                </p:cTn>
+                              </p:par>
+                            </p:childTnLst>
+                          </p:cTn>
+                        </p:par>
+                      </p:childTnLst>
+                    </p:cTn>
+                  </p:par>
+                  <p:par>
+                    <p:cTn id="15" fill="hold">
+                      <p:stCondLst>
+                        <p:cond delay="indefinite"/>
+                      </p:stCondLst>
+                      <p:childTnLst>
+                        <p:par>
+                          <p:cTn id="16" fill="hold">
+                            <p:stCondLst>
+                              <p:cond delay="0"/>
+                            </p:stCondLst>
+                            <p:childTnLst>
+                              <p:par>
+                                <p:cTn id="17" presetID="1" presetClass="entr" presetSubtype="0" fill="hold" grpId="0" nodeType="clickEffect">
+                                  <p:stCondLst>
+                                    <p:cond delay="0"/>
+                                  </p:stCondLst>
+                                  <p:childTnLst>
+                                    <p:set>
+                                      <p:cBhvr>
+                                        <p:cTn id="18" dur="1" fill="hold">
+                                          <p:stCondLst>
+                                            <p:cond delay="0"/>
+                                          </p:stCondLst>
+                                        </p:cTn>
+                                        <p:tgtEl>
+                                          <p:spTgt spid="23"/>
+                                        </p:tgtEl>
+                                        <p:attrNameLst>
+                                          <p:attrName>style.visibility</p:attrName>
+                                        </p:attrNameLst>
+                                      </p:cBhvr>
+                                      <p:to>
+                                        <p:strVal val="visible"/>
+                                      </p:to>
+                                    </p:set>
+                                  </p:childTnLst>
+                                </p:cTn>
+                              </p:par>
+                              <p:par>
+                                <p:cTn id="19" presetID="1" presetClass="entr" presetSubtype="0" fill="hold" grpId="0" nodeType="withEffect">
+                                  <p:stCondLst>
+                                    <p:cond delay="0"/>
+                                  </p:stCondLst>
+                                  <p:childTnLst>
+                                    <p:set>
+                                      <p:cBhvr>
+                                        <p:cTn id="20" dur="1" fill="hold">
+                                          <p:stCondLst>
+                                            <p:cond delay="0"/>
+                                          </p:stCondLst>
+                                        </p:cTn>
+                                        <p:tgtEl>
+                                          <p:spTgt spid="45"/>
+                                        </p:tgtEl>
+                                        <p:attrNameLst>
+                                          <p:attrName>style.visibility</p:attrName>
+                                        </p:attrNameLst>
+                                      </p:cBhvr>
+                                      <p:to>
+                                        <p:strVal val="visible"/>
+                                      </p:to>
+                                    </p:set>
+                                  </p:childTnLst>
+                                </p:cTn>
+                              </p:par>
+                              <p:par>
+                                <p:cTn id="21" presetID="1" presetClass="entr" presetSubtype="0" fill="hold" grpId="0" nodeType="withEffect">
+                                  <p:stCondLst>
+                                    <p:cond delay="0"/>
+                                  </p:stCondLst>
+                                  <p:childTnLst>
+                                    <p:set>
+                                      <p:cBhvr>
+                                        <p:cTn id="22" dur="1" fill="hold">
+                                          <p:stCondLst>
+                                            <p:cond delay="0"/>
+                                          </p:stCondLst>
+                                        </p:cTn>
+                                        <p:tgtEl>
+                                          <p:spTgt spid="46"/>
+                                        </p:tgtEl>
+                                        <p:attrNameLst>
+                                          <p:attrName>style.visibility</p:attrName>
+                                        </p:attrNameLst>
+                                      </p:cBhvr>
+                                      <p:to>
+                                        <p:strVal val="visible"/>
+                                      </p:to>
+                                    </p:set>
+                                  </p:childTnLst>
+                                </p:cTn>
+                              </p:par>
+                            </p:childTnLst>
+                          </p:cTn>
+                        </p:par>
+                      </p:childTnLst>
+                    </p:cTn>
+                  </p:par>
+                </p:childTnLst>
+              </p:cTn>
+              <p:prevCondLst>
+                <p:cond evt="onPrev" delay="0">
+                  <p:tgtEl>
+                    <p:sldTgt/>
+                  </p:tgtEl>
+                </p:cond>
+              </p:prevCondLst>
+              <p:nextCondLst>
+                <p:cond evt="onNext" delay="0">
+                  <p:tgtEl>
+                    <p:sldTgt/>
+                  </p:tgtEl>
+                </p:cond>
+              </p:nextCondLst>
+            </p:seq>
+          </p:childTnLst>
+        </p:cTn>
+      </p:par>
+    </p:tnLst>
+    <p:bldLst>
+      <p:bldP spid="23" grpId="0"/>
+      <p:bldP spid="22" grpId="0"/>
+      <p:bldP spid="30" grpId="0" animBg="1"/>
+      <p:bldP spid="31" grpId="0" animBg="1"/>
+      <p:bldP spid="32" grpId="0" animBg="1"/>
+      <p:bldP spid="33" grpId="0" animBg="1"/>
+      <p:bldP spid="45" grpId="0" animBg="1"/>
+      <p:bldP spid="46" grpId="0" animBg="1"/>
+    </p:bldLst>
   </p:timing>
 </p:sld>
 </file>
@@ -3928,4 +8646,287 @@
   </a:objectDefaults>
   <a:extraClrSchemeLst/>
 </a:theme>
+</file>
+
+<file path=ppt/theme/theme2.xml><?xml version="1.0" encoding="utf-8"?>
+<a:theme xmlns:a="http://schemas.openxmlformats.org/drawingml/2006/main" name="Office Theme">
+  <a:themeElements>
+    <a:clrScheme name="Office">
+      <a:dk1>
+        <a:sysClr val="windowText" lastClr="000000"/>
+      </a:dk1>
+      <a:lt1>
+        <a:sysClr val="window" lastClr="FFFFFF"/>
+      </a:lt1>
+      <a:dk2>
+        <a:srgbClr val="1F497D"/>
+      </a:dk2>
+      <a:lt2>
+        <a:srgbClr val="EEECE1"/>
+      </a:lt2>
+      <a:accent1>
+        <a:srgbClr val="4F81BD"/>
+      </a:accent1>
+      <a:accent2>
+        <a:srgbClr val="C0504D"/>
+      </a:accent2>
+      <a:accent3>
+        <a:srgbClr val="9BBB59"/>
+      </a:accent3>
+      <a:accent4>
+        <a:srgbClr val="8064A2"/>
+      </a:accent4>
+      <a:accent5>
+        <a:srgbClr val="4BACC6"/>
+      </a:accent5>
+      <a:accent6>
+        <a:srgbClr val="F79646"/>
+      </a:accent6>
+      <a:hlink>
+        <a:srgbClr val="0000FF"/>
+      </a:hlink>
+      <a:folHlink>
+        <a:srgbClr val="800080"/>
+      </a:folHlink>
+    </a:clrScheme>
+    <a:fontScheme name="Office">
+      <a:majorFont>
+        <a:latin typeface="Calibri"/>
+        <a:ea typeface=""/>
+        <a:cs typeface=""/>
+        <a:font script="Jpan" typeface="ＭＳ Ｐゴシック"/>
+        <a:font script="Hang" typeface="맑은 고딕"/>
+        <a:font script="Hans" typeface="宋体"/>
+        <a:font script="Hant" typeface="新細明體"/>
+        <a:font script="Arab" typeface="Times New Roman"/>
+        <a:font script="Hebr" typeface="Times New Roman"/>
+        <a:font script="Thai" typeface="Angsana New"/>
+        <a:font script="Ethi" typeface="Nyala"/>
+        <a:font script="Beng" typeface="Vrinda"/>
+        <a:font script="Gujr" typeface="Shruti"/>
+        <a:font script="Khmr" typeface="MoolBoran"/>
+        <a:font script="Knda" typeface="Tunga"/>
+        <a:font script="Guru" typeface="Raavi"/>
+        <a:font script="Cans" typeface="Euphemia"/>
+        <a:font script="Cher" typeface="Plantagenet Cherokee"/>
+        <a:font script="Yiii" typeface="Microsoft Yi Baiti"/>
+        <a:font script="Tibt" typeface="Microsoft Himalaya"/>
+        <a:font script="Thaa" typeface="MV Boli"/>
+        <a:font script="Deva" typeface="Mangal"/>
+        <a:font script="Telu" typeface="Gautami"/>
+        <a:font script="Taml" typeface="Latha"/>
+        <a:font script="Syrc" typeface="Estrangelo Edessa"/>
+        <a:font script="Orya" typeface="Kalinga"/>
+        <a:font script="Mlym" typeface="Kartika"/>
+        <a:font script="Laoo" typeface="DokChampa"/>
+        <a:font script="Sinh" typeface="Iskoola Pota"/>
+        <a:font script="Mong" typeface="Mongolian Baiti"/>
+        <a:font script="Viet" typeface="Times New Roman"/>
+        <a:font script="Uigh" typeface="Microsoft Uighur"/>
+      </a:majorFont>
+      <a:minorFont>
+        <a:latin typeface="Calibri"/>
+        <a:ea typeface=""/>
+        <a:cs typeface=""/>
+        <a:font script="Jpan" typeface="ＭＳ Ｐゴシック"/>
+        <a:font script="Hang" typeface="맑은 고딕"/>
+        <a:font script="Hans" typeface="宋体"/>
+        <a:font script="Hant" typeface="新細明體"/>
+        <a:font script="Arab" typeface="Arial"/>
+        <a:font script="Hebr" typeface="Arial"/>
+        <a:font script="Thai" typeface="Cordia New"/>
+        <a:font script="Ethi" typeface="Nyala"/>
+        <a:font script="Beng" typeface="Vrinda"/>
+        <a:font script="Gujr" typeface="Shruti"/>
+        <a:font script="Khmr" typeface="DaunPenh"/>
+        <a:font script="Knda" typeface="Tunga"/>
+        <a:font script="Guru" typeface="Raavi"/>
+        <a:font script="Cans" typeface="Euphemia"/>
+        <a:font script="Cher" typeface="Plantagenet Cherokee"/>
+        <a:font script="Yiii" typeface="Microsoft Yi Baiti"/>
+        <a:font script="Tibt" typeface="Microsoft Himalaya"/>
+        <a:font script="Thaa" typeface="MV Boli"/>
+        <a:font script="Deva" typeface="Mangal"/>
+        <a:font script="Telu" typeface="Gautami"/>
+        <a:font script="Taml" typeface="Latha"/>
+        <a:font script="Syrc" typeface="Estrangelo Edessa"/>
+        <a:font script="Orya" typeface="Kalinga"/>
+        <a:font script="Mlym" typeface="Kartika"/>
+        <a:font script="Laoo" typeface="DokChampa"/>
+        <a:font script="Sinh" typeface="Iskoola Pota"/>
+        <a:font script="Mong" typeface="Mongolian Baiti"/>
+        <a:font script="Viet" typeface="Arial"/>
+        <a:font script="Uigh" typeface="Microsoft Uighur"/>
+      </a:minorFont>
+    </a:fontScheme>
+    <a:fmtScheme name="Office">
+      <a:fillStyleLst>
+        <a:solidFill>
+          <a:schemeClr val="phClr"/>
+        </a:solidFill>
+        <a:gradFill rotWithShape="1">
+          <a:gsLst>
+            <a:gs pos="0">
+              <a:schemeClr val="phClr">
+                <a:tint val="50000"/>
+                <a:satMod val="300000"/>
+              </a:schemeClr>
+            </a:gs>
+            <a:gs pos="35000">
+              <a:schemeClr val="phClr">
+                <a:tint val="37000"/>
+                <a:satMod val="300000"/>
+              </a:schemeClr>
+            </a:gs>
+            <a:gs pos="100000">
+              <a:schemeClr val="phClr">
+                <a:tint val="15000"/>
+                <a:satMod val="350000"/>
+              </a:schemeClr>
+            </a:gs>
+          </a:gsLst>
+          <a:lin ang="16200000" scaled="1"/>
+        </a:gradFill>
+        <a:gradFill rotWithShape="1">
+          <a:gsLst>
+            <a:gs pos="0">
+              <a:schemeClr val="phClr">
+                <a:shade val="51000"/>
+                <a:satMod val="130000"/>
+              </a:schemeClr>
+            </a:gs>
+            <a:gs pos="80000">
+              <a:schemeClr val="phClr">
+                <a:shade val="93000"/>
+                <a:satMod val="130000"/>
+              </a:schemeClr>
+            </a:gs>
+            <a:gs pos="100000">
+              <a:schemeClr val="phClr">
+                <a:shade val="94000"/>
+                <a:satMod val="135000"/>
+              </a:schemeClr>
+            </a:gs>
+          </a:gsLst>
+          <a:lin ang="16200000" scaled="0"/>
+        </a:gradFill>
+      </a:fillStyleLst>
+      <a:lnStyleLst>
+        <a:ln w="9525" cap="flat" cmpd="sng" algn="ctr">
+          <a:solidFill>
+            <a:schemeClr val="phClr">
+              <a:shade val="95000"/>
+              <a:satMod val="105000"/>
+            </a:schemeClr>
+          </a:solidFill>
+          <a:prstDash val="solid"/>
+        </a:ln>
+        <a:ln w="25400" cap="flat" cmpd="sng" algn="ctr">
+          <a:solidFill>
+            <a:schemeClr val="phClr"/>
+          </a:solidFill>
+          <a:prstDash val="solid"/>
+        </a:ln>
+        <a:ln w="38100" cap="flat" cmpd="sng" algn="ctr">
+          <a:solidFill>
+            <a:schemeClr val="phClr"/>
+          </a:solidFill>
+          <a:prstDash val="solid"/>
+        </a:ln>
+      </a:lnStyleLst>
+      <a:effectStyleLst>
+        <a:effectStyle>
+          <a:effectLst>
+            <a:outerShdw blurRad="40000" dist="20000" dir="5400000" rotWithShape="0">
+              <a:srgbClr val="000000">
+                <a:alpha val="38000"/>
+              </a:srgbClr>
+            </a:outerShdw>
+          </a:effectLst>
+        </a:effectStyle>
+        <a:effectStyle>
+          <a:effectLst>
+            <a:outerShdw blurRad="40000" dist="23000" dir="5400000" rotWithShape="0">
+              <a:srgbClr val="000000">
+                <a:alpha val="35000"/>
+              </a:srgbClr>
+            </a:outerShdw>
+          </a:effectLst>
+        </a:effectStyle>
+        <a:effectStyle>
+          <a:effectLst>
+            <a:outerShdw blurRad="40000" dist="23000" dir="5400000" rotWithShape="0">
+              <a:srgbClr val="000000">
+                <a:alpha val="35000"/>
+              </a:srgbClr>
+            </a:outerShdw>
+          </a:effectLst>
+          <a:scene3d>
+            <a:camera prst="orthographicFront">
+              <a:rot lat="0" lon="0" rev="0"/>
+            </a:camera>
+            <a:lightRig rig="threePt" dir="t">
+              <a:rot lat="0" lon="0" rev="1200000"/>
+            </a:lightRig>
+          </a:scene3d>
+          <a:sp3d>
+            <a:bevelT w="63500" h="25400"/>
+          </a:sp3d>
+        </a:effectStyle>
+      </a:effectStyleLst>
+      <a:bgFillStyleLst>
+        <a:solidFill>
+          <a:schemeClr val="phClr"/>
+        </a:solidFill>
+        <a:gradFill rotWithShape="1">
+          <a:gsLst>
+            <a:gs pos="0">
+              <a:schemeClr val="phClr">
+                <a:tint val="40000"/>
+                <a:satMod val="350000"/>
+              </a:schemeClr>
+            </a:gs>
+            <a:gs pos="40000">
+              <a:schemeClr val="phClr">
+                <a:tint val="45000"/>
+                <a:shade val="99000"/>
+                <a:satMod val="350000"/>
+              </a:schemeClr>
+            </a:gs>
+            <a:gs pos="100000">
+              <a:schemeClr val="phClr">
+                <a:shade val="20000"/>
+                <a:satMod val="255000"/>
+              </a:schemeClr>
+            </a:gs>
+          </a:gsLst>
+          <a:path path="circle">
+            <a:fillToRect l="50000" t="-80000" r="50000" b="180000"/>
+          </a:path>
+        </a:gradFill>
+        <a:gradFill rotWithShape="1">
+          <a:gsLst>
+            <a:gs pos="0">
+              <a:schemeClr val="phClr">
+                <a:tint val="80000"/>
+                <a:satMod val="300000"/>
+              </a:schemeClr>
+            </a:gs>
+            <a:gs pos="100000">
+              <a:schemeClr val="phClr">
+                <a:shade val="30000"/>
+                <a:satMod val="200000"/>
+              </a:schemeClr>
+            </a:gs>
+          </a:gsLst>
+          <a:path path="circle">
+            <a:fillToRect l="50000" t="50000" r="50000" b="50000"/>
+          </a:path>
+        </a:gradFill>
+      </a:bgFillStyleLst>
+    </a:fmtScheme>
+  </a:themeElements>
+  <a:objectDefaults/>
+  <a:extraClrSchemeLst/>
+</a:theme>
 </file>
--- a/course_intro.pptx
+++ b/course_intro.pptx
@@ -5,7 +5,7 @@
     <p:sldMasterId id="2147483648" r:id="rId1"/>
   </p:sldMasterIdLst>
   <p:notesMasterIdLst>
-    <p:notesMasterId r:id="rId9"/>
+    <p:notesMasterId r:id="rId10"/>
   </p:notesMasterIdLst>
   <p:sldIdLst>
     <p:sldId id="256" r:id="rId2"/>
@@ -15,6 +15,7 @@
     <p:sldId id="260" r:id="rId6"/>
     <p:sldId id="261" r:id="rId7"/>
     <p:sldId id="262" r:id="rId8"/>
+    <p:sldId id="263" r:id="rId9"/>
   </p:sldIdLst>
   <p:sldSz cx="9144000" cy="6858000" type="screen4x3"/>
   <p:notesSz cx="6858000" cy="9144000"/>
@@ -198,7 +199,7 @@
           <a:p>
             <a:fld id="{4904B9C1-6A3D-4C13-A01D-A515624776C7}" type="datetimeFigureOut">
               <a:rPr lang="en-GB" smtClean="0"/>
-              <a:t>13/08/2013</a:t>
+              <a:t>11/09/2013</a:t>
             </a:fld>
             <a:endParaRPr lang="en-GB"/>
           </a:p>
@@ -366,6 +367,11 @@
         </p:txBody>
       </p:sp>
     </p:spTree>
+    <p:extLst>
+      <p:ext uri="{BB962C8B-B14F-4D97-AF65-F5344CB8AC3E}">
+        <p14:creationId xmlns:p14="http://schemas.microsoft.com/office/powerpoint/2010/main" val="356093076"/>
+      </p:ext>
+    </p:extLst>
   </p:cSld>
   <p:clrMap bg1="lt1" tx1="dk1" bg2="lt2" tx2="dk2" accent1="accent1" accent2="accent2" accent3="accent3" accent4="accent4" accent5="accent5" accent6="accent6" hlink="hlink" folHlink="folHlink"/>
   <p:notesStyle>
@@ -1212,7 +1218,7 @@
             <a:fld id="{68EFDCB5-6D71-EB44-9F0A-D3622F5F58F7}" type="datetimeFigureOut">
               <a:rPr lang="en-US" smtClean="0"/>
               <a:pPr/>
-              <a:t>8/13/2013</a:t>
+              <a:t>11/09/2013</a:t>
             </a:fld>
             <a:endParaRPr lang="en-US"/>
           </a:p>
@@ -1264,7 +1270,7 @@
     </p:spTree>
     <p:extLst>
       <p:ext uri="{BB962C8B-B14F-4D97-AF65-F5344CB8AC3E}">
-        <p14:creationId xmlns:p14="http://schemas.microsoft.com/office/powerpoint/2010/main" xmlns="" val="1824502421"/>
+        <p14:creationId xmlns:p14="http://schemas.microsoft.com/office/powerpoint/2010/main" val="1824502421"/>
       </p:ext>
     </p:extLst>
   </p:cSld>
@@ -1384,7 +1390,7 @@
             <a:fld id="{68EFDCB5-6D71-EB44-9F0A-D3622F5F58F7}" type="datetimeFigureOut">
               <a:rPr lang="en-US" smtClean="0"/>
               <a:pPr/>
-              <a:t>8/13/2013</a:t>
+              <a:t>11/09/2013</a:t>
             </a:fld>
             <a:endParaRPr lang="en-US"/>
           </a:p>
@@ -1436,7 +1442,7 @@
     </p:spTree>
     <p:extLst>
       <p:ext uri="{BB962C8B-B14F-4D97-AF65-F5344CB8AC3E}">
-        <p14:creationId xmlns:p14="http://schemas.microsoft.com/office/powerpoint/2010/main" xmlns="" val="3640608444"/>
+        <p14:creationId xmlns:p14="http://schemas.microsoft.com/office/powerpoint/2010/main" val="3640608444"/>
       </p:ext>
     </p:extLst>
   </p:cSld>
@@ -1566,7 +1572,7 @@
             <a:fld id="{68EFDCB5-6D71-EB44-9F0A-D3622F5F58F7}" type="datetimeFigureOut">
               <a:rPr lang="en-US" smtClean="0"/>
               <a:pPr/>
-              <a:t>8/13/2013</a:t>
+              <a:t>11/09/2013</a:t>
             </a:fld>
             <a:endParaRPr lang="en-US"/>
           </a:p>
@@ -1618,7 +1624,7 @@
     </p:spTree>
     <p:extLst>
       <p:ext uri="{BB962C8B-B14F-4D97-AF65-F5344CB8AC3E}">
-        <p14:creationId xmlns:p14="http://schemas.microsoft.com/office/powerpoint/2010/main" xmlns="" val="3071332235"/>
+        <p14:creationId xmlns:p14="http://schemas.microsoft.com/office/powerpoint/2010/main" val="3071332235"/>
       </p:ext>
     </p:extLst>
   </p:cSld>
@@ -1738,7 +1744,7 @@
             <a:fld id="{68EFDCB5-6D71-EB44-9F0A-D3622F5F58F7}" type="datetimeFigureOut">
               <a:rPr lang="en-US" smtClean="0"/>
               <a:pPr/>
-              <a:t>8/13/2013</a:t>
+              <a:t>11/09/2013</a:t>
             </a:fld>
             <a:endParaRPr lang="en-US"/>
           </a:p>
@@ -1790,7 +1796,7 @@
     </p:spTree>
     <p:extLst>
       <p:ext uri="{BB962C8B-B14F-4D97-AF65-F5344CB8AC3E}">
-        <p14:creationId xmlns:p14="http://schemas.microsoft.com/office/powerpoint/2010/main" xmlns="" val="2471939814"/>
+        <p14:creationId xmlns:p14="http://schemas.microsoft.com/office/powerpoint/2010/main" val="2471939814"/>
       </p:ext>
     </p:extLst>
   </p:cSld>
@@ -1986,7 +1992,7 @@
             <a:fld id="{68EFDCB5-6D71-EB44-9F0A-D3622F5F58F7}" type="datetimeFigureOut">
               <a:rPr lang="en-US" smtClean="0"/>
               <a:pPr/>
-              <a:t>8/13/2013</a:t>
+              <a:t>11/09/2013</a:t>
             </a:fld>
             <a:endParaRPr lang="en-US"/>
           </a:p>
@@ -2038,7 +2044,7 @@
     </p:spTree>
     <p:extLst>
       <p:ext uri="{BB962C8B-B14F-4D97-AF65-F5344CB8AC3E}">
-        <p14:creationId xmlns:p14="http://schemas.microsoft.com/office/powerpoint/2010/main" xmlns="" val="1787784368"/>
+        <p14:creationId xmlns:p14="http://schemas.microsoft.com/office/powerpoint/2010/main" val="1787784368"/>
       </p:ext>
     </p:extLst>
   </p:cSld>
@@ -2276,7 +2282,7 @@
             <a:fld id="{68EFDCB5-6D71-EB44-9F0A-D3622F5F58F7}" type="datetimeFigureOut">
               <a:rPr lang="en-US" smtClean="0"/>
               <a:pPr/>
-              <a:t>8/13/2013</a:t>
+              <a:t>11/09/2013</a:t>
             </a:fld>
             <a:endParaRPr lang="en-US"/>
           </a:p>
@@ -2328,7 +2334,7 @@
     </p:spTree>
     <p:extLst>
       <p:ext uri="{BB962C8B-B14F-4D97-AF65-F5344CB8AC3E}">
-        <p14:creationId xmlns:p14="http://schemas.microsoft.com/office/powerpoint/2010/main" xmlns="" val="770563960"/>
+        <p14:creationId xmlns:p14="http://schemas.microsoft.com/office/powerpoint/2010/main" val="770563960"/>
       </p:ext>
     </p:extLst>
   </p:cSld>
@@ -2700,7 +2706,7 @@
             <a:fld id="{68EFDCB5-6D71-EB44-9F0A-D3622F5F58F7}" type="datetimeFigureOut">
               <a:rPr lang="en-US" smtClean="0"/>
               <a:pPr/>
-              <a:t>8/13/2013</a:t>
+              <a:t>11/09/2013</a:t>
             </a:fld>
             <a:endParaRPr lang="en-US"/>
           </a:p>
@@ -2752,7 +2758,7 @@
     </p:spTree>
     <p:extLst>
       <p:ext uri="{BB962C8B-B14F-4D97-AF65-F5344CB8AC3E}">
-        <p14:creationId xmlns:p14="http://schemas.microsoft.com/office/powerpoint/2010/main" xmlns="" val="1816054316"/>
+        <p14:creationId xmlns:p14="http://schemas.microsoft.com/office/powerpoint/2010/main" val="1816054316"/>
       </p:ext>
     </p:extLst>
   </p:cSld>
@@ -2820,7 +2826,7 @@
             <a:fld id="{68EFDCB5-6D71-EB44-9F0A-D3622F5F58F7}" type="datetimeFigureOut">
               <a:rPr lang="en-US" smtClean="0"/>
               <a:pPr/>
-              <a:t>8/13/2013</a:t>
+              <a:t>11/09/2013</a:t>
             </a:fld>
             <a:endParaRPr lang="en-US"/>
           </a:p>
@@ -2872,7 +2878,7 @@
     </p:spTree>
     <p:extLst>
       <p:ext uri="{BB962C8B-B14F-4D97-AF65-F5344CB8AC3E}">
-        <p14:creationId xmlns:p14="http://schemas.microsoft.com/office/powerpoint/2010/main" xmlns="" val="462231512"/>
+        <p14:creationId xmlns:p14="http://schemas.microsoft.com/office/powerpoint/2010/main" val="462231512"/>
       </p:ext>
     </p:extLst>
   </p:cSld>
@@ -2917,7 +2923,7 @@
             <a:fld id="{68EFDCB5-6D71-EB44-9F0A-D3622F5F58F7}" type="datetimeFigureOut">
               <a:rPr lang="en-US" smtClean="0"/>
               <a:pPr/>
-              <a:t>8/13/2013</a:t>
+              <a:t>11/09/2013</a:t>
             </a:fld>
             <a:endParaRPr lang="en-US"/>
           </a:p>
@@ -2969,7 +2975,7 @@
     </p:spTree>
     <p:extLst>
       <p:ext uri="{BB962C8B-B14F-4D97-AF65-F5344CB8AC3E}">
-        <p14:creationId xmlns:p14="http://schemas.microsoft.com/office/powerpoint/2010/main" xmlns="" val="3456454501"/>
+        <p14:creationId xmlns:p14="http://schemas.microsoft.com/office/powerpoint/2010/main" val="3456454501"/>
       </p:ext>
     </p:extLst>
   </p:cSld>
@@ -3196,7 +3202,7 @@
             <a:fld id="{68EFDCB5-6D71-EB44-9F0A-D3622F5F58F7}" type="datetimeFigureOut">
               <a:rPr lang="en-US" smtClean="0"/>
               <a:pPr/>
-              <a:t>8/13/2013</a:t>
+              <a:t>11/09/2013</a:t>
             </a:fld>
             <a:endParaRPr lang="en-US"/>
           </a:p>
@@ -3248,7 +3254,7 @@
     </p:spTree>
     <p:extLst>
       <p:ext uri="{BB962C8B-B14F-4D97-AF65-F5344CB8AC3E}">
-        <p14:creationId xmlns:p14="http://schemas.microsoft.com/office/powerpoint/2010/main" xmlns="" val="1394508752"/>
+        <p14:creationId xmlns:p14="http://schemas.microsoft.com/office/powerpoint/2010/main" val="1394508752"/>
       </p:ext>
     </p:extLst>
   </p:cSld>
@@ -3451,7 +3457,7 @@
             <a:fld id="{68EFDCB5-6D71-EB44-9F0A-D3622F5F58F7}" type="datetimeFigureOut">
               <a:rPr lang="en-US" smtClean="0"/>
               <a:pPr/>
-              <a:t>8/13/2013</a:t>
+              <a:t>11/09/2013</a:t>
             </a:fld>
             <a:endParaRPr lang="en-US"/>
           </a:p>
@@ -3503,7 +3509,7 @@
     </p:spTree>
     <p:extLst>
       <p:ext uri="{BB962C8B-B14F-4D97-AF65-F5344CB8AC3E}">
-        <p14:creationId xmlns:p14="http://schemas.microsoft.com/office/powerpoint/2010/main" xmlns="" val="682945760"/>
+        <p14:creationId xmlns:p14="http://schemas.microsoft.com/office/powerpoint/2010/main" val="682945760"/>
       </p:ext>
     </p:extLst>
   </p:cSld>
@@ -3666,7 +3672,7 @@
             <a:fld id="{68EFDCB5-6D71-EB44-9F0A-D3622F5F58F7}" type="datetimeFigureOut">
               <a:rPr lang="en-US" smtClean="0"/>
               <a:pPr/>
-              <a:t>8/13/2013</a:t>
+              <a:t>11/09/2013</a:t>
             </a:fld>
             <a:endParaRPr lang="en-US"/>
           </a:p>
@@ -3754,7 +3760,7 @@
     </p:spTree>
     <p:extLst>
       <p:ext uri="{BB962C8B-B14F-4D97-AF65-F5344CB8AC3E}">
-        <p14:creationId xmlns:p14="http://schemas.microsoft.com/office/powerpoint/2010/main" xmlns="" val="637499351"/>
+        <p14:creationId xmlns:p14="http://schemas.microsoft.com/office/powerpoint/2010/main" val="637499351"/>
       </p:ext>
     </p:extLst>
   </p:cSld>
@@ -4120,7 +4126,7 @@
     </p:spTree>
     <p:extLst>
       <p:ext uri="{BB962C8B-B14F-4D97-AF65-F5344CB8AC3E}">
-        <p14:creationId xmlns:p14="http://schemas.microsoft.com/office/powerpoint/2010/main" xmlns="" val="2309513282"/>
+        <p14:creationId xmlns:p14="http://schemas.microsoft.com/office/powerpoint/2010/main" val="2309513282"/>
       </p:ext>
     </p:extLst>
   </p:cSld>
@@ -4130,7 +4136,7 @@
   <p:timing>
     <p:tnLst>
       <p:par>
-        <p:cTn id="1" dur="indefinite" restart="never" nodeType="tmRoot"/>
+        <p:cTn xmlns:p14="http://schemas.microsoft.com/office/powerpoint/2010/main" id="1" dur="indefinite" restart="never" nodeType="tmRoot"/>
       </p:par>
     </p:tnLst>
   </p:timing>
@@ -4243,7 +4249,7 @@
     </p:spTree>
     <p:extLst>
       <p:ext uri="{BB962C8B-B14F-4D97-AF65-F5344CB8AC3E}">
-        <p14:creationId xmlns:p14="http://schemas.microsoft.com/office/powerpoint/2010/main" xmlns="" val="1586397150"/>
+        <p14:creationId xmlns:p14="http://schemas.microsoft.com/office/powerpoint/2010/main" val="1586397150"/>
       </p:ext>
     </p:extLst>
   </p:cSld>
@@ -4253,7 +4259,7 @@
   <p:timing>
     <p:tnLst>
       <p:par>
-        <p:cTn id="1" dur="indefinite" restart="never" nodeType="tmRoot"/>
+        <p:cTn xmlns:p14="http://schemas.microsoft.com/office/powerpoint/2010/main" id="1" dur="indefinite" restart="never" nodeType="tmRoot"/>
       </p:par>
     </p:tnLst>
   </p:timing>
@@ -4396,7 +4402,7 @@
     </p:spTree>
     <p:extLst>
       <p:ext uri="{BB962C8B-B14F-4D97-AF65-F5344CB8AC3E}">
-        <p14:creationId xmlns:p14="http://schemas.microsoft.com/office/powerpoint/2010/main" xmlns="" val="1462945205"/>
+        <p14:creationId xmlns:p14="http://schemas.microsoft.com/office/powerpoint/2010/main" val="1462945205"/>
       </p:ext>
     </p:extLst>
   </p:cSld>
@@ -4406,7 +4412,7 @@
   <p:timing>
     <p:tnLst>
       <p:par>
-        <p:cTn id="1" dur="indefinite" restart="never" nodeType="tmRoot"/>
+        <p:cTn xmlns:p14="http://schemas.microsoft.com/office/powerpoint/2010/main" id="1" dur="indefinite" restart="never" nodeType="tmRoot"/>
       </p:par>
     </p:tnLst>
   </p:timing>
@@ -4521,7 +4527,7 @@
     </p:spTree>
     <p:extLst>
       <p:ext uri="{BB962C8B-B14F-4D97-AF65-F5344CB8AC3E}">
-        <p14:creationId xmlns:p14="http://schemas.microsoft.com/office/powerpoint/2010/main" xmlns="" val="2325491196"/>
+        <p14:creationId xmlns:p14="http://schemas.microsoft.com/office/powerpoint/2010/main" val="2325491196"/>
       </p:ext>
     </p:extLst>
   </p:cSld>
@@ -4531,7 +4537,7 @@
   <p:timing>
     <p:tnLst>
       <p:par>
-        <p:cTn id="1" dur="indefinite" restart="never" nodeType="tmRoot"/>
+        <p:cTn xmlns:p14="http://schemas.microsoft.com/office/powerpoint/2010/main" id="1" dur="indefinite" restart="never" nodeType="tmRoot"/>
       </p:par>
     </p:tnLst>
   </p:timing>
@@ -5307,7 +5313,7 @@
   <p:timing>
     <p:tnLst>
       <p:par>
-        <p:cTn id="1" dur="indefinite" restart="never" nodeType="tmRoot">
+        <p:cTn xmlns:p14="http://schemas.microsoft.com/office/powerpoint/2010/main" id="1" dur="indefinite" restart="never" nodeType="tmRoot">
           <p:childTnLst>
             <p:seq concurrent="1" nextAc="seek">
               <p:cTn id="2" dur="indefinite" nodeType="mainSeq">
@@ -6176,11 +6182,7 @@
             <a:pPr algn="ctr"/>
             <a:r>
               <a:rPr lang="en-GB" sz="2800" dirty="0" smtClean="0"/>
-              <a:t>y</a:t>
-            </a:r>
-            <a:r>
-              <a:rPr lang="en-GB" sz="2800" dirty="0" smtClean="0"/>
-              <a:t> = 5</a:t>
+              <a:t>y = 5</a:t>
             </a:r>
             <a:endParaRPr lang="en-GB" sz="2800" dirty="0"/>
           </a:p>
@@ -6822,7 +6824,7 @@
   <p:timing>
     <p:tnLst>
       <p:par>
-        <p:cTn id="1" dur="indefinite" restart="never" nodeType="tmRoot">
+        <p:cTn xmlns:p14="http://schemas.microsoft.com/office/powerpoint/2010/main" id="1" dur="indefinite" restart="never" nodeType="tmRoot">
           <p:childTnLst>
             <p:seq concurrent="1" nextAc="seek">
               <p:cTn id="2" dur="indefinite" nodeType="mainSeq">
@@ -8036,7 +8038,7 @@
   <p:timing>
     <p:tnLst>
       <p:par>
-        <p:cTn id="1" dur="indefinite" restart="never" nodeType="tmRoot">
+        <p:cTn xmlns:p14="http://schemas.microsoft.com/office/powerpoint/2010/main" id="1" dur="indefinite" restart="never" nodeType="tmRoot">
           <p:childTnLst>
             <p:seq concurrent="1" nextAc="seek">
               <p:cTn id="2" dur="indefinite" nodeType="mainSeq">
@@ -8324,6 +8326,929 @@
       <p:bldP spid="45" grpId="0" animBg="1"/>
       <p:bldP spid="46" grpId="0" animBg="1"/>
     </p:bldLst>
+  </p:timing>
+</p:sld>
+</file>
+
+<file path=ppt/slides/slide8.xml><?xml version="1.0" encoding="utf-8"?>
+<p:sld xmlns:a="http://schemas.openxmlformats.org/drawingml/2006/main" xmlns:r="http://schemas.openxmlformats.org/officeDocument/2006/relationships" xmlns:p="http://schemas.openxmlformats.org/presentationml/2006/main">
+  <p:cSld>
+    <p:spTree>
+      <p:nvGrpSpPr>
+        <p:cNvPr id="1" name=""/>
+        <p:cNvGrpSpPr/>
+        <p:nvPr/>
+      </p:nvGrpSpPr>
+      <p:grpSpPr>
+        <a:xfrm>
+          <a:off x="0" y="0"/>
+          <a:ext cx="0" cy="0"/>
+          <a:chOff x="0" y="0"/>
+          <a:chExt cx="0" cy="0"/>
+        </a:xfrm>
+      </p:grpSpPr>
+      <p:graphicFrame>
+        <p:nvGraphicFramePr>
+          <p:cNvPr id="7" name="Table 6"/>
+          <p:cNvGraphicFramePr>
+            <a:graphicFrameLocks noGrp="1"/>
+          </p:cNvGraphicFramePr>
+          <p:nvPr>
+            <p:extLst>
+              <p:ext uri="{D42A27DB-BD31-4B8C-83A1-F6EECF244321}">
+                <p14:modId xmlns:p14="http://schemas.microsoft.com/office/powerpoint/2010/main" val="978799440"/>
+              </p:ext>
+            </p:extLst>
+          </p:nvPr>
+        </p:nvGraphicFramePr>
+        <p:xfrm>
+          <a:off x="1524000" y="2238123"/>
+          <a:ext cx="6096000" cy="1371600"/>
+        </p:xfrm>
+        <a:graphic>
+          <a:graphicData uri="http://schemas.openxmlformats.org/drawingml/2006/table">
+            <a:tbl>
+              <a:tblPr firstRow="1" bandRow="1">
+                <a:tableStyleId>{2D5ABB26-0587-4C30-8999-92F81FD0307C}</a:tableStyleId>
+              </a:tblPr>
+              <a:tblGrid>
+                <a:gridCol w="1016000"/>
+                <a:gridCol w="1016000"/>
+                <a:gridCol w="1016000"/>
+                <a:gridCol w="1016000"/>
+                <a:gridCol w="1016000"/>
+                <a:gridCol w="1016000"/>
+              </a:tblGrid>
+              <a:tr h="0">
+                <a:tc>
+                  <a:txBody>
+                    <a:bodyPr/>
+                    <a:lstStyle/>
+                    <a:p>
+                      <a:r>
+                        <a:rPr lang="en-US" dirty="0" smtClean="0"/>
+                        <a:t>Index</a:t>
+                      </a:r>
+                    </a:p>
+                  </a:txBody>
+                  <a:tcPr>
+                    <a:lnL w="12700" cap="flat" cmpd="sng" algn="ctr">
+                      <a:noFill/>
+                      <a:prstDash val="solid"/>
+                      <a:round/>
+                      <a:headEnd type="none" w="med" len="med"/>
+                      <a:tailEnd type="none" w="med" len="med"/>
+                    </a:lnL>
+                    <a:lnT w="12700" cap="flat" cmpd="sng" algn="ctr">
+                      <a:noFill/>
+                      <a:prstDash val="solid"/>
+                      <a:round/>
+                      <a:headEnd type="none" w="med" len="med"/>
+                      <a:tailEnd type="none" w="med" len="med"/>
+                    </a:lnT>
+                    <a:lnB w="19050" cap="flat" cmpd="sng" algn="ctr">
+                      <a:solidFill>
+                        <a:prstClr val="black"/>
+                      </a:solidFill>
+                      <a:prstDash val="solid"/>
+                      <a:round/>
+                      <a:headEnd type="none" w="med" len="med"/>
+                      <a:tailEnd type="none" w="med" len="med"/>
+                    </a:lnB>
+                  </a:tcPr>
+                </a:tc>
+                <a:tc>
+                  <a:txBody>
+                    <a:bodyPr/>
+                    <a:lstStyle/>
+                    <a:p>
+                      <a:pPr algn="ctr"/>
+                      <a:r>
+                        <a:rPr lang="en-US" dirty="0" smtClean="0"/>
+                        <a:t>0</a:t>
+                      </a:r>
+                      <a:endParaRPr lang="en-US" dirty="0"/>
+                    </a:p>
+                  </a:txBody>
+                  <a:tcPr anchor="ctr">
+                    <a:lnT w="12700" cap="flat" cmpd="sng" algn="ctr">
+                      <a:noFill/>
+                      <a:prstDash val="solid"/>
+                      <a:round/>
+                      <a:headEnd type="none" w="med" len="med"/>
+                      <a:tailEnd type="none" w="med" len="med"/>
+                    </a:lnT>
+                    <a:lnB w="19050" cap="flat" cmpd="sng" algn="ctr">
+                      <a:solidFill>
+                        <a:prstClr val="black"/>
+                      </a:solidFill>
+                      <a:prstDash val="solid"/>
+                      <a:round/>
+                      <a:headEnd type="none" w="med" len="med"/>
+                      <a:tailEnd type="none" w="med" len="med"/>
+                    </a:lnB>
+                  </a:tcPr>
+                </a:tc>
+                <a:tc>
+                  <a:txBody>
+                    <a:bodyPr/>
+                    <a:lstStyle/>
+                    <a:p>
+                      <a:pPr algn="ctr"/>
+                      <a:r>
+                        <a:rPr lang="en-US" dirty="0" smtClean="0"/>
+                        <a:t>1</a:t>
+                      </a:r>
+                      <a:endParaRPr lang="en-US" dirty="0"/>
+                    </a:p>
+                  </a:txBody>
+                  <a:tcPr anchor="ctr">
+                    <a:lnT w="12700" cap="flat" cmpd="sng" algn="ctr">
+                      <a:noFill/>
+                      <a:prstDash val="solid"/>
+                      <a:round/>
+                      <a:headEnd type="none" w="med" len="med"/>
+                      <a:tailEnd type="none" w="med" len="med"/>
+                    </a:lnT>
+                    <a:lnB w="19050" cap="flat" cmpd="sng" algn="ctr">
+                      <a:solidFill>
+                        <a:prstClr val="black"/>
+                      </a:solidFill>
+                      <a:prstDash val="solid"/>
+                      <a:round/>
+                      <a:headEnd type="none" w="med" len="med"/>
+                      <a:tailEnd type="none" w="med" len="med"/>
+                    </a:lnB>
+                  </a:tcPr>
+                </a:tc>
+                <a:tc>
+                  <a:txBody>
+                    <a:bodyPr/>
+                    <a:lstStyle/>
+                    <a:p>
+                      <a:pPr algn="ctr"/>
+                      <a:r>
+                        <a:rPr lang="en-US" dirty="0" smtClean="0"/>
+                        <a:t>2</a:t>
+                      </a:r>
+                      <a:endParaRPr lang="en-US" dirty="0"/>
+                    </a:p>
+                  </a:txBody>
+                  <a:tcPr anchor="ctr">
+                    <a:lnT w="12700" cap="flat" cmpd="sng" algn="ctr">
+                      <a:noFill/>
+                      <a:prstDash val="solid"/>
+                      <a:round/>
+                      <a:headEnd type="none" w="med" len="med"/>
+                      <a:tailEnd type="none" w="med" len="med"/>
+                    </a:lnT>
+                    <a:lnB w="19050" cap="flat" cmpd="sng" algn="ctr">
+                      <a:solidFill>
+                        <a:prstClr val="black"/>
+                      </a:solidFill>
+                      <a:prstDash val="solid"/>
+                      <a:round/>
+                      <a:headEnd type="none" w="med" len="med"/>
+                      <a:tailEnd type="none" w="med" len="med"/>
+                    </a:lnB>
+                  </a:tcPr>
+                </a:tc>
+                <a:tc>
+                  <a:txBody>
+                    <a:bodyPr/>
+                    <a:lstStyle/>
+                    <a:p>
+                      <a:pPr algn="ctr"/>
+                      <a:r>
+                        <a:rPr lang="en-US" dirty="0" smtClean="0"/>
+                        <a:t>3</a:t>
+                      </a:r>
+                      <a:endParaRPr lang="en-US" dirty="0"/>
+                    </a:p>
+                  </a:txBody>
+                  <a:tcPr anchor="ctr">
+                    <a:lnT w="12700" cap="flat" cmpd="sng" algn="ctr">
+                      <a:noFill/>
+                      <a:prstDash val="solid"/>
+                      <a:round/>
+                      <a:headEnd type="none" w="med" len="med"/>
+                      <a:tailEnd type="none" w="med" len="med"/>
+                    </a:lnT>
+                    <a:lnB w="19050" cap="flat" cmpd="sng" algn="ctr">
+                      <a:solidFill>
+                        <a:prstClr val="black"/>
+                      </a:solidFill>
+                      <a:prstDash val="solid"/>
+                      <a:round/>
+                      <a:headEnd type="none" w="med" len="med"/>
+                      <a:tailEnd type="none" w="med" len="med"/>
+                    </a:lnB>
+                  </a:tcPr>
+                </a:tc>
+                <a:tc>
+                  <a:txBody>
+                    <a:bodyPr/>
+                    <a:lstStyle/>
+                    <a:p>
+                      <a:pPr algn="ctr"/>
+                      <a:r>
+                        <a:rPr lang="en-US" dirty="0" smtClean="0"/>
+                        <a:t>4</a:t>
+                      </a:r>
+                      <a:endParaRPr lang="en-US" dirty="0"/>
+                    </a:p>
+                  </a:txBody>
+                  <a:tcPr anchor="ctr">
+                    <a:lnR w="12700" cap="flat" cmpd="sng" algn="ctr">
+                      <a:noFill/>
+                      <a:prstDash val="solid"/>
+                      <a:round/>
+                      <a:headEnd type="none" w="med" len="med"/>
+                      <a:tailEnd type="none" w="med" len="med"/>
+                    </a:lnR>
+                    <a:lnT w="12700" cap="flat" cmpd="sng" algn="ctr">
+                      <a:noFill/>
+                      <a:prstDash val="solid"/>
+                      <a:round/>
+                      <a:headEnd type="none" w="med" len="med"/>
+                      <a:tailEnd type="none" w="med" len="med"/>
+                    </a:lnT>
+                    <a:lnB w="19050" cap="flat" cmpd="sng" algn="ctr">
+                      <a:solidFill>
+                        <a:prstClr val="black"/>
+                      </a:solidFill>
+                      <a:prstDash val="solid"/>
+                      <a:round/>
+                      <a:headEnd type="none" w="med" len="med"/>
+                      <a:tailEnd type="none" w="med" len="med"/>
+                    </a:lnB>
+                  </a:tcPr>
+                </a:tc>
+              </a:tr>
+              <a:tr h="0">
+                <a:tc>
+                  <a:txBody>
+                    <a:bodyPr/>
+                    <a:lstStyle/>
+                    <a:p>
+                      <a:r>
+                        <a:rPr lang="en-US" dirty="0" smtClean="0"/>
+                        <a:t>Element</a:t>
+                      </a:r>
+                      <a:endParaRPr lang="en-US" dirty="0"/>
+                    </a:p>
+                  </a:txBody>
+                  <a:tcPr>
+                    <a:lnL w="19050" cap="flat" cmpd="sng" algn="ctr">
+                      <a:solidFill>
+                        <a:prstClr val="black"/>
+                      </a:solidFill>
+                      <a:prstDash val="solid"/>
+                      <a:round/>
+                      <a:headEnd type="none" w="med" len="med"/>
+                      <a:tailEnd type="none" w="med" len="med"/>
+                    </a:lnL>
+                    <a:lnR w="19050" cap="flat" cmpd="sng" algn="ctr">
+                      <a:solidFill>
+                        <a:prstClr val="black"/>
+                      </a:solidFill>
+                      <a:prstDash val="solid"/>
+                      <a:round/>
+                      <a:headEnd type="none" w="med" len="med"/>
+                      <a:tailEnd type="none" w="med" len="med"/>
+                    </a:lnR>
+                    <a:lnT w="19050" cap="flat" cmpd="sng" algn="ctr">
+                      <a:solidFill>
+                        <a:prstClr val="black"/>
+                      </a:solidFill>
+                      <a:prstDash val="solid"/>
+                      <a:round/>
+                      <a:headEnd type="none" w="med" len="med"/>
+                      <a:tailEnd type="none" w="med" len="med"/>
+                    </a:lnT>
+                    <a:lnB w="19050" cap="flat" cmpd="sng" algn="ctr">
+                      <a:solidFill>
+                        <a:prstClr val="black"/>
+                      </a:solidFill>
+                      <a:prstDash val="solid"/>
+                      <a:round/>
+                      <a:headEnd type="none" w="med" len="med"/>
+                      <a:tailEnd type="none" w="med" len="med"/>
+                    </a:lnB>
+                  </a:tcPr>
+                </a:tc>
+                <a:tc>
+                  <a:txBody>
+                    <a:bodyPr/>
+                    <a:lstStyle/>
+                    <a:p>
+                      <a:pPr algn="ctr"/>
+                      <a:r>
+                        <a:rPr lang="en-US" dirty="0" smtClean="0"/>
+                        <a:t>123</a:t>
+                      </a:r>
+                      <a:endParaRPr lang="en-US" dirty="0"/>
+                    </a:p>
+                  </a:txBody>
+                  <a:tcPr anchor="ctr">
+                    <a:lnL w="19050" cap="flat" cmpd="sng" algn="ctr">
+                      <a:solidFill>
+                        <a:prstClr val="black"/>
+                      </a:solidFill>
+                      <a:prstDash val="solid"/>
+                      <a:round/>
+                      <a:headEnd type="none" w="med" len="med"/>
+                      <a:tailEnd type="none" w="med" len="med"/>
+                    </a:lnL>
+                    <a:lnR w="19050" cap="flat" cmpd="sng" algn="ctr">
+                      <a:solidFill>
+                        <a:prstClr val="black"/>
+                      </a:solidFill>
+                      <a:prstDash val="solid"/>
+                      <a:round/>
+                      <a:headEnd type="none" w="med" len="med"/>
+                      <a:tailEnd type="none" w="med" len="med"/>
+                    </a:lnR>
+                    <a:lnT w="19050" cap="flat" cmpd="sng" algn="ctr">
+                      <a:solidFill>
+                        <a:prstClr val="black"/>
+                      </a:solidFill>
+                      <a:prstDash val="solid"/>
+                      <a:round/>
+                      <a:headEnd type="none" w="med" len="med"/>
+                      <a:tailEnd type="none" w="med" len="med"/>
+                    </a:lnT>
+                    <a:lnB w="19050" cap="flat" cmpd="sng" algn="ctr">
+                      <a:solidFill>
+                        <a:prstClr val="black"/>
+                      </a:solidFill>
+                      <a:prstDash val="solid"/>
+                      <a:round/>
+                      <a:headEnd type="none" w="med" len="med"/>
+                      <a:tailEnd type="none" w="med" len="med"/>
+                    </a:lnB>
+                  </a:tcPr>
+                </a:tc>
+                <a:tc>
+                  <a:txBody>
+                    <a:bodyPr/>
+                    <a:lstStyle/>
+                    <a:p>
+                      <a:pPr algn="ctr"/>
+                      <a:r>
+                        <a:rPr lang="en-US" dirty="0" smtClean="0"/>
+                        <a:t>54</a:t>
+                      </a:r>
+                      <a:endParaRPr lang="en-US" dirty="0"/>
+                    </a:p>
+                  </a:txBody>
+                  <a:tcPr anchor="ctr">
+                    <a:lnL w="19050" cap="flat" cmpd="sng" algn="ctr">
+                      <a:solidFill>
+                        <a:prstClr val="black"/>
+                      </a:solidFill>
+                      <a:prstDash val="solid"/>
+                      <a:round/>
+                      <a:headEnd type="none" w="med" len="med"/>
+                      <a:tailEnd type="none" w="med" len="med"/>
+                    </a:lnL>
+                    <a:lnR w="19050" cap="flat" cmpd="sng" algn="ctr">
+                      <a:solidFill>
+                        <a:prstClr val="black"/>
+                      </a:solidFill>
+                      <a:prstDash val="solid"/>
+                      <a:round/>
+                      <a:headEnd type="none" w="med" len="med"/>
+                      <a:tailEnd type="none" w="med" len="med"/>
+                    </a:lnR>
+                    <a:lnT w="19050" cap="flat" cmpd="sng" algn="ctr">
+                      <a:solidFill>
+                        <a:prstClr val="black"/>
+                      </a:solidFill>
+                      <a:prstDash val="solid"/>
+                      <a:round/>
+                      <a:headEnd type="none" w="med" len="med"/>
+                      <a:tailEnd type="none" w="med" len="med"/>
+                    </a:lnT>
+                    <a:lnB w="19050" cap="flat" cmpd="sng" algn="ctr">
+                      <a:solidFill>
+                        <a:prstClr val="black"/>
+                      </a:solidFill>
+                      <a:prstDash val="solid"/>
+                      <a:round/>
+                      <a:headEnd type="none" w="med" len="med"/>
+                      <a:tailEnd type="none" w="med" len="med"/>
+                    </a:lnB>
+                  </a:tcPr>
+                </a:tc>
+                <a:tc>
+                  <a:txBody>
+                    <a:bodyPr/>
+                    <a:lstStyle/>
+                    <a:p>
+                      <a:pPr algn="ctr"/>
+                      <a:r>
+                        <a:rPr lang="en-US" dirty="0" smtClean="0"/>
+                        <a:t>92</a:t>
+                      </a:r>
+                      <a:endParaRPr lang="en-US" dirty="0"/>
+                    </a:p>
+                  </a:txBody>
+                  <a:tcPr anchor="ctr">
+                    <a:lnL w="19050" cap="flat" cmpd="sng" algn="ctr">
+                      <a:solidFill>
+                        <a:prstClr val="black"/>
+                      </a:solidFill>
+                      <a:prstDash val="solid"/>
+                      <a:round/>
+                      <a:headEnd type="none" w="med" len="med"/>
+                      <a:tailEnd type="none" w="med" len="med"/>
+                    </a:lnL>
+                    <a:lnR w="19050" cap="flat" cmpd="sng" algn="ctr">
+                      <a:solidFill>
+                        <a:prstClr val="black"/>
+                      </a:solidFill>
+                      <a:prstDash val="solid"/>
+                      <a:round/>
+                      <a:headEnd type="none" w="med" len="med"/>
+                      <a:tailEnd type="none" w="med" len="med"/>
+                    </a:lnR>
+                    <a:lnT w="19050" cap="flat" cmpd="sng" algn="ctr">
+                      <a:solidFill>
+                        <a:prstClr val="black"/>
+                      </a:solidFill>
+                      <a:prstDash val="solid"/>
+                      <a:round/>
+                      <a:headEnd type="none" w="med" len="med"/>
+                      <a:tailEnd type="none" w="med" len="med"/>
+                    </a:lnT>
+                    <a:lnB w="19050" cap="flat" cmpd="sng" algn="ctr">
+                      <a:solidFill>
+                        <a:prstClr val="black"/>
+                      </a:solidFill>
+                      <a:prstDash val="solid"/>
+                      <a:round/>
+                      <a:headEnd type="none" w="med" len="med"/>
+                      <a:tailEnd type="none" w="med" len="med"/>
+                    </a:lnB>
+                  </a:tcPr>
+                </a:tc>
+                <a:tc>
+                  <a:txBody>
+                    <a:bodyPr/>
+                    <a:lstStyle/>
+                    <a:p>
+                      <a:pPr algn="ctr"/>
+                      <a:r>
+                        <a:rPr lang="en-US" dirty="0" smtClean="0"/>
+                        <a:t>87</a:t>
+                      </a:r>
+                      <a:endParaRPr lang="en-US" dirty="0"/>
+                    </a:p>
+                  </a:txBody>
+                  <a:tcPr anchor="ctr">
+                    <a:lnL w="19050" cap="flat" cmpd="sng" algn="ctr">
+                      <a:solidFill>
+                        <a:prstClr val="black"/>
+                      </a:solidFill>
+                      <a:prstDash val="solid"/>
+                      <a:round/>
+                      <a:headEnd type="none" w="med" len="med"/>
+                      <a:tailEnd type="none" w="med" len="med"/>
+                    </a:lnL>
+                    <a:lnR w="19050" cap="flat" cmpd="sng" algn="ctr">
+                      <a:solidFill>
+                        <a:prstClr val="black"/>
+                      </a:solidFill>
+                      <a:prstDash val="solid"/>
+                      <a:round/>
+                      <a:headEnd type="none" w="med" len="med"/>
+                      <a:tailEnd type="none" w="med" len="med"/>
+                    </a:lnR>
+                    <a:lnT w="19050" cap="flat" cmpd="sng" algn="ctr">
+                      <a:solidFill>
+                        <a:prstClr val="black"/>
+                      </a:solidFill>
+                      <a:prstDash val="solid"/>
+                      <a:round/>
+                      <a:headEnd type="none" w="med" len="med"/>
+                      <a:tailEnd type="none" w="med" len="med"/>
+                    </a:lnT>
+                    <a:lnB w="19050" cap="flat" cmpd="sng" algn="ctr">
+                      <a:solidFill>
+                        <a:prstClr val="black"/>
+                      </a:solidFill>
+                      <a:prstDash val="solid"/>
+                      <a:round/>
+                      <a:headEnd type="none" w="med" len="med"/>
+                      <a:tailEnd type="none" w="med" len="med"/>
+                    </a:lnB>
+                  </a:tcPr>
+                </a:tc>
+                <a:tc>
+                  <a:txBody>
+                    <a:bodyPr/>
+                    <a:lstStyle/>
+                    <a:p>
+                      <a:pPr algn="ctr"/>
+                      <a:r>
+                        <a:rPr lang="en-US" dirty="0" smtClean="0"/>
+                        <a:t>33</a:t>
+                      </a:r>
+                      <a:endParaRPr lang="en-US" dirty="0"/>
+                    </a:p>
+                  </a:txBody>
+                  <a:tcPr anchor="ctr">
+                    <a:lnL w="19050" cap="flat" cmpd="sng" algn="ctr">
+                      <a:solidFill>
+                        <a:prstClr val="black"/>
+                      </a:solidFill>
+                      <a:prstDash val="solid"/>
+                      <a:round/>
+                      <a:headEnd type="none" w="med" len="med"/>
+                      <a:tailEnd type="none" w="med" len="med"/>
+                    </a:lnL>
+                    <a:lnR w="19050" cap="flat" cmpd="sng" algn="ctr">
+                      <a:solidFill>
+                        <a:prstClr val="black"/>
+                      </a:solidFill>
+                      <a:prstDash val="solid"/>
+                      <a:round/>
+                      <a:headEnd type="none" w="med" len="med"/>
+                      <a:tailEnd type="none" w="med" len="med"/>
+                    </a:lnR>
+                    <a:lnT w="19050" cap="flat" cmpd="sng" algn="ctr">
+                      <a:solidFill>
+                        <a:prstClr val="black"/>
+                      </a:solidFill>
+                      <a:prstDash val="solid"/>
+                      <a:round/>
+                      <a:headEnd type="none" w="med" len="med"/>
+                      <a:tailEnd type="none" w="med" len="med"/>
+                    </a:lnT>
+                    <a:lnB w="19050" cap="flat" cmpd="sng" algn="ctr">
+                      <a:solidFill>
+                        <a:prstClr val="black"/>
+                      </a:solidFill>
+                      <a:prstDash val="solid"/>
+                      <a:round/>
+                      <a:headEnd type="none" w="med" len="med"/>
+                      <a:tailEnd type="none" w="med" len="med"/>
+                    </a:lnB>
+                  </a:tcPr>
+                </a:tc>
+              </a:tr>
+              <a:tr h="0">
+                <a:tc>
+                  <a:txBody>
+                    <a:bodyPr/>
+                    <a:lstStyle/>
+                    <a:p>
+                      <a:r>
+                        <a:rPr lang="en-US" dirty="0" smtClean="0"/>
+                        <a:t>Negative Index</a:t>
+                      </a:r>
+                      <a:endParaRPr lang="en-US" dirty="0"/>
+                    </a:p>
+                  </a:txBody>
+                  <a:tcPr>
+                    <a:lnL w="12700" cap="flat" cmpd="sng" algn="ctr">
+                      <a:noFill/>
+                      <a:prstDash val="solid"/>
+                      <a:round/>
+                      <a:headEnd type="none" w="med" len="med"/>
+                      <a:tailEnd type="none" w="med" len="med"/>
+                    </a:lnL>
+                    <a:lnT w="19050" cap="flat" cmpd="sng" algn="ctr">
+                      <a:solidFill>
+                        <a:prstClr val="black"/>
+                      </a:solidFill>
+                      <a:prstDash val="solid"/>
+                      <a:round/>
+                      <a:headEnd type="none" w="med" len="med"/>
+                      <a:tailEnd type="none" w="med" len="med"/>
+                    </a:lnT>
+                    <a:lnB w="12700" cap="flat" cmpd="sng" algn="ctr">
+                      <a:noFill/>
+                      <a:prstDash val="solid"/>
+                      <a:round/>
+                      <a:headEnd type="none" w="med" len="med"/>
+                      <a:tailEnd type="none" w="med" len="med"/>
+                    </a:lnB>
+                  </a:tcPr>
+                </a:tc>
+                <a:tc>
+                  <a:txBody>
+                    <a:bodyPr/>
+                    <a:lstStyle/>
+                    <a:p>
+                      <a:pPr algn="ctr"/>
+                      <a:r>
+                        <a:rPr lang="en-US" dirty="0" smtClean="0"/>
+                        <a:t>-5</a:t>
+                      </a:r>
+                      <a:endParaRPr lang="en-US" dirty="0"/>
+                    </a:p>
+                  </a:txBody>
+                  <a:tcPr anchor="ctr">
+                    <a:lnT w="19050" cap="flat" cmpd="sng" algn="ctr">
+                      <a:solidFill>
+                        <a:prstClr val="black"/>
+                      </a:solidFill>
+                      <a:prstDash val="solid"/>
+                      <a:round/>
+                      <a:headEnd type="none" w="med" len="med"/>
+                      <a:tailEnd type="none" w="med" len="med"/>
+                    </a:lnT>
+                    <a:lnB w="12700" cap="flat" cmpd="sng" algn="ctr">
+                      <a:noFill/>
+                      <a:prstDash val="solid"/>
+                      <a:round/>
+                      <a:headEnd type="none" w="med" len="med"/>
+                      <a:tailEnd type="none" w="med" len="med"/>
+                    </a:lnB>
+                  </a:tcPr>
+                </a:tc>
+                <a:tc>
+                  <a:txBody>
+                    <a:bodyPr/>
+                    <a:lstStyle/>
+                    <a:p>
+                      <a:pPr algn="ctr"/>
+                      <a:r>
+                        <a:rPr lang="en-US" dirty="0" smtClean="0"/>
+                        <a:t>-4</a:t>
+                      </a:r>
+                      <a:endParaRPr lang="en-US" dirty="0"/>
+                    </a:p>
+                  </a:txBody>
+                  <a:tcPr anchor="ctr">
+                    <a:lnT w="19050" cap="flat" cmpd="sng" algn="ctr">
+                      <a:solidFill>
+                        <a:prstClr val="black"/>
+                      </a:solidFill>
+                      <a:prstDash val="solid"/>
+                      <a:round/>
+                      <a:headEnd type="none" w="med" len="med"/>
+                      <a:tailEnd type="none" w="med" len="med"/>
+                    </a:lnT>
+                    <a:lnB w="12700" cap="flat" cmpd="sng" algn="ctr">
+                      <a:noFill/>
+                      <a:prstDash val="solid"/>
+                      <a:round/>
+                      <a:headEnd type="none" w="med" len="med"/>
+                      <a:tailEnd type="none" w="med" len="med"/>
+                    </a:lnB>
+                  </a:tcPr>
+                </a:tc>
+                <a:tc>
+                  <a:txBody>
+                    <a:bodyPr/>
+                    <a:lstStyle/>
+                    <a:p>
+                      <a:pPr algn="ctr"/>
+                      <a:r>
+                        <a:rPr lang="en-US" dirty="0" smtClean="0"/>
+                        <a:t>-3</a:t>
+                      </a:r>
+                      <a:endParaRPr lang="en-US" dirty="0"/>
+                    </a:p>
+                  </a:txBody>
+                  <a:tcPr anchor="ctr">
+                    <a:lnT w="19050" cap="flat" cmpd="sng" algn="ctr">
+                      <a:solidFill>
+                        <a:prstClr val="black"/>
+                      </a:solidFill>
+                      <a:prstDash val="solid"/>
+                      <a:round/>
+                      <a:headEnd type="none" w="med" len="med"/>
+                      <a:tailEnd type="none" w="med" len="med"/>
+                    </a:lnT>
+                    <a:lnB w="12700" cap="flat" cmpd="sng" algn="ctr">
+                      <a:noFill/>
+                      <a:prstDash val="solid"/>
+                      <a:round/>
+                      <a:headEnd type="none" w="med" len="med"/>
+                      <a:tailEnd type="none" w="med" len="med"/>
+                    </a:lnB>
+                  </a:tcPr>
+                </a:tc>
+                <a:tc>
+                  <a:txBody>
+                    <a:bodyPr/>
+                    <a:lstStyle/>
+                    <a:p>
+                      <a:pPr algn="ctr"/>
+                      <a:r>
+                        <a:rPr lang="en-US" dirty="0" smtClean="0"/>
+                        <a:t>-2</a:t>
+                      </a:r>
+                      <a:endParaRPr lang="en-US" dirty="0"/>
+                    </a:p>
+                  </a:txBody>
+                  <a:tcPr anchor="ctr">
+                    <a:lnT w="19050" cap="flat" cmpd="sng" algn="ctr">
+                      <a:solidFill>
+                        <a:prstClr val="black"/>
+                      </a:solidFill>
+                      <a:prstDash val="solid"/>
+                      <a:round/>
+                      <a:headEnd type="none" w="med" len="med"/>
+                      <a:tailEnd type="none" w="med" len="med"/>
+                    </a:lnT>
+                    <a:lnB w="12700" cap="flat" cmpd="sng" algn="ctr">
+                      <a:noFill/>
+                      <a:prstDash val="solid"/>
+                      <a:round/>
+                      <a:headEnd type="none" w="med" len="med"/>
+                      <a:tailEnd type="none" w="med" len="med"/>
+                    </a:lnB>
+                  </a:tcPr>
+                </a:tc>
+                <a:tc>
+                  <a:txBody>
+                    <a:bodyPr/>
+                    <a:lstStyle/>
+                    <a:p>
+                      <a:pPr algn="ctr"/>
+                      <a:r>
+                        <a:rPr lang="en-US" dirty="0" smtClean="0"/>
+                        <a:t>-1</a:t>
+                      </a:r>
+                      <a:endParaRPr lang="en-US" dirty="0"/>
+                    </a:p>
+                  </a:txBody>
+                  <a:tcPr anchor="ctr">
+                    <a:lnR w="12700" cap="flat" cmpd="sng" algn="ctr">
+                      <a:noFill/>
+                      <a:prstDash val="solid"/>
+                      <a:round/>
+                      <a:headEnd type="none" w="med" len="med"/>
+                      <a:tailEnd type="none" w="med" len="med"/>
+                    </a:lnR>
+                    <a:lnT w="19050" cap="flat" cmpd="sng" algn="ctr">
+                      <a:solidFill>
+                        <a:prstClr val="black"/>
+                      </a:solidFill>
+                      <a:prstDash val="solid"/>
+                      <a:round/>
+                      <a:headEnd type="none" w="med" len="med"/>
+                      <a:tailEnd type="none" w="med" len="med"/>
+                    </a:lnT>
+                    <a:lnB w="12700" cap="flat" cmpd="sng" algn="ctr">
+                      <a:noFill/>
+                      <a:prstDash val="solid"/>
+                      <a:round/>
+                      <a:headEnd type="none" w="med" len="med"/>
+                      <a:tailEnd type="none" w="med" len="med"/>
+                    </a:lnB>
+                  </a:tcPr>
+                </a:tc>
+              </a:tr>
+            </a:tbl>
+          </a:graphicData>
+        </a:graphic>
+      </p:graphicFrame>
+      <p:sp>
+        <p:nvSpPr>
+          <p:cNvPr id="9" name="TextBox 8"/>
+          <p:cNvSpPr txBox="1"/>
+          <p:nvPr/>
+        </p:nvSpPr>
+        <p:spPr>
+          <a:xfrm>
+            <a:off x="1524000" y="1665609"/>
+            <a:ext cx="3950895" cy="369332"/>
+          </a:xfrm>
+          <a:prstGeom prst="rect">
+            <a:avLst/>
+          </a:prstGeom>
+          <a:noFill/>
+        </p:spPr>
+        <p:txBody>
+          <a:bodyPr wrap="square" rtlCol="0">
+            <a:spAutoFit/>
+          </a:bodyPr>
+          <a:lstStyle/>
+          <a:p>
+            <a:r>
+              <a:rPr lang="en-US" dirty="0"/>
+              <a:t>x</a:t>
+            </a:r>
+            <a:r>
+              <a:rPr lang="en-US" dirty="0" smtClean="0"/>
+              <a:t> =  [123, 54, 92, 87, 33]</a:t>
+            </a:r>
+            <a:endParaRPr lang="en-US" dirty="0"/>
+          </a:p>
+        </p:txBody>
+      </p:sp>
+      <p:cxnSp>
+        <p:nvCxnSpPr>
+          <p:cNvPr id="12" name="Straight Arrow Connector 11"/>
+          <p:cNvCxnSpPr/>
+          <p:nvPr/>
+        </p:nvCxnSpPr>
+        <p:spPr>
+          <a:xfrm flipV="1">
+            <a:off x="2667000" y="3857625"/>
+            <a:ext cx="4953000" cy="15875"/>
+          </a:xfrm>
+          <a:prstGeom prst="straightConnector1">
+            <a:avLst/>
+          </a:prstGeom>
+          <a:ln>
+            <a:solidFill>
+              <a:schemeClr val="tx1"/>
+            </a:solidFill>
+            <a:headEnd type="arrow"/>
+            <a:tailEnd type="arrow"/>
+          </a:ln>
+        </p:spPr>
+        <p:style>
+          <a:lnRef idx="2">
+            <a:schemeClr val="accent1"/>
+          </a:lnRef>
+          <a:fillRef idx="0">
+            <a:schemeClr val="accent1"/>
+          </a:fillRef>
+          <a:effectRef idx="1">
+            <a:schemeClr val="accent1"/>
+          </a:effectRef>
+          <a:fontRef idx="minor">
+            <a:schemeClr val="tx1"/>
+          </a:fontRef>
+        </p:style>
+      </p:cxnSp>
+      <p:sp>
+        <p:nvSpPr>
+          <p:cNvPr id="13" name="TextBox 12"/>
+          <p:cNvSpPr txBox="1"/>
+          <p:nvPr/>
+        </p:nvSpPr>
+        <p:spPr>
+          <a:xfrm>
+            <a:off x="4413250" y="3932793"/>
+            <a:ext cx="1515446" cy="369332"/>
+          </a:xfrm>
+          <a:prstGeom prst="rect">
+            <a:avLst/>
+          </a:prstGeom>
+          <a:noFill/>
+        </p:spPr>
+        <p:txBody>
+          <a:bodyPr wrap="none" rtlCol="0">
+            <a:spAutoFit/>
+          </a:bodyPr>
+          <a:lstStyle/>
+          <a:p>
+            <a:r>
+              <a:rPr lang="en-US" dirty="0" smtClean="0"/>
+              <a:t>List length is 5</a:t>
+            </a:r>
+            <a:endParaRPr lang="en-US" dirty="0"/>
+          </a:p>
+        </p:txBody>
+      </p:sp>
+      <p:sp>
+        <p:nvSpPr>
+          <p:cNvPr id="14" name="Title 13"/>
+          <p:cNvSpPr>
+            <a:spLocks noGrp="1"/>
+          </p:cNvSpPr>
+          <p:nvPr>
+            <p:ph type="title"/>
+          </p:nvPr>
+        </p:nvSpPr>
+        <p:spPr/>
+        <p:txBody>
+          <a:bodyPr/>
+          <a:lstStyle/>
+          <a:p>
+            <a:r>
+              <a:rPr lang="en-US" dirty="0" smtClean="0"/>
+              <a:t>Tuple and List element numbering</a:t>
+            </a:r>
+            <a:endParaRPr lang="en-US" dirty="0"/>
+          </a:p>
+        </p:txBody>
+      </p:sp>
+    </p:spTree>
+    <p:extLst>
+      <p:ext uri="{BB962C8B-B14F-4D97-AF65-F5344CB8AC3E}">
+        <p14:creationId xmlns:p14="http://schemas.microsoft.com/office/powerpoint/2010/main" val="2092343012"/>
+      </p:ext>
+    </p:extLst>
+  </p:cSld>
+  <p:clrMapOvr>
+    <a:masterClrMapping/>
+  </p:clrMapOvr>
+  <p:timing>
+    <p:tnLst>
+      <p:par>
+        <p:cTn xmlns:p14="http://schemas.microsoft.com/office/powerpoint/2010/main" id="1" dur="indefinite" restart="never" nodeType="tmRoot"/>
+      </p:par>
+    </p:tnLst>
   </p:timing>
 </p:sld>
 </file>

--- a/course_intro.pptx
+++ b/course_intro.pptx
@@ -5,17 +5,22 @@
     <p:sldMasterId id="2147483648" r:id="rId1"/>
   </p:sldMasterIdLst>
   <p:notesMasterIdLst>
-    <p:notesMasterId r:id="rId10"/>
+    <p:notesMasterId r:id="rId15"/>
   </p:notesMasterIdLst>
   <p:sldIdLst>
     <p:sldId id="256" r:id="rId2"/>
     <p:sldId id="257" r:id="rId3"/>
     <p:sldId id="258" r:id="rId4"/>
     <p:sldId id="259" r:id="rId5"/>
-    <p:sldId id="260" r:id="rId6"/>
-    <p:sldId id="261" r:id="rId7"/>
-    <p:sldId id="262" r:id="rId8"/>
-    <p:sldId id="263" r:id="rId9"/>
+    <p:sldId id="264" r:id="rId6"/>
+    <p:sldId id="265" r:id="rId7"/>
+    <p:sldId id="266" r:id="rId8"/>
+    <p:sldId id="267" r:id="rId9"/>
+    <p:sldId id="268" r:id="rId10"/>
+    <p:sldId id="260" r:id="rId11"/>
+    <p:sldId id="261" r:id="rId12"/>
+    <p:sldId id="262" r:id="rId13"/>
+    <p:sldId id="263" r:id="rId14"/>
   </p:sldIdLst>
   <p:sldSz cx="9144000" cy="6858000" type="screen4x3"/>
   <p:notesSz cx="6858000" cy="9144000"/>
@@ -199,7 +204,7 @@
           <a:p>
             <a:fld id="{4904B9C1-6A3D-4C13-A01D-A515624776C7}" type="datetimeFigureOut">
               <a:rPr lang="en-GB" smtClean="0"/>
-              <a:t>11/09/2013</a:t>
+              <a:t>14/12/15</a:t>
             </a:fld>
             <a:endParaRPr lang="en-GB"/>
           </a:p>
@@ -515,7 +520,7 @@
           </a:bodyPr>
           <a:lstStyle/>
           <a:p>
-            <a:endParaRPr lang="en-GB"/>
+            <a:endParaRPr lang="en-GB" dirty="0"/>
           </a:p>
         </p:txBody>
       </p:sp>
@@ -860,7 +865,7 @@
           <a:p>
             <a:fld id="{4DFE0EF5-62D5-461F-8112-FF137DBB53DA}" type="slidenum">
               <a:rPr lang="en-GB" smtClean="0"/>
-              <a:t>5</a:t>
+              <a:t>10</a:t>
             </a:fld>
             <a:endParaRPr lang="en-GB"/>
           </a:p>
@@ -941,7 +946,7 @@
           <a:p>
             <a:fld id="{4DFE0EF5-62D5-461F-8112-FF137DBB53DA}" type="slidenum">
               <a:rPr lang="en-GB" smtClean="0"/>
-              <a:t>6</a:t>
+              <a:t>11</a:t>
             </a:fld>
             <a:endParaRPr lang="en-GB"/>
           </a:p>
@@ -1022,7 +1027,7 @@
           <a:p>
             <a:fld id="{4DFE0EF5-62D5-461F-8112-FF137DBB53DA}" type="slidenum">
               <a:rPr lang="en-GB" smtClean="0"/>
-              <a:t>7</a:t>
+              <a:t>12</a:t>
             </a:fld>
             <a:endParaRPr lang="en-GB"/>
           </a:p>
@@ -1218,7 +1223,7 @@
             <a:fld id="{68EFDCB5-6D71-EB44-9F0A-D3622F5F58F7}" type="datetimeFigureOut">
               <a:rPr lang="en-US" smtClean="0"/>
               <a:pPr/>
-              <a:t>11/09/2013</a:t>
+              <a:t>14/12/15</a:t>
             </a:fld>
             <a:endParaRPr lang="en-US"/>
           </a:p>
@@ -1390,7 +1395,7 @@
             <a:fld id="{68EFDCB5-6D71-EB44-9F0A-D3622F5F58F7}" type="datetimeFigureOut">
               <a:rPr lang="en-US" smtClean="0"/>
               <a:pPr/>
-              <a:t>11/09/2013</a:t>
+              <a:t>14/12/15</a:t>
             </a:fld>
             <a:endParaRPr lang="en-US"/>
           </a:p>
@@ -1572,7 +1577,7 @@
             <a:fld id="{68EFDCB5-6D71-EB44-9F0A-D3622F5F58F7}" type="datetimeFigureOut">
               <a:rPr lang="en-US" smtClean="0"/>
               <a:pPr/>
-              <a:t>11/09/2013</a:t>
+              <a:t>14/12/15</a:t>
             </a:fld>
             <a:endParaRPr lang="en-US"/>
           </a:p>
@@ -1744,7 +1749,7 @@
             <a:fld id="{68EFDCB5-6D71-EB44-9F0A-D3622F5F58F7}" type="datetimeFigureOut">
               <a:rPr lang="en-US" smtClean="0"/>
               <a:pPr/>
-              <a:t>11/09/2013</a:t>
+              <a:t>14/12/15</a:t>
             </a:fld>
             <a:endParaRPr lang="en-US"/>
           </a:p>
@@ -1992,7 +1997,7 @@
             <a:fld id="{68EFDCB5-6D71-EB44-9F0A-D3622F5F58F7}" type="datetimeFigureOut">
               <a:rPr lang="en-US" smtClean="0"/>
               <a:pPr/>
-              <a:t>11/09/2013</a:t>
+              <a:t>14/12/15</a:t>
             </a:fld>
             <a:endParaRPr lang="en-US"/>
           </a:p>
@@ -2282,7 +2287,7 @@
             <a:fld id="{68EFDCB5-6D71-EB44-9F0A-D3622F5F58F7}" type="datetimeFigureOut">
               <a:rPr lang="en-US" smtClean="0"/>
               <a:pPr/>
-              <a:t>11/09/2013</a:t>
+              <a:t>14/12/15</a:t>
             </a:fld>
             <a:endParaRPr lang="en-US"/>
           </a:p>
@@ -2706,7 +2711,7 @@
             <a:fld id="{68EFDCB5-6D71-EB44-9F0A-D3622F5F58F7}" type="datetimeFigureOut">
               <a:rPr lang="en-US" smtClean="0"/>
               <a:pPr/>
-              <a:t>11/09/2013</a:t>
+              <a:t>14/12/15</a:t>
             </a:fld>
             <a:endParaRPr lang="en-US"/>
           </a:p>
@@ -2826,7 +2831,7 @@
             <a:fld id="{68EFDCB5-6D71-EB44-9F0A-D3622F5F58F7}" type="datetimeFigureOut">
               <a:rPr lang="en-US" smtClean="0"/>
               <a:pPr/>
-              <a:t>11/09/2013</a:t>
+              <a:t>14/12/15</a:t>
             </a:fld>
             <a:endParaRPr lang="en-US"/>
           </a:p>
@@ -2923,7 +2928,7 @@
             <a:fld id="{68EFDCB5-6D71-EB44-9F0A-D3622F5F58F7}" type="datetimeFigureOut">
               <a:rPr lang="en-US" smtClean="0"/>
               <a:pPr/>
-              <a:t>11/09/2013</a:t>
+              <a:t>14/12/15</a:t>
             </a:fld>
             <a:endParaRPr lang="en-US"/>
           </a:p>
@@ -3202,7 +3207,7 @@
             <a:fld id="{68EFDCB5-6D71-EB44-9F0A-D3622F5F58F7}" type="datetimeFigureOut">
               <a:rPr lang="en-US" smtClean="0"/>
               <a:pPr/>
-              <a:t>11/09/2013</a:t>
+              <a:t>14/12/15</a:t>
             </a:fld>
             <a:endParaRPr lang="en-US"/>
           </a:p>
@@ -3457,7 +3462,7 @@
             <a:fld id="{68EFDCB5-6D71-EB44-9F0A-D3622F5F58F7}" type="datetimeFigureOut">
               <a:rPr lang="en-US" smtClean="0"/>
               <a:pPr/>
-              <a:t>11/09/2013</a:t>
+              <a:t>14/12/15</a:t>
             </a:fld>
             <a:endParaRPr lang="en-US"/>
           </a:p>
@@ -3672,7 +3677,7 @@
             <a:fld id="{68EFDCB5-6D71-EB44-9F0A-D3622F5F58F7}" type="datetimeFigureOut">
               <a:rPr lang="en-US" smtClean="0"/>
               <a:pPr/>
-              <a:t>11/09/2013</a:t>
+              <a:t>14/12/15</a:t>
             </a:fld>
             <a:endParaRPr lang="en-US"/>
           </a:p>
@@ -4083,43 +4088,61 @@
         </p:nvSpPr>
         <p:spPr>
           <a:xfrm>
-            <a:off x="1244600" y="4025900"/>
-            <a:ext cx="6654800" cy="1752600"/>
+            <a:off x="685801" y="4025900"/>
+            <a:ext cx="7772400" cy="1752600"/>
           </a:xfrm>
         </p:spPr>
         <p:txBody>
-          <a:bodyPr>
-            <a:normAutofit fontScale="92500" lnSpcReduction="10000"/>
+          <a:bodyPr anchor="b">
+            <a:normAutofit/>
           </a:bodyPr>
           <a:lstStyle/>
           <a:p>
             <a:r>
-              <a:rPr lang="en-US" sz="2600" dirty="0" smtClean="0"/>
-              <a:t>Graham Ritchie, EMBL-EBI &amp; Sanger Institute</a:t>
-            </a:r>
-          </a:p>
-          <a:p>
-            <a:r>
-              <a:rPr lang="en-US" sz="2600" dirty="0" smtClean="0"/>
-              <a:t>James Morris, Sanger Institute</a:t>
-            </a:r>
-          </a:p>
-          <a:p>
-            <a:r>
-              <a:rPr lang="en-US" sz="2600" smtClean="0"/>
-              <a:t>Inês</a:t>
-            </a:r>
-            <a:r>
-              <a:rPr lang="en-US" sz="2600" dirty="0" smtClean="0"/>
-              <a:t> de Santiago, CRUK</a:t>
-            </a:r>
-          </a:p>
-          <a:p>
-            <a:r>
-              <a:rPr lang="en-US" sz="2600" dirty="0" smtClean="0"/>
-              <a:t>Tom Carroll, CRUK </a:t>
-            </a:r>
-            <a:endParaRPr lang="en-US" sz="2600" dirty="0"/>
+              <a:rPr lang="en-US" sz="2000" dirty="0" smtClean="0"/>
+              <a:t>Gordon Brown</a:t>
+            </a:r>
+            <a:r>
+              <a:rPr lang="en-US" sz="2000" dirty="0"/>
+              <a:t>, CRUK Cambridge </a:t>
+            </a:r>
+            <a:r>
+              <a:rPr lang="en-US" sz="2000" dirty="0" smtClean="0"/>
+              <a:t>Institute</a:t>
+            </a:r>
+          </a:p>
+          <a:p>
+            <a:r>
+              <a:rPr lang="en-US" sz="2000" dirty="0"/>
+              <a:t>Henry </a:t>
+            </a:r>
+            <a:r>
+              <a:rPr lang="en-US" sz="2000" dirty="0" err="1" smtClean="0"/>
+              <a:t>Farmery</a:t>
+            </a:r>
+            <a:r>
+              <a:rPr lang="en-US" sz="2000" dirty="0" smtClean="0"/>
+              <a:t>, </a:t>
+            </a:r>
+            <a:r>
+              <a:rPr lang="en-US" sz="2000" dirty="0"/>
+              <a:t>CRUK Cambridge Institute</a:t>
+            </a:r>
+            <a:endParaRPr lang="en-US" sz="2000" dirty="0" smtClean="0"/>
+          </a:p>
+          <a:p>
+            <a:r>
+              <a:rPr lang="en-US" sz="2000" dirty="0" smtClean="0"/>
+              <a:t>Anne </a:t>
+            </a:r>
+            <a:r>
+              <a:rPr lang="en-US" sz="2000" dirty="0" err="1" smtClean="0"/>
+              <a:t>Pajon</a:t>
+            </a:r>
+            <a:r>
+              <a:rPr lang="en-US" sz="2000" dirty="0"/>
+              <a:t>, CRUK Cambridge Institute</a:t>
+            </a:r>
           </a:p>
         </p:txBody>
       </p:sp>
@@ -4143,408 +4166,7 @@
 </p:sld>
 </file>
 
-<file path=ppt/slides/slide2.xml><?xml version="1.0" encoding="utf-8"?>
-<p:sld xmlns:a="http://schemas.openxmlformats.org/drawingml/2006/main" xmlns:r="http://schemas.openxmlformats.org/officeDocument/2006/relationships" xmlns:p="http://schemas.openxmlformats.org/presentationml/2006/main">
-  <p:cSld>
-    <p:spTree>
-      <p:nvGrpSpPr>
-        <p:cNvPr id="1" name=""/>
-        <p:cNvGrpSpPr/>
-        <p:nvPr/>
-      </p:nvGrpSpPr>
-      <p:grpSpPr>
-        <a:xfrm>
-          <a:off x="0" y="0"/>
-          <a:ext cx="0" cy="0"/>
-          <a:chOff x="0" y="0"/>
-          <a:chExt cx="0" cy="0"/>
-        </a:xfrm>
-      </p:grpSpPr>
-      <p:sp>
-        <p:nvSpPr>
-          <p:cNvPr id="2" name="Title 1"/>
-          <p:cNvSpPr>
-            <a:spLocks noGrp="1"/>
-          </p:cNvSpPr>
-          <p:nvPr>
-            <p:ph type="title"/>
-          </p:nvPr>
-        </p:nvSpPr>
-        <p:spPr/>
-        <p:txBody>
-          <a:bodyPr/>
-          <a:lstStyle/>
-          <a:p>
-            <a:r>
-              <a:rPr lang="en-US" dirty="0" smtClean="0"/>
-              <a:t>This course</a:t>
-            </a:r>
-            <a:endParaRPr lang="en-US" dirty="0"/>
-          </a:p>
-        </p:txBody>
-      </p:sp>
-      <p:sp>
-        <p:nvSpPr>
-          <p:cNvPr id="3" name="Content Placeholder 2"/>
-          <p:cNvSpPr>
-            <a:spLocks noGrp="1"/>
-          </p:cNvSpPr>
-          <p:nvPr>
-            <p:ph idx="1"/>
-          </p:nvPr>
-        </p:nvSpPr>
-        <p:spPr/>
-        <p:txBody>
-          <a:bodyPr>
-            <a:normAutofit fontScale="92500" lnSpcReduction="20000"/>
-          </a:bodyPr>
-          <a:lstStyle/>
-          <a:p>
-            <a:pPr>
-              <a:spcAft>
-                <a:spcPts val="1200"/>
-              </a:spcAft>
-            </a:pPr>
-            <a:r>
-              <a:rPr lang="en-US" dirty="0" smtClean="0"/>
-              <a:t>Split into 4 sections introducing programming with the Python language and going into some biological examples</a:t>
-            </a:r>
-          </a:p>
-          <a:p>
-            <a:pPr>
-              <a:spcAft>
-                <a:spcPts val="1200"/>
-              </a:spcAft>
-            </a:pPr>
-            <a:r>
-              <a:rPr lang="en-US" dirty="0" smtClean="0"/>
-              <a:t>We’d like you to follow along with the example code as we go through the material, and attempt the exercises to practice what you’ve learned</a:t>
-            </a:r>
-          </a:p>
-          <a:p>
-            <a:pPr>
-              <a:spcAft>
-                <a:spcPts val="1200"/>
-              </a:spcAft>
-            </a:pPr>
-            <a:r>
-              <a:rPr lang="en-US" dirty="0" smtClean="0"/>
-              <a:t>Questions are welcome at any point!</a:t>
-            </a:r>
-          </a:p>
-          <a:p>
-            <a:pPr>
-              <a:spcAft>
-                <a:spcPts val="1200"/>
-              </a:spcAft>
-            </a:pPr>
-            <a:r>
-              <a:rPr lang="en-US" dirty="0" smtClean="0"/>
-              <a:t>If you have specific projects/problems you like to use Python for we are happy to (try to) help during the exercises</a:t>
-            </a:r>
-            <a:endParaRPr lang="en-US" dirty="0"/>
-          </a:p>
-        </p:txBody>
-      </p:sp>
-    </p:spTree>
-    <p:extLst>
-      <p:ext uri="{BB962C8B-B14F-4D97-AF65-F5344CB8AC3E}">
-        <p14:creationId xmlns:p14="http://schemas.microsoft.com/office/powerpoint/2010/main" val="1586397150"/>
-      </p:ext>
-    </p:extLst>
-  </p:cSld>
-  <p:clrMapOvr>
-    <a:masterClrMapping/>
-  </p:clrMapOvr>
-  <p:timing>
-    <p:tnLst>
-      <p:par>
-        <p:cTn xmlns:p14="http://schemas.microsoft.com/office/powerpoint/2010/main" id="1" dur="indefinite" restart="never" nodeType="tmRoot"/>
-      </p:par>
-    </p:tnLst>
-  </p:timing>
-</p:sld>
-</file>
-
-<file path=ppt/slides/slide3.xml><?xml version="1.0" encoding="utf-8"?>
-<p:sld xmlns:a="http://schemas.openxmlformats.org/drawingml/2006/main" xmlns:r="http://schemas.openxmlformats.org/officeDocument/2006/relationships" xmlns:p="http://schemas.openxmlformats.org/presentationml/2006/main">
-  <p:cSld>
-    <p:spTree>
-      <p:nvGrpSpPr>
-        <p:cNvPr id="1" name=""/>
-        <p:cNvGrpSpPr/>
-        <p:nvPr/>
-      </p:nvGrpSpPr>
-      <p:grpSpPr>
-        <a:xfrm>
-          <a:off x="0" y="0"/>
-          <a:ext cx="0" cy="0"/>
-          <a:chOff x="0" y="0"/>
-          <a:chExt cx="0" cy="0"/>
-        </a:xfrm>
-      </p:grpSpPr>
-      <p:sp>
-        <p:nvSpPr>
-          <p:cNvPr id="2" name="Title 1"/>
-          <p:cNvSpPr>
-            <a:spLocks noGrp="1"/>
-          </p:cNvSpPr>
-          <p:nvPr>
-            <p:ph type="title"/>
-          </p:nvPr>
-        </p:nvSpPr>
-        <p:spPr/>
-        <p:txBody>
-          <a:bodyPr/>
-          <a:lstStyle/>
-          <a:p>
-            <a:r>
-              <a:rPr lang="en-US" dirty="0" smtClean="0"/>
-              <a:t>Course structure</a:t>
-            </a:r>
-            <a:endParaRPr lang="en-US" dirty="0"/>
-          </a:p>
-        </p:txBody>
-      </p:sp>
-      <p:sp>
-        <p:nvSpPr>
-          <p:cNvPr id="3" name="Content Placeholder 2"/>
-          <p:cNvSpPr>
-            <a:spLocks noGrp="1"/>
-          </p:cNvSpPr>
-          <p:nvPr>
-            <p:ph idx="1"/>
-          </p:nvPr>
-        </p:nvSpPr>
-        <p:spPr/>
-        <p:txBody>
-          <a:bodyPr>
-            <a:normAutofit fontScale="92500" lnSpcReduction="20000"/>
-          </a:bodyPr>
-          <a:lstStyle/>
-          <a:p>
-            <a:pPr>
-              <a:spcAft>
-                <a:spcPts val="600"/>
-              </a:spcAft>
-            </a:pPr>
-            <a:r>
-              <a:rPr lang="en-US" dirty="0" smtClean="0"/>
-              <a:t>Day 1:</a:t>
-            </a:r>
-          </a:p>
-          <a:p>
-            <a:pPr lvl="1">
-              <a:spcAft>
-                <a:spcPts val="600"/>
-              </a:spcAft>
-            </a:pPr>
-            <a:r>
-              <a:rPr lang="en-US" dirty="0" smtClean="0"/>
-              <a:t>Morning: running the Python interpreter, variables and types, arithmetic, basic data structures</a:t>
-            </a:r>
-          </a:p>
-          <a:p>
-            <a:pPr lvl="1">
-              <a:spcAft>
-                <a:spcPts val="600"/>
-              </a:spcAft>
-            </a:pPr>
-            <a:r>
-              <a:rPr lang="en-US" dirty="0" smtClean="0"/>
-              <a:t>Afternoon: logic &amp; flow control, loops, exceptions, importing libraries</a:t>
-            </a:r>
-          </a:p>
-          <a:p>
-            <a:pPr>
-              <a:spcAft>
-                <a:spcPts val="600"/>
-              </a:spcAft>
-            </a:pPr>
-            <a:r>
-              <a:rPr lang="en-US" dirty="0" smtClean="0"/>
-              <a:t>Day 2:</a:t>
-            </a:r>
-          </a:p>
-          <a:p>
-            <a:pPr lvl="1">
-              <a:spcAft>
-                <a:spcPts val="600"/>
-              </a:spcAft>
-            </a:pPr>
-            <a:r>
-              <a:rPr lang="en-US" dirty="0" smtClean="0"/>
-              <a:t>Morning: custom functions, variable scope, some biological examples</a:t>
-            </a:r>
-          </a:p>
-          <a:p>
-            <a:pPr lvl="1">
-              <a:spcAft>
-                <a:spcPts val="600"/>
-              </a:spcAft>
-            </a:pPr>
-            <a:r>
-              <a:rPr lang="en-US" dirty="0" smtClean="0"/>
-              <a:t>Afternoon: dealing with files, parsing file formats, introduction to </a:t>
-            </a:r>
-            <a:r>
-              <a:rPr lang="en-US" dirty="0" err="1" smtClean="0"/>
-              <a:t>BioPython</a:t>
-            </a:r>
-            <a:endParaRPr lang="en-US" dirty="0" smtClean="0"/>
-          </a:p>
-          <a:p>
-            <a:pPr lvl="1"/>
-            <a:endParaRPr lang="en-US" dirty="0" smtClean="0"/>
-          </a:p>
-        </p:txBody>
-      </p:sp>
-    </p:spTree>
-    <p:extLst>
-      <p:ext uri="{BB962C8B-B14F-4D97-AF65-F5344CB8AC3E}">
-        <p14:creationId xmlns:p14="http://schemas.microsoft.com/office/powerpoint/2010/main" val="1462945205"/>
-      </p:ext>
-    </p:extLst>
-  </p:cSld>
-  <p:clrMapOvr>
-    <a:masterClrMapping/>
-  </p:clrMapOvr>
-  <p:timing>
-    <p:tnLst>
-      <p:par>
-        <p:cTn xmlns:p14="http://schemas.microsoft.com/office/powerpoint/2010/main" id="1" dur="indefinite" restart="never" nodeType="tmRoot"/>
-      </p:par>
-    </p:tnLst>
-  </p:timing>
-</p:sld>
-</file>
-
-<file path=ppt/slides/slide4.xml><?xml version="1.0" encoding="utf-8"?>
-<p:sld xmlns:a="http://schemas.openxmlformats.org/drawingml/2006/main" xmlns:r="http://schemas.openxmlformats.org/officeDocument/2006/relationships" xmlns:p="http://schemas.openxmlformats.org/presentationml/2006/main">
-  <p:cSld>
-    <p:spTree>
-      <p:nvGrpSpPr>
-        <p:cNvPr id="1" name=""/>
-        <p:cNvGrpSpPr/>
-        <p:nvPr/>
-      </p:nvGrpSpPr>
-      <p:grpSpPr>
-        <a:xfrm>
-          <a:off x="0" y="0"/>
-          <a:ext cx="0" cy="0"/>
-          <a:chOff x="0" y="0"/>
-          <a:chExt cx="0" cy="0"/>
-        </a:xfrm>
-      </p:grpSpPr>
-      <p:sp>
-        <p:nvSpPr>
-          <p:cNvPr id="2" name="Title 1"/>
-          <p:cNvSpPr>
-            <a:spLocks noGrp="1"/>
-          </p:cNvSpPr>
-          <p:nvPr>
-            <p:ph type="title"/>
-          </p:nvPr>
-        </p:nvSpPr>
-        <p:spPr/>
-        <p:txBody>
-          <a:bodyPr/>
-          <a:lstStyle/>
-          <a:p>
-            <a:r>
-              <a:rPr lang="en-US" dirty="0" smtClean="0"/>
-              <a:t>Materials</a:t>
-            </a:r>
-            <a:endParaRPr lang="en-US" dirty="0"/>
-          </a:p>
-        </p:txBody>
-      </p:sp>
-      <p:sp>
-        <p:nvSpPr>
-          <p:cNvPr id="3" name="Content Placeholder 2"/>
-          <p:cNvSpPr>
-            <a:spLocks noGrp="1"/>
-          </p:cNvSpPr>
-          <p:nvPr>
-            <p:ph idx="1"/>
-          </p:nvPr>
-        </p:nvSpPr>
-        <p:spPr/>
-        <p:txBody>
-          <a:bodyPr>
-            <a:normAutofit/>
-          </a:bodyPr>
-          <a:lstStyle/>
-          <a:p>
-            <a:pPr>
-              <a:spcAft>
-                <a:spcPts val="600"/>
-              </a:spcAft>
-            </a:pPr>
-            <a:r>
-              <a:rPr lang="en-US" dirty="0" smtClean="0"/>
-              <a:t>There is a course webpage with links to the materials, example solutions to the exercises etc.:</a:t>
-            </a:r>
-          </a:p>
-          <a:p>
-            <a:pPr lvl="1">
-              <a:spcAft>
-                <a:spcPts val="600"/>
-              </a:spcAft>
-            </a:pPr>
-            <a:r>
-              <a:rPr lang="en-US" sz="3200" dirty="0" smtClean="0">
-                <a:hlinkClick r:id="rId3"/>
-              </a:rPr>
-              <a:t>http://pycam.github.io</a:t>
-            </a:r>
-            <a:endParaRPr lang="en-US" sz="3200" dirty="0" smtClean="0"/>
-          </a:p>
-          <a:p>
-            <a:pPr>
-              <a:spcAft>
-                <a:spcPts val="600"/>
-              </a:spcAft>
-            </a:pPr>
-            <a:r>
-              <a:rPr lang="en-US" dirty="0" smtClean="0"/>
-              <a:t>You are encouraged to follow along with the materials</a:t>
-            </a:r>
-          </a:p>
-          <a:p>
-            <a:pPr>
-              <a:spcAft>
-                <a:spcPts val="600"/>
-              </a:spcAft>
-            </a:pPr>
-            <a:r>
-              <a:rPr lang="en-US" dirty="0" smtClean="0"/>
-              <a:t>NB: this material is still in development, feedback is welcome!</a:t>
-            </a:r>
-          </a:p>
-        </p:txBody>
-      </p:sp>
-    </p:spTree>
-    <p:extLst>
-      <p:ext uri="{BB962C8B-B14F-4D97-AF65-F5344CB8AC3E}">
-        <p14:creationId xmlns:p14="http://schemas.microsoft.com/office/powerpoint/2010/main" val="2325491196"/>
-      </p:ext>
-    </p:extLst>
-  </p:cSld>
-  <p:clrMapOvr>
-    <a:masterClrMapping/>
-  </p:clrMapOvr>
-  <p:timing>
-    <p:tnLst>
-      <p:par>
-        <p:cTn xmlns:p14="http://schemas.microsoft.com/office/powerpoint/2010/main" id="1" dur="indefinite" restart="never" nodeType="tmRoot"/>
-      </p:par>
-    </p:tnLst>
-  </p:timing>
-</p:sld>
-</file>
-
-<file path=ppt/slides/slide5.xml><?xml version="1.0" encoding="utf-8"?>
+<file path=ppt/slides/slide10.xml><?xml version="1.0" encoding="utf-8"?>
 <p:sld xmlns:a="http://schemas.openxmlformats.org/drawingml/2006/main" xmlns:r="http://schemas.openxmlformats.org/officeDocument/2006/relationships" xmlns:p="http://schemas.openxmlformats.org/presentationml/2006/main">
   <p:cSld>
     <p:spTree>
@@ -5798,7 +5420,7 @@
 </p:sld>
 </file>
 
-<file path=ppt/slides/slide6.xml><?xml version="1.0" encoding="utf-8"?>
+<file path=ppt/slides/slide11.xml><?xml version="1.0" encoding="utf-8"?>
 <p:sld xmlns:a="http://schemas.openxmlformats.org/drawingml/2006/main" xmlns:r="http://schemas.openxmlformats.org/officeDocument/2006/relationships" xmlns:p="http://schemas.openxmlformats.org/presentationml/2006/main">
   <p:cSld>
     <p:spTree>
@@ -7392,7 +7014,7 @@
 </p:sld>
 </file>
 
-<file path=ppt/slides/slide7.xml><?xml version="1.0" encoding="utf-8"?>
+<file path=ppt/slides/slide12.xml><?xml version="1.0" encoding="utf-8"?>
 <p:sld xmlns:a="http://schemas.openxmlformats.org/drawingml/2006/main" xmlns:r="http://schemas.openxmlformats.org/officeDocument/2006/relationships" xmlns:p="http://schemas.openxmlformats.org/presentationml/2006/main">
   <p:cSld>
     <p:spTree>
@@ -8330,7 +7952,7 @@
 </p:sld>
 </file>
 
-<file path=ppt/slides/slide8.xml><?xml version="1.0" encoding="utf-8"?>
+<file path=ppt/slides/slide13.xml><?xml version="1.0" encoding="utf-8"?>
 <p:sld xmlns:a="http://schemas.openxmlformats.org/drawingml/2006/main" xmlns:r="http://schemas.openxmlformats.org/officeDocument/2006/relationships" xmlns:p="http://schemas.openxmlformats.org/presentationml/2006/main">
   <p:cSld>
     <p:spTree>
@@ -9253,6 +8875,1127 @@
 </p:sld>
 </file>
 
+<file path=ppt/slides/slide2.xml><?xml version="1.0" encoding="utf-8"?>
+<p:sld xmlns:a="http://schemas.openxmlformats.org/drawingml/2006/main" xmlns:r="http://schemas.openxmlformats.org/officeDocument/2006/relationships" xmlns:p="http://schemas.openxmlformats.org/presentationml/2006/main">
+  <p:cSld>
+    <p:spTree>
+      <p:nvGrpSpPr>
+        <p:cNvPr id="1" name=""/>
+        <p:cNvGrpSpPr/>
+        <p:nvPr/>
+      </p:nvGrpSpPr>
+      <p:grpSpPr>
+        <a:xfrm>
+          <a:off x="0" y="0"/>
+          <a:ext cx="0" cy="0"/>
+          <a:chOff x="0" y="0"/>
+          <a:chExt cx="0" cy="0"/>
+        </a:xfrm>
+      </p:grpSpPr>
+      <p:sp>
+        <p:nvSpPr>
+          <p:cNvPr id="2" name="Title 1"/>
+          <p:cNvSpPr>
+            <a:spLocks noGrp="1"/>
+          </p:cNvSpPr>
+          <p:nvPr>
+            <p:ph type="title"/>
+          </p:nvPr>
+        </p:nvSpPr>
+        <p:spPr/>
+        <p:txBody>
+          <a:bodyPr/>
+          <a:lstStyle/>
+          <a:p>
+            <a:r>
+              <a:rPr lang="en-US" dirty="0" smtClean="0"/>
+              <a:t>This course</a:t>
+            </a:r>
+            <a:endParaRPr lang="en-US" dirty="0"/>
+          </a:p>
+        </p:txBody>
+      </p:sp>
+      <p:sp>
+        <p:nvSpPr>
+          <p:cNvPr id="3" name="Content Placeholder 2"/>
+          <p:cNvSpPr>
+            <a:spLocks noGrp="1"/>
+          </p:cNvSpPr>
+          <p:nvPr>
+            <p:ph idx="1"/>
+          </p:nvPr>
+        </p:nvSpPr>
+        <p:spPr/>
+        <p:txBody>
+          <a:bodyPr>
+            <a:normAutofit fontScale="92500" lnSpcReduction="20000"/>
+          </a:bodyPr>
+          <a:lstStyle/>
+          <a:p>
+            <a:pPr>
+              <a:spcAft>
+                <a:spcPts val="1200"/>
+              </a:spcAft>
+            </a:pPr>
+            <a:r>
+              <a:rPr lang="en-US" dirty="0" smtClean="0"/>
+              <a:t>Split into 4 sections introducing programming with the Python language and going into some biological examples</a:t>
+            </a:r>
+          </a:p>
+          <a:p>
+            <a:pPr>
+              <a:spcAft>
+                <a:spcPts val="1200"/>
+              </a:spcAft>
+            </a:pPr>
+            <a:r>
+              <a:rPr lang="en-US" dirty="0" smtClean="0"/>
+              <a:t>We’d like you to follow along with the example code as we go through the material, and attempt the exercises to practice what you’ve learned</a:t>
+            </a:r>
+          </a:p>
+          <a:p>
+            <a:pPr>
+              <a:spcAft>
+                <a:spcPts val="1200"/>
+              </a:spcAft>
+            </a:pPr>
+            <a:r>
+              <a:rPr lang="en-US" dirty="0" smtClean="0"/>
+              <a:t>Questions are welcome at any point!</a:t>
+            </a:r>
+          </a:p>
+          <a:p>
+            <a:pPr>
+              <a:spcAft>
+                <a:spcPts val="1200"/>
+              </a:spcAft>
+            </a:pPr>
+            <a:r>
+              <a:rPr lang="en-US" dirty="0" smtClean="0"/>
+              <a:t>If you have specific projects/problems you like to use Python for we are happy to (try to) help during the exercises</a:t>
+            </a:r>
+            <a:endParaRPr lang="en-US" dirty="0"/>
+          </a:p>
+        </p:txBody>
+      </p:sp>
+    </p:spTree>
+    <p:extLst>
+      <p:ext uri="{BB962C8B-B14F-4D97-AF65-F5344CB8AC3E}">
+        <p14:creationId xmlns:p14="http://schemas.microsoft.com/office/powerpoint/2010/main" val="1586397150"/>
+      </p:ext>
+    </p:extLst>
+  </p:cSld>
+  <p:clrMapOvr>
+    <a:masterClrMapping/>
+  </p:clrMapOvr>
+  <p:timing>
+    <p:tnLst>
+      <p:par>
+        <p:cTn xmlns:p14="http://schemas.microsoft.com/office/powerpoint/2010/main" id="1" dur="indefinite" restart="never" nodeType="tmRoot"/>
+      </p:par>
+    </p:tnLst>
+  </p:timing>
+</p:sld>
+</file>
+
+<file path=ppt/slides/slide3.xml><?xml version="1.0" encoding="utf-8"?>
+<p:sld xmlns:a="http://schemas.openxmlformats.org/drawingml/2006/main" xmlns:r="http://schemas.openxmlformats.org/officeDocument/2006/relationships" xmlns:p="http://schemas.openxmlformats.org/presentationml/2006/main">
+  <p:cSld>
+    <p:spTree>
+      <p:nvGrpSpPr>
+        <p:cNvPr id="1" name=""/>
+        <p:cNvGrpSpPr/>
+        <p:nvPr/>
+      </p:nvGrpSpPr>
+      <p:grpSpPr>
+        <a:xfrm>
+          <a:off x="0" y="0"/>
+          <a:ext cx="0" cy="0"/>
+          <a:chOff x="0" y="0"/>
+          <a:chExt cx="0" cy="0"/>
+        </a:xfrm>
+      </p:grpSpPr>
+      <p:sp>
+        <p:nvSpPr>
+          <p:cNvPr id="2" name="Title 1"/>
+          <p:cNvSpPr>
+            <a:spLocks noGrp="1"/>
+          </p:cNvSpPr>
+          <p:nvPr>
+            <p:ph type="title"/>
+          </p:nvPr>
+        </p:nvSpPr>
+        <p:spPr/>
+        <p:txBody>
+          <a:bodyPr/>
+          <a:lstStyle/>
+          <a:p>
+            <a:r>
+              <a:rPr lang="en-US" dirty="0" smtClean="0"/>
+              <a:t>Course structure</a:t>
+            </a:r>
+            <a:endParaRPr lang="en-US" dirty="0"/>
+          </a:p>
+        </p:txBody>
+      </p:sp>
+      <p:sp>
+        <p:nvSpPr>
+          <p:cNvPr id="3" name="Content Placeholder 2"/>
+          <p:cNvSpPr>
+            <a:spLocks noGrp="1"/>
+          </p:cNvSpPr>
+          <p:nvPr>
+            <p:ph idx="1"/>
+          </p:nvPr>
+        </p:nvSpPr>
+        <p:spPr/>
+        <p:txBody>
+          <a:bodyPr>
+            <a:normAutofit fontScale="92500" lnSpcReduction="20000"/>
+          </a:bodyPr>
+          <a:lstStyle/>
+          <a:p>
+            <a:pPr>
+              <a:spcAft>
+                <a:spcPts val="600"/>
+              </a:spcAft>
+            </a:pPr>
+            <a:r>
+              <a:rPr lang="en-US" dirty="0" smtClean="0"/>
+              <a:t>Day 1:</a:t>
+            </a:r>
+          </a:p>
+          <a:p>
+            <a:pPr lvl="1">
+              <a:spcAft>
+                <a:spcPts val="600"/>
+              </a:spcAft>
+            </a:pPr>
+            <a:r>
+              <a:rPr lang="en-US" dirty="0" smtClean="0"/>
+              <a:t>Morning: running the Python interpreter, variables and types, arithmetic, basic data structures</a:t>
+            </a:r>
+          </a:p>
+          <a:p>
+            <a:pPr lvl="1">
+              <a:spcAft>
+                <a:spcPts val="600"/>
+              </a:spcAft>
+            </a:pPr>
+            <a:r>
+              <a:rPr lang="en-US" dirty="0" smtClean="0"/>
+              <a:t>Afternoon: logic &amp; flow control, loops, exceptions, importing libraries</a:t>
+            </a:r>
+          </a:p>
+          <a:p>
+            <a:pPr>
+              <a:spcAft>
+                <a:spcPts val="600"/>
+              </a:spcAft>
+            </a:pPr>
+            <a:r>
+              <a:rPr lang="en-US" dirty="0" smtClean="0"/>
+              <a:t>Day 2:</a:t>
+            </a:r>
+          </a:p>
+          <a:p>
+            <a:pPr lvl="1">
+              <a:spcAft>
+                <a:spcPts val="600"/>
+              </a:spcAft>
+            </a:pPr>
+            <a:r>
+              <a:rPr lang="en-US" dirty="0" smtClean="0"/>
+              <a:t>Morning: custom functions, variable scope, some biological examples</a:t>
+            </a:r>
+          </a:p>
+          <a:p>
+            <a:pPr lvl="1">
+              <a:spcAft>
+                <a:spcPts val="600"/>
+              </a:spcAft>
+            </a:pPr>
+            <a:r>
+              <a:rPr lang="en-US" dirty="0" smtClean="0"/>
+              <a:t>Afternoon: dealing with files, parsing file formats, introduction to </a:t>
+            </a:r>
+            <a:r>
+              <a:rPr lang="en-US" dirty="0" err="1" smtClean="0"/>
+              <a:t>BioPython</a:t>
+            </a:r>
+            <a:endParaRPr lang="en-US" dirty="0" smtClean="0"/>
+          </a:p>
+          <a:p>
+            <a:pPr lvl="1"/>
+            <a:endParaRPr lang="en-US" dirty="0" smtClean="0"/>
+          </a:p>
+        </p:txBody>
+      </p:sp>
+    </p:spTree>
+    <p:extLst>
+      <p:ext uri="{BB962C8B-B14F-4D97-AF65-F5344CB8AC3E}">
+        <p14:creationId xmlns:p14="http://schemas.microsoft.com/office/powerpoint/2010/main" val="1462945205"/>
+      </p:ext>
+    </p:extLst>
+  </p:cSld>
+  <p:clrMapOvr>
+    <a:masterClrMapping/>
+  </p:clrMapOvr>
+  <p:timing>
+    <p:tnLst>
+      <p:par>
+        <p:cTn xmlns:p14="http://schemas.microsoft.com/office/powerpoint/2010/main" id="1" dur="indefinite" restart="never" nodeType="tmRoot"/>
+      </p:par>
+    </p:tnLst>
+  </p:timing>
+</p:sld>
+</file>
+
+<file path=ppt/slides/slide4.xml><?xml version="1.0" encoding="utf-8"?>
+<p:sld xmlns:a="http://schemas.openxmlformats.org/drawingml/2006/main" xmlns:r="http://schemas.openxmlformats.org/officeDocument/2006/relationships" xmlns:p="http://schemas.openxmlformats.org/presentationml/2006/main">
+  <p:cSld>
+    <p:spTree>
+      <p:nvGrpSpPr>
+        <p:cNvPr id="1" name=""/>
+        <p:cNvGrpSpPr/>
+        <p:nvPr/>
+      </p:nvGrpSpPr>
+      <p:grpSpPr>
+        <a:xfrm>
+          <a:off x="0" y="0"/>
+          <a:ext cx="0" cy="0"/>
+          <a:chOff x="0" y="0"/>
+          <a:chExt cx="0" cy="0"/>
+        </a:xfrm>
+      </p:grpSpPr>
+      <p:sp>
+        <p:nvSpPr>
+          <p:cNvPr id="2" name="Title 1"/>
+          <p:cNvSpPr>
+            <a:spLocks noGrp="1"/>
+          </p:cNvSpPr>
+          <p:nvPr>
+            <p:ph type="title"/>
+          </p:nvPr>
+        </p:nvSpPr>
+        <p:spPr/>
+        <p:txBody>
+          <a:bodyPr/>
+          <a:lstStyle/>
+          <a:p>
+            <a:r>
+              <a:rPr lang="en-US" dirty="0" smtClean="0"/>
+              <a:t>Materials</a:t>
+            </a:r>
+            <a:endParaRPr lang="en-US" dirty="0"/>
+          </a:p>
+        </p:txBody>
+      </p:sp>
+      <p:sp>
+        <p:nvSpPr>
+          <p:cNvPr id="3" name="Content Placeholder 2"/>
+          <p:cNvSpPr>
+            <a:spLocks noGrp="1"/>
+          </p:cNvSpPr>
+          <p:nvPr>
+            <p:ph idx="1"/>
+          </p:nvPr>
+        </p:nvSpPr>
+        <p:spPr/>
+        <p:txBody>
+          <a:bodyPr>
+            <a:normAutofit/>
+          </a:bodyPr>
+          <a:lstStyle/>
+          <a:p>
+            <a:pPr>
+              <a:spcAft>
+                <a:spcPts val="600"/>
+              </a:spcAft>
+            </a:pPr>
+            <a:r>
+              <a:rPr lang="en-US" dirty="0" smtClean="0"/>
+              <a:t>There is a course webpage with links to the materials, example solutions to the exercises etc.:</a:t>
+            </a:r>
+          </a:p>
+          <a:p>
+            <a:pPr lvl="1">
+              <a:spcAft>
+                <a:spcPts val="600"/>
+              </a:spcAft>
+            </a:pPr>
+            <a:r>
+              <a:rPr lang="en-US" sz="3200" dirty="0" smtClean="0">
+                <a:hlinkClick r:id="rId3"/>
+              </a:rPr>
+              <a:t>http://pycam.github.io</a:t>
+            </a:r>
+            <a:endParaRPr lang="en-US" sz="3200" dirty="0" smtClean="0"/>
+          </a:p>
+          <a:p>
+            <a:pPr>
+              <a:spcAft>
+                <a:spcPts val="600"/>
+              </a:spcAft>
+            </a:pPr>
+            <a:r>
+              <a:rPr lang="en-US" dirty="0" smtClean="0"/>
+              <a:t>You are encouraged to follow along with the materials</a:t>
+            </a:r>
+          </a:p>
+        </p:txBody>
+      </p:sp>
+    </p:spTree>
+    <p:extLst>
+      <p:ext uri="{BB962C8B-B14F-4D97-AF65-F5344CB8AC3E}">
+        <p14:creationId xmlns:p14="http://schemas.microsoft.com/office/powerpoint/2010/main" val="2325491196"/>
+      </p:ext>
+    </p:extLst>
+  </p:cSld>
+  <p:clrMapOvr>
+    <a:masterClrMapping/>
+  </p:clrMapOvr>
+  <p:timing>
+    <p:tnLst>
+      <p:par>
+        <p:cTn xmlns:p14="http://schemas.microsoft.com/office/powerpoint/2010/main" id="1" dur="indefinite" restart="never" nodeType="tmRoot"/>
+      </p:par>
+    </p:tnLst>
+  </p:timing>
+</p:sld>
+</file>
+
+<file path=ppt/slides/slide5.xml><?xml version="1.0" encoding="utf-8"?>
+<p:sld xmlns:a="http://schemas.openxmlformats.org/drawingml/2006/main" xmlns:r="http://schemas.openxmlformats.org/officeDocument/2006/relationships" xmlns:p="http://schemas.openxmlformats.org/presentationml/2006/main">
+  <p:cSld>
+    <p:spTree>
+      <p:nvGrpSpPr>
+        <p:cNvPr id="1" name=""/>
+        <p:cNvGrpSpPr/>
+        <p:nvPr/>
+      </p:nvGrpSpPr>
+      <p:grpSpPr>
+        <a:xfrm>
+          <a:off x="0" y="0"/>
+          <a:ext cx="0" cy="0"/>
+          <a:chOff x="0" y="0"/>
+          <a:chExt cx="0" cy="0"/>
+        </a:xfrm>
+      </p:grpSpPr>
+      <p:sp>
+        <p:nvSpPr>
+          <p:cNvPr id="4" name="Title 3"/>
+          <p:cNvSpPr>
+            <a:spLocks noGrp="1"/>
+          </p:cNvSpPr>
+          <p:nvPr>
+            <p:ph type="title"/>
+          </p:nvPr>
+        </p:nvSpPr>
+        <p:spPr/>
+        <p:txBody>
+          <a:bodyPr/>
+          <a:lstStyle/>
+          <a:p>
+            <a:r>
+              <a:rPr lang="en-US" dirty="0" smtClean="0"/>
+              <a:t>Getting started</a:t>
+            </a:r>
+            <a:endParaRPr lang="en-US" dirty="0"/>
+          </a:p>
+        </p:txBody>
+      </p:sp>
+      <p:sp>
+        <p:nvSpPr>
+          <p:cNvPr id="5" name="Content Placeholder 4"/>
+          <p:cNvSpPr>
+            <a:spLocks noGrp="1"/>
+          </p:cNvSpPr>
+          <p:nvPr>
+            <p:ph idx="1"/>
+          </p:nvPr>
+        </p:nvSpPr>
+        <p:spPr/>
+        <p:txBody>
+          <a:bodyPr/>
+          <a:lstStyle/>
+          <a:p>
+            <a:r>
+              <a:rPr lang="en-US" dirty="0" smtClean="0"/>
+              <a:t>Python is an interpreted language, this means that your computer does not run Python code natively, but instead we run our code using the Python interpreter</a:t>
+            </a:r>
+          </a:p>
+          <a:p>
+            <a:r>
+              <a:rPr lang="en-US" dirty="0" smtClean="0"/>
+              <a:t>2 ways to run Python code</a:t>
+            </a:r>
+          </a:p>
+          <a:p>
+            <a:pPr lvl="1"/>
+            <a:r>
+              <a:rPr lang="en-US" dirty="0" smtClean="0"/>
+              <a:t>Directly typing commands into the interpreter</a:t>
+            </a:r>
+          </a:p>
+          <a:p>
+            <a:pPr lvl="1"/>
+            <a:r>
+              <a:rPr lang="en-US" dirty="0" smtClean="0"/>
+              <a:t>Typing code into a file and telling the interpreter to run the code from this file</a:t>
+            </a:r>
+            <a:endParaRPr lang="en-US" dirty="0"/>
+          </a:p>
+        </p:txBody>
+      </p:sp>
+    </p:spTree>
+    <p:extLst>
+      <p:ext uri="{BB962C8B-B14F-4D97-AF65-F5344CB8AC3E}">
+        <p14:creationId xmlns:p14="http://schemas.microsoft.com/office/powerpoint/2010/main" val="1758431957"/>
+      </p:ext>
+    </p:extLst>
+  </p:cSld>
+  <p:clrMapOvr>
+    <a:masterClrMapping/>
+  </p:clrMapOvr>
+</p:sld>
+</file>
+
+<file path=ppt/slides/slide6.xml><?xml version="1.0" encoding="utf-8"?>
+<p:sld xmlns:a="http://schemas.openxmlformats.org/drawingml/2006/main" xmlns:r="http://schemas.openxmlformats.org/officeDocument/2006/relationships" xmlns:p="http://schemas.openxmlformats.org/presentationml/2006/main">
+  <p:cSld>
+    <p:spTree>
+      <p:nvGrpSpPr>
+        <p:cNvPr id="1" name=""/>
+        <p:cNvGrpSpPr/>
+        <p:nvPr/>
+      </p:nvGrpSpPr>
+      <p:grpSpPr>
+        <a:xfrm>
+          <a:off x="0" y="0"/>
+          <a:ext cx="0" cy="0"/>
+          <a:chOff x="0" y="0"/>
+          <a:chExt cx="0" cy="0"/>
+        </a:xfrm>
+      </p:grpSpPr>
+      <p:sp>
+        <p:nvSpPr>
+          <p:cNvPr id="2" name="Title 1"/>
+          <p:cNvSpPr>
+            <a:spLocks noGrp="1"/>
+          </p:cNvSpPr>
+          <p:nvPr>
+            <p:ph type="title"/>
+          </p:nvPr>
+        </p:nvSpPr>
+        <p:spPr/>
+        <p:txBody>
+          <a:bodyPr>
+            <a:normAutofit fontScale="90000"/>
+          </a:bodyPr>
+          <a:lstStyle/>
+          <a:p>
+            <a:r>
+              <a:rPr lang="en-US" dirty="0" smtClean="0"/>
+              <a:t>How to start the Python interpreter?</a:t>
+            </a:r>
+            <a:endParaRPr lang="en-US" dirty="0"/>
+          </a:p>
+        </p:txBody>
+      </p:sp>
+      <p:sp>
+        <p:nvSpPr>
+          <p:cNvPr id="3" name="Content Placeholder 2"/>
+          <p:cNvSpPr>
+            <a:spLocks noGrp="1"/>
+          </p:cNvSpPr>
+          <p:nvPr>
+            <p:ph idx="1"/>
+          </p:nvPr>
+        </p:nvSpPr>
+        <p:spPr/>
+        <p:txBody>
+          <a:bodyPr/>
+          <a:lstStyle/>
+          <a:p>
+            <a:r>
+              <a:rPr lang="en-US" dirty="0" smtClean="0"/>
+              <a:t>Start a terminal and just type the command </a:t>
+            </a:r>
+            <a:r>
+              <a:rPr lang="en-US" dirty="0" smtClean="0">
+                <a:latin typeface="Courier"/>
+                <a:cs typeface="Courier"/>
+              </a:rPr>
+              <a:t>python</a:t>
+            </a:r>
+            <a:r>
+              <a:rPr lang="en-US" dirty="0" smtClean="0"/>
+              <a:t> in it (on a Mac or Linux machine)</a:t>
+            </a:r>
+          </a:p>
+          <a:p>
+            <a:r>
+              <a:rPr lang="en-US" dirty="0" smtClean="0"/>
+              <a:t>This will print out some information about your installation of python and then leave you with a command prompt which looks like &gt;&gt;&gt; </a:t>
+            </a:r>
+          </a:p>
+          <a:p>
+            <a:r>
+              <a:rPr lang="en-US" dirty="0" smtClean="0"/>
+              <a:t>If you want to exit the interactive interpreter you can type the command </a:t>
+            </a:r>
+            <a:r>
+              <a:rPr lang="en-US" dirty="0" smtClean="0">
+                <a:latin typeface="Courier"/>
+                <a:cs typeface="Courier"/>
+              </a:rPr>
+              <a:t>quit()</a:t>
+            </a:r>
+            <a:r>
+              <a:rPr lang="en-US" dirty="0" smtClean="0"/>
+              <a:t> or type Ctrl-D</a:t>
+            </a:r>
+            <a:endParaRPr lang="en-US" dirty="0"/>
+          </a:p>
+        </p:txBody>
+      </p:sp>
+    </p:spTree>
+    <p:extLst>
+      <p:ext uri="{BB962C8B-B14F-4D97-AF65-F5344CB8AC3E}">
+        <p14:creationId xmlns:p14="http://schemas.microsoft.com/office/powerpoint/2010/main" val="2131241861"/>
+      </p:ext>
+    </p:extLst>
+  </p:cSld>
+  <p:clrMapOvr>
+    <a:masterClrMapping/>
+  </p:clrMapOvr>
+</p:sld>
+</file>
+
+<file path=ppt/slides/slide7.xml><?xml version="1.0" encoding="utf-8"?>
+<p:sld xmlns:a="http://schemas.openxmlformats.org/drawingml/2006/main" xmlns:r="http://schemas.openxmlformats.org/officeDocument/2006/relationships" xmlns:p="http://schemas.openxmlformats.org/presentationml/2006/main">
+  <p:cSld>
+    <p:spTree>
+      <p:nvGrpSpPr>
+        <p:cNvPr id="1" name=""/>
+        <p:cNvGrpSpPr/>
+        <p:nvPr/>
+      </p:nvGrpSpPr>
+      <p:grpSpPr>
+        <a:xfrm>
+          <a:off x="0" y="0"/>
+          <a:ext cx="0" cy="0"/>
+          <a:chOff x="0" y="0"/>
+          <a:chExt cx="0" cy="0"/>
+        </a:xfrm>
+      </p:grpSpPr>
+      <p:pic>
+        <p:nvPicPr>
+          <p:cNvPr id="4" name="Picture 3" descr="Screen Shot 2015-04-29 at 17.29.25.png"/>
+          <p:cNvPicPr>
+            <a:picLocks noChangeAspect="1"/>
+          </p:cNvPicPr>
+          <p:nvPr/>
+        </p:nvPicPr>
+        <p:blipFill>
+          <a:blip r:embed="rId2">
+            <a:extLst>
+              <a:ext uri="{28A0092B-C50C-407E-A947-70E740481C1C}">
+                <a14:useLocalDpi xmlns:a14="http://schemas.microsoft.com/office/drawing/2010/main" val="0"/>
+              </a:ext>
+            </a:extLst>
+          </a:blip>
+          <a:stretch>
+            <a:fillRect/>
+          </a:stretch>
+        </p:blipFill>
+        <p:spPr>
+          <a:xfrm>
+            <a:off x="-51378" y="0"/>
+            <a:ext cx="9195378" cy="6819044"/>
+          </a:xfrm>
+          <a:prstGeom prst="rect">
+            <a:avLst/>
+          </a:prstGeom>
+        </p:spPr>
+      </p:pic>
+    </p:spTree>
+    <p:extLst>
+      <p:ext uri="{BB962C8B-B14F-4D97-AF65-F5344CB8AC3E}">
+        <p14:creationId xmlns:p14="http://schemas.microsoft.com/office/powerpoint/2010/main" val="3175204205"/>
+      </p:ext>
+    </p:extLst>
+  </p:cSld>
+  <p:clrMapOvr>
+    <a:masterClrMapping/>
+  </p:clrMapOvr>
+</p:sld>
+</file>
+
+<file path=ppt/slides/slide8.xml><?xml version="1.0" encoding="utf-8"?>
+<p:sld xmlns:a="http://schemas.openxmlformats.org/drawingml/2006/main" xmlns:r="http://schemas.openxmlformats.org/officeDocument/2006/relationships" xmlns:p="http://schemas.openxmlformats.org/presentationml/2006/main">
+  <p:cSld>
+    <p:spTree>
+      <p:nvGrpSpPr>
+        <p:cNvPr id="1" name=""/>
+        <p:cNvGrpSpPr/>
+        <p:nvPr/>
+      </p:nvGrpSpPr>
+      <p:grpSpPr>
+        <a:xfrm>
+          <a:off x="0" y="0"/>
+          <a:ext cx="0" cy="0"/>
+          <a:chOff x="0" y="0"/>
+          <a:chExt cx="0" cy="0"/>
+        </a:xfrm>
+      </p:grpSpPr>
+      <p:pic>
+        <p:nvPicPr>
+          <p:cNvPr id="3" name="Picture 2"/>
+          <p:cNvPicPr>
+            <a:picLocks noChangeAspect="1"/>
+          </p:cNvPicPr>
+          <p:nvPr/>
+        </p:nvPicPr>
+        <p:blipFill>
+          <a:blip r:embed="rId2"/>
+          <a:stretch>
+            <a:fillRect/>
+          </a:stretch>
+        </p:blipFill>
+        <p:spPr>
+          <a:xfrm>
+            <a:off x="182740" y="356784"/>
+            <a:ext cx="6604000" cy="850900"/>
+          </a:xfrm>
+          <a:prstGeom prst="rect">
+            <a:avLst/>
+          </a:prstGeom>
+        </p:spPr>
+      </p:pic>
+      <p:pic>
+        <p:nvPicPr>
+          <p:cNvPr id="4" name="Picture 3" descr="Screen Shot 2015-04-29 at 17.37.33.png"/>
+          <p:cNvPicPr>
+            <a:picLocks noChangeAspect="1"/>
+          </p:cNvPicPr>
+          <p:nvPr/>
+        </p:nvPicPr>
+        <p:blipFill>
+          <a:blip r:embed="rId3">
+            <a:extLst>
+              <a:ext uri="{28A0092B-C50C-407E-A947-70E740481C1C}">
+                <a14:useLocalDpi xmlns:a14="http://schemas.microsoft.com/office/drawing/2010/main" val="0"/>
+              </a:ext>
+            </a:extLst>
+          </a:blip>
+          <a:stretch>
+            <a:fillRect/>
+          </a:stretch>
+        </p:blipFill>
+        <p:spPr>
+          <a:xfrm>
+            <a:off x="7741672" y="164455"/>
+            <a:ext cx="1155625" cy="1225205"/>
+          </a:xfrm>
+          <a:prstGeom prst="rect">
+            <a:avLst/>
+          </a:prstGeom>
+        </p:spPr>
+      </p:pic>
+      <p:sp>
+        <p:nvSpPr>
+          <p:cNvPr id="11" name="Content Placeholder 2"/>
+          <p:cNvSpPr txBox="1">
+            <a:spLocks/>
+          </p:cNvSpPr>
+          <p:nvPr/>
+        </p:nvSpPr>
+        <p:spPr>
+          <a:xfrm>
+            <a:off x="457200" y="1600200"/>
+            <a:ext cx="8229600" cy="4525963"/>
+          </a:xfrm>
+          <a:prstGeom prst="rect">
+            <a:avLst/>
+          </a:prstGeom>
+        </p:spPr>
+        <p:txBody>
+          <a:bodyPr>
+            <a:normAutofit fontScale="85000" lnSpcReduction="20000"/>
+          </a:bodyPr>
+          <a:lstStyle>
+            <a:lvl1pPr marL="342900" indent="-342900" algn="l" defTabSz="457200" rtl="0" eaLnBrk="1" latinLnBrk="0" hangingPunct="1">
+              <a:spcBef>
+                <a:spcPct val="20000"/>
+              </a:spcBef>
+              <a:buFont typeface="Arial"/>
+              <a:buChar char="•"/>
+              <a:defRPr sz="3200" kern="1200">
+                <a:solidFill>
+                  <a:schemeClr val="tx1"/>
+                </a:solidFill>
+                <a:latin typeface="+mn-lt"/>
+                <a:ea typeface="+mn-ea"/>
+                <a:cs typeface="+mn-cs"/>
+              </a:defRPr>
+            </a:lvl1pPr>
+            <a:lvl2pPr marL="742950" indent="-285750" algn="l" defTabSz="457200" rtl="0" eaLnBrk="1" latinLnBrk="0" hangingPunct="1">
+              <a:spcBef>
+                <a:spcPct val="20000"/>
+              </a:spcBef>
+              <a:buFont typeface="Arial"/>
+              <a:buChar char="–"/>
+              <a:defRPr sz="2800" kern="1200">
+                <a:solidFill>
+                  <a:schemeClr val="tx1"/>
+                </a:solidFill>
+                <a:latin typeface="+mn-lt"/>
+                <a:ea typeface="+mn-ea"/>
+                <a:cs typeface="+mn-cs"/>
+              </a:defRPr>
+            </a:lvl2pPr>
+            <a:lvl3pPr marL="1143000" indent="-228600" algn="l" defTabSz="457200" rtl="0" eaLnBrk="1" latinLnBrk="0" hangingPunct="1">
+              <a:spcBef>
+                <a:spcPct val="20000"/>
+              </a:spcBef>
+              <a:buFont typeface="Arial"/>
+              <a:buChar char="•"/>
+              <a:defRPr sz="2400" kern="1200">
+                <a:solidFill>
+                  <a:schemeClr val="tx1"/>
+                </a:solidFill>
+                <a:latin typeface="+mn-lt"/>
+                <a:ea typeface="+mn-ea"/>
+                <a:cs typeface="+mn-cs"/>
+              </a:defRPr>
+            </a:lvl3pPr>
+            <a:lvl4pPr marL="1600200" indent="-228600" algn="l" defTabSz="457200" rtl="0" eaLnBrk="1" latinLnBrk="0" hangingPunct="1">
+              <a:spcBef>
+                <a:spcPct val="20000"/>
+              </a:spcBef>
+              <a:buFont typeface="Arial"/>
+              <a:buChar char="–"/>
+              <a:defRPr sz="2000" kern="1200">
+                <a:solidFill>
+                  <a:schemeClr val="tx1"/>
+                </a:solidFill>
+                <a:latin typeface="+mn-lt"/>
+                <a:ea typeface="+mn-ea"/>
+                <a:cs typeface="+mn-cs"/>
+              </a:defRPr>
+            </a:lvl4pPr>
+            <a:lvl5pPr marL="2057400" indent="-228600" algn="l" defTabSz="457200" rtl="0" eaLnBrk="1" latinLnBrk="0" hangingPunct="1">
+              <a:spcBef>
+                <a:spcPct val="20000"/>
+              </a:spcBef>
+              <a:buFont typeface="Arial"/>
+              <a:buChar char="»"/>
+              <a:defRPr sz="2000" kern="1200">
+                <a:solidFill>
+                  <a:schemeClr val="tx1"/>
+                </a:solidFill>
+                <a:latin typeface="+mn-lt"/>
+                <a:ea typeface="+mn-ea"/>
+                <a:cs typeface="+mn-cs"/>
+              </a:defRPr>
+            </a:lvl5pPr>
+            <a:lvl6pPr marL="2514600" indent="-228600" algn="l" defTabSz="457200" rtl="0" eaLnBrk="1" latinLnBrk="0" hangingPunct="1">
+              <a:spcBef>
+                <a:spcPct val="20000"/>
+              </a:spcBef>
+              <a:buFont typeface="Arial"/>
+              <a:buChar char="•"/>
+              <a:defRPr sz="2000" kern="1200">
+                <a:solidFill>
+                  <a:schemeClr val="tx1"/>
+                </a:solidFill>
+                <a:latin typeface="+mn-lt"/>
+                <a:ea typeface="+mn-ea"/>
+                <a:cs typeface="+mn-cs"/>
+              </a:defRPr>
+            </a:lvl6pPr>
+            <a:lvl7pPr marL="2971800" indent="-228600" algn="l" defTabSz="457200" rtl="0" eaLnBrk="1" latinLnBrk="0" hangingPunct="1">
+              <a:spcBef>
+                <a:spcPct val="20000"/>
+              </a:spcBef>
+              <a:buFont typeface="Arial"/>
+              <a:buChar char="•"/>
+              <a:defRPr sz="2000" kern="1200">
+                <a:solidFill>
+                  <a:schemeClr val="tx1"/>
+                </a:solidFill>
+                <a:latin typeface="+mn-lt"/>
+                <a:ea typeface="+mn-ea"/>
+                <a:cs typeface="+mn-cs"/>
+              </a:defRPr>
+            </a:lvl7pPr>
+            <a:lvl8pPr marL="3429000" indent="-228600" algn="l" defTabSz="457200" rtl="0" eaLnBrk="1" latinLnBrk="0" hangingPunct="1">
+              <a:spcBef>
+                <a:spcPct val="20000"/>
+              </a:spcBef>
+              <a:buFont typeface="Arial"/>
+              <a:buChar char="•"/>
+              <a:defRPr sz="2000" kern="1200">
+                <a:solidFill>
+                  <a:schemeClr val="tx1"/>
+                </a:solidFill>
+                <a:latin typeface="+mn-lt"/>
+                <a:ea typeface="+mn-ea"/>
+                <a:cs typeface="+mn-cs"/>
+              </a:defRPr>
+            </a:lvl8pPr>
+            <a:lvl9pPr marL="3886200" indent="-228600" algn="l" defTabSz="457200" rtl="0" eaLnBrk="1" latinLnBrk="0" hangingPunct="1">
+              <a:spcBef>
+                <a:spcPct val="20000"/>
+              </a:spcBef>
+              <a:buFont typeface="Arial"/>
+              <a:buChar char="•"/>
+              <a:defRPr sz="2000" kern="1200">
+                <a:solidFill>
+                  <a:schemeClr val="tx1"/>
+                </a:solidFill>
+                <a:latin typeface="+mn-lt"/>
+                <a:ea typeface="+mn-ea"/>
+                <a:cs typeface="+mn-cs"/>
+              </a:defRPr>
+            </a:lvl9pPr>
+          </a:lstStyle>
+          <a:p>
+            <a:endParaRPr lang="en-US" dirty="0"/>
+          </a:p>
+          <a:p>
+            <a:r>
+              <a:rPr lang="en-US" dirty="0" err="1" smtClean="0"/>
+              <a:t>Jupyter</a:t>
+            </a:r>
+            <a:r>
+              <a:rPr lang="en-US" dirty="0" smtClean="0"/>
+              <a:t> provides </a:t>
+            </a:r>
+            <a:r>
+              <a:rPr lang="en-US" dirty="0"/>
+              <a:t>a rich architecture for interactive computing with:    </a:t>
+            </a:r>
+          </a:p>
+          <a:p>
+            <a:pPr lvl="1"/>
+            <a:r>
+              <a:rPr lang="en-US" dirty="0"/>
+              <a:t>Powerful interactive shells (terminal and </a:t>
+            </a:r>
+            <a:r>
+              <a:rPr lang="en-US" dirty="0" err="1"/>
+              <a:t>Qt</a:t>
+            </a:r>
+            <a:r>
+              <a:rPr lang="en-US" dirty="0"/>
+              <a:t>-based)</a:t>
+            </a:r>
+            <a:r>
+              <a:rPr lang="en-US" dirty="0" smtClean="0"/>
+              <a:t>.</a:t>
+            </a:r>
+          </a:p>
+          <a:p>
+            <a:pPr lvl="1"/>
+            <a:r>
+              <a:rPr lang="en-US" dirty="0" smtClean="0"/>
+              <a:t>A </a:t>
+            </a:r>
+            <a:r>
+              <a:rPr lang="en-US" b="1" dirty="0"/>
+              <a:t>browser-based notebook </a:t>
+            </a:r>
+            <a:r>
+              <a:rPr lang="en-US" dirty="0"/>
+              <a:t>with support for code, rich text, mathematical expressions, inline plots and other rich </a:t>
+            </a:r>
+            <a:r>
+              <a:rPr lang="en-US" dirty="0" smtClean="0"/>
+              <a:t>media.</a:t>
+            </a:r>
+          </a:p>
+          <a:p>
+            <a:pPr lvl="1"/>
+            <a:r>
+              <a:rPr lang="en-US" dirty="0" smtClean="0"/>
+              <a:t>Support </a:t>
+            </a:r>
+            <a:r>
+              <a:rPr lang="en-US" dirty="0"/>
+              <a:t>for interactive data visualization and use of GUI </a:t>
+            </a:r>
+            <a:r>
+              <a:rPr lang="en-US" dirty="0" smtClean="0"/>
+              <a:t>toolkits.</a:t>
+            </a:r>
+          </a:p>
+          <a:p>
+            <a:pPr lvl="1"/>
+            <a:r>
+              <a:rPr lang="en-US" dirty="0" smtClean="0"/>
+              <a:t>Flexible</a:t>
+            </a:r>
+            <a:r>
+              <a:rPr lang="en-US" dirty="0"/>
+              <a:t>, embeddable interpreters to load into your own </a:t>
+            </a:r>
+            <a:r>
+              <a:rPr lang="en-US" dirty="0" smtClean="0"/>
+              <a:t>projects.</a:t>
+            </a:r>
+          </a:p>
+          <a:p>
+            <a:pPr lvl="1"/>
+            <a:r>
+              <a:rPr lang="en-US" dirty="0" smtClean="0"/>
+              <a:t>Easy </a:t>
+            </a:r>
+            <a:r>
+              <a:rPr lang="en-US" dirty="0"/>
+              <a:t>to use, high performance tools for parallel computing.</a:t>
+            </a:r>
+          </a:p>
+        </p:txBody>
+      </p:sp>
+    </p:spTree>
+    <p:extLst>
+      <p:ext uri="{BB962C8B-B14F-4D97-AF65-F5344CB8AC3E}">
+        <p14:creationId xmlns:p14="http://schemas.microsoft.com/office/powerpoint/2010/main" val="2018473152"/>
+      </p:ext>
+    </p:extLst>
+  </p:cSld>
+  <p:clrMapOvr>
+    <a:masterClrMapping/>
+  </p:clrMapOvr>
+</p:sld>
+</file>
+
+<file path=ppt/slides/slide9.xml><?xml version="1.0" encoding="utf-8"?>
+<p:sld xmlns:a="http://schemas.openxmlformats.org/drawingml/2006/main" xmlns:r="http://schemas.openxmlformats.org/officeDocument/2006/relationships" xmlns:p="http://schemas.openxmlformats.org/presentationml/2006/main">
+  <p:cSld>
+    <p:spTree>
+      <p:nvGrpSpPr>
+        <p:cNvPr id="1" name=""/>
+        <p:cNvGrpSpPr/>
+        <p:nvPr/>
+      </p:nvGrpSpPr>
+      <p:grpSpPr>
+        <a:xfrm>
+          <a:off x="0" y="0"/>
+          <a:ext cx="0" cy="0"/>
+          <a:chOff x="0" y="0"/>
+          <a:chExt cx="0" cy="0"/>
+        </a:xfrm>
+      </p:grpSpPr>
+      <p:pic>
+        <p:nvPicPr>
+          <p:cNvPr id="3" name="Picture 2" descr="Screen Shot 2015-04-29 at 17.45.22.png"/>
+          <p:cNvPicPr>
+            <a:picLocks noChangeAspect="1"/>
+          </p:cNvPicPr>
+          <p:nvPr/>
+        </p:nvPicPr>
+        <p:blipFill>
+          <a:blip r:embed="rId2">
+            <a:extLst>
+              <a:ext uri="{28A0092B-C50C-407E-A947-70E740481C1C}">
+                <a14:useLocalDpi xmlns:a14="http://schemas.microsoft.com/office/drawing/2010/main" val="0"/>
+              </a:ext>
+            </a:extLst>
+          </a:blip>
+          <a:stretch>
+            <a:fillRect/>
+          </a:stretch>
+        </p:blipFill>
+        <p:spPr>
+          <a:xfrm>
+            <a:off x="1066800" y="0"/>
+            <a:ext cx="7001395" cy="6858000"/>
+          </a:xfrm>
+          <a:prstGeom prst="rect">
+            <a:avLst/>
+          </a:prstGeom>
+        </p:spPr>
+      </p:pic>
+      <p:cxnSp>
+        <p:nvCxnSpPr>
+          <p:cNvPr id="7" name="Straight Arrow Connector 6"/>
+          <p:cNvCxnSpPr/>
+          <p:nvPr/>
+        </p:nvCxnSpPr>
+        <p:spPr>
+          <a:xfrm flipH="1" flipV="1">
+            <a:off x="3225413" y="1534913"/>
+            <a:ext cx="4751317" cy="666956"/>
+          </a:xfrm>
+          <a:prstGeom prst="straightConnector1">
+            <a:avLst/>
+          </a:prstGeom>
+          <a:ln>
+            <a:tailEnd type="arrow"/>
+          </a:ln>
+        </p:spPr>
+        <p:style>
+          <a:lnRef idx="2">
+            <a:schemeClr val="accent1"/>
+          </a:lnRef>
+          <a:fillRef idx="0">
+            <a:schemeClr val="accent1"/>
+          </a:fillRef>
+          <a:effectRef idx="1">
+            <a:schemeClr val="accent1"/>
+          </a:effectRef>
+          <a:fontRef idx="minor">
+            <a:schemeClr val="tx1"/>
+          </a:fontRef>
+        </p:style>
+      </p:cxnSp>
+      <p:sp>
+        <p:nvSpPr>
+          <p:cNvPr id="9" name="TextBox 8"/>
+          <p:cNvSpPr txBox="1"/>
+          <p:nvPr/>
+        </p:nvSpPr>
+        <p:spPr>
+          <a:xfrm>
+            <a:off x="7142300" y="2201869"/>
+            <a:ext cx="1851789" cy="369332"/>
+          </a:xfrm>
+          <a:prstGeom prst="rect">
+            <a:avLst/>
+          </a:prstGeom>
+          <a:noFill/>
+        </p:spPr>
+        <p:txBody>
+          <a:bodyPr wrap="none" rtlCol="0">
+            <a:spAutoFit/>
+          </a:bodyPr>
+          <a:lstStyle/>
+          <a:p>
+            <a:r>
+              <a:rPr lang="en-US" dirty="0" smtClean="0"/>
+              <a:t>Run selected cells</a:t>
+            </a:r>
+            <a:endParaRPr lang="en-US" dirty="0"/>
+          </a:p>
+        </p:txBody>
+      </p:sp>
+    </p:spTree>
+    <p:extLst>
+      <p:ext uri="{BB962C8B-B14F-4D97-AF65-F5344CB8AC3E}">
+        <p14:creationId xmlns:p14="http://schemas.microsoft.com/office/powerpoint/2010/main" val="956557928"/>
+      </p:ext>
+    </p:extLst>
+  </p:cSld>
+  <p:clrMapOvr>
+    <a:masterClrMapping/>
+  </p:clrMapOvr>
+</p:sld>
+</file>
+
 <file path=ppt/theme/theme1.xml><?xml version="1.0" encoding="utf-8"?>
 <a:theme xmlns:a="http://schemas.openxmlformats.org/drawingml/2006/main" name="Office Theme">
   <a:themeElements>

--- a/course_intro.pptx
+++ b/course_intro.pptx
@@ -204,7 +204,7 @@
           <a:p>
             <a:fld id="{4904B9C1-6A3D-4C13-A01D-A515624776C7}" type="datetimeFigureOut">
               <a:rPr lang="en-GB" smtClean="0"/>
-              <a:t>14/12/15</a:t>
+              <a:t>25/02/16</a:t>
             </a:fld>
             <a:endParaRPr lang="en-GB"/>
           </a:p>
@@ -1223,7 +1223,7 @@
             <a:fld id="{68EFDCB5-6D71-EB44-9F0A-D3622F5F58F7}" type="datetimeFigureOut">
               <a:rPr lang="en-US" smtClean="0"/>
               <a:pPr/>
-              <a:t>14/12/15</a:t>
+              <a:t>25/02/16</a:t>
             </a:fld>
             <a:endParaRPr lang="en-US"/>
           </a:p>
@@ -1395,7 +1395,7 @@
             <a:fld id="{68EFDCB5-6D71-EB44-9F0A-D3622F5F58F7}" type="datetimeFigureOut">
               <a:rPr lang="en-US" smtClean="0"/>
               <a:pPr/>
-              <a:t>14/12/15</a:t>
+              <a:t>25/02/16</a:t>
             </a:fld>
             <a:endParaRPr lang="en-US"/>
           </a:p>
@@ -1577,7 +1577,7 @@
             <a:fld id="{68EFDCB5-6D71-EB44-9F0A-D3622F5F58F7}" type="datetimeFigureOut">
               <a:rPr lang="en-US" smtClean="0"/>
               <a:pPr/>
-              <a:t>14/12/15</a:t>
+              <a:t>25/02/16</a:t>
             </a:fld>
             <a:endParaRPr lang="en-US"/>
           </a:p>
@@ -1749,7 +1749,7 @@
             <a:fld id="{68EFDCB5-6D71-EB44-9F0A-D3622F5F58F7}" type="datetimeFigureOut">
               <a:rPr lang="en-US" smtClean="0"/>
               <a:pPr/>
-              <a:t>14/12/15</a:t>
+              <a:t>25/02/16</a:t>
             </a:fld>
             <a:endParaRPr lang="en-US"/>
           </a:p>
@@ -1997,7 +1997,7 @@
             <a:fld id="{68EFDCB5-6D71-EB44-9F0A-D3622F5F58F7}" type="datetimeFigureOut">
               <a:rPr lang="en-US" smtClean="0"/>
               <a:pPr/>
-              <a:t>14/12/15</a:t>
+              <a:t>25/02/16</a:t>
             </a:fld>
             <a:endParaRPr lang="en-US"/>
           </a:p>
@@ -2287,7 +2287,7 @@
             <a:fld id="{68EFDCB5-6D71-EB44-9F0A-D3622F5F58F7}" type="datetimeFigureOut">
               <a:rPr lang="en-US" smtClean="0"/>
               <a:pPr/>
-              <a:t>14/12/15</a:t>
+              <a:t>25/02/16</a:t>
             </a:fld>
             <a:endParaRPr lang="en-US"/>
           </a:p>
@@ -2711,7 +2711,7 @@
             <a:fld id="{68EFDCB5-6D71-EB44-9F0A-D3622F5F58F7}" type="datetimeFigureOut">
               <a:rPr lang="en-US" smtClean="0"/>
               <a:pPr/>
-              <a:t>14/12/15</a:t>
+              <a:t>25/02/16</a:t>
             </a:fld>
             <a:endParaRPr lang="en-US"/>
           </a:p>
@@ -2831,7 +2831,7 @@
             <a:fld id="{68EFDCB5-6D71-EB44-9F0A-D3622F5F58F7}" type="datetimeFigureOut">
               <a:rPr lang="en-US" smtClean="0"/>
               <a:pPr/>
-              <a:t>14/12/15</a:t>
+              <a:t>25/02/16</a:t>
             </a:fld>
             <a:endParaRPr lang="en-US"/>
           </a:p>
@@ -2928,7 +2928,7 @@
             <a:fld id="{68EFDCB5-6D71-EB44-9F0A-D3622F5F58F7}" type="datetimeFigureOut">
               <a:rPr lang="en-US" smtClean="0"/>
               <a:pPr/>
-              <a:t>14/12/15</a:t>
+              <a:t>25/02/16</a:t>
             </a:fld>
             <a:endParaRPr lang="en-US"/>
           </a:p>
@@ -3207,7 +3207,7 @@
             <a:fld id="{68EFDCB5-6D71-EB44-9F0A-D3622F5F58F7}" type="datetimeFigureOut">
               <a:rPr lang="en-US" smtClean="0"/>
               <a:pPr/>
-              <a:t>14/12/15</a:t>
+              <a:t>25/02/16</a:t>
             </a:fld>
             <a:endParaRPr lang="en-US"/>
           </a:p>
@@ -3462,7 +3462,7 @@
             <a:fld id="{68EFDCB5-6D71-EB44-9F0A-D3622F5F58F7}" type="datetimeFigureOut">
               <a:rPr lang="en-US" smtClean="0"/>
               <a:pPr/>
-              <a:t>14/12/15</a:t>
+              <a:t>25/02/16</a:t>
             </a:fld>
             <a:endParaRPr lang="en-US"/>
           </a:p>
@@ -3677,7 +3677,7 @@
             <a:fld id="{68EFDCB5-6D71-EB44-9F0A-D3622F5F58F7}" type="datetimeFigureOut">
               <a:rPr lang="en-US" smtClean="0"/>
               <a:pPr/>
-              <a:t>14/12/15</a:t>
+              <a:t>25/02/16</a:t>
             </a:fld>
             <a:endParaRPr lang="en-US"/>
           </a:p>
@@ -4099,48 +4099,22 @@
           <a:lstStyle/>
           <a:p>
             <a:r>
-              <a:rPr lang="en-US" sz="2000" dirty="0" smtClean="0"/>
-              <a:t>Gordon Brown</a:t>
-            </a:r>
-            <a:r>
-              <a:rPr lang="en-US" sz="2000" dirty="0"/>
-              <a:t>, CRUK Cambridge </a:t>
-            </a:r>
-            <a:r>
-              <a:rPr lang="en-US" sz="2000" dirty="0" smtClean="0"/>
-              <a:t>Institute</a:t>
-            </a:r>
-          </a:p>
-          <a:p>
-            <a:r>
-              <a:rPr lang="en-US" sz="2000" dirty="0"/>
-              <a:t>Henry </a:t>
-            </a:r>
-            <a:r>
-              <a:rPr lang="en-US" sz="2000" dirty="0" err="1" smtClean="0"/>
-              <a:t>Farmery</a:t>
-            </a:r>
-            <a:r>
-              <a:rPr lang="en-US" sz="2000" dirty="0" smtClean="0"/>
-              <a:t>, </a:t>
-            </a:r>
-            <a:r>
-              <a:rPr lang="en-US" sz="2000" dirty="0"/>
-              <a:t>CRUK Cambridge Institute</a:t>
-            </a:r>
-            <a:endParaRPr lang="en-US" sz="2000" dirty="0" smtClean="0"/>
-          </a:p>
-          <a:p>
-            <a:r>
-              <a:rPr lang="en-US" sz="2000" dirty="0" smtClean="0"/>
+              <a:rPr lang="en-US" sz="2400" dirty="0" smtClean="0"/>
+              <a:t>Martin Hunt, Sanger Institute</a:t>
+            </a:r>
+            <a:endParaRPr lang="en-US" sz="2400" dirty="0" smtClean="0"/>
+          </a:p>
+          <a:p>
+            <a:r>
+              <a:rPr lang="en-US" sz="2400" dirty="0" smtClean="0"/>
               <a:t>Anne </a:t>
             </a:r>
             <a:r>
-              <a:rPr lang="en-US" sz="2000" dirty="0" err="1" smtClean="0"/>
+              <a:rPr lang="en-US" sz="2400" dirty="0" err="1" smtClean="0"/>
               <a:t>Pajon</a:t>
             </a:r>
             <a:r>
-              <a:rPr lang="en-US" sz="2000" dirty="0"/>
+              <a:rPr lang="en-US" sz="2400" dirty="0"/>
               <a:t>, CRUK Cambridge Institute</a:t>
             </a:r>
           </a:p>
